--- a/ExpertsLiveIN2019/AzureAtTheCommandLine-Ravikanth.pptx
+++ b/ExpertsLiveIN2019/AzureAtTheCommandLine-Ravikanth.pptx
@@ -5,17 +5,24 @@
     <p:sldMasterId id="2147483658" r:id="rId4"/>
   </p:sldMasterIdLst>
   <p:notesMasterIdLst>
-    <p:notesMasterId r:id="rId10"/>
+    <p:notesMasterId r:id="rId17"/>
   </p:notesMasterIdLst>
   <p:handoutMasterIdLst>
-    <p:handoutMasterId r:id="rId11"/>
+    <p:handoutMasterId r:id="rId18"/>
   </p:handoutMasterIdLst>
   <p:sldIdLst>
     <p:sldId id="256" r:id="rId5"/>
     <p:sldId id="260" r:id="rId6"/>
     <p:sldId id="258" r:id="rId7"/>
     <p:sldId id="261" r:id="rId8"/>
-    <p:sldId id="259" r:id="rId9"/>
+    <p:sldId id="262" r:id="rId9"/>
+    <p:sldId id="265" r:id="rId10"/>
+    <p:sldId id="268" r:id="rId11"/>
+    <p:sldId id="266" r:id="rId12"/>
+    <p:sldId id="269" r:id="rId13"/>
+    <p:sldId id="270" r:id="rId14"/>
+    <p:sldId id="267" r:id="rId15"/>
+    <p:sldId id="259" r:id="rId16"/>
   </p:sldIdLst>
   <p:sldSz cx="9144000" cy="5143500" type="screen16x9"/>
   <p:notesSz cx="6858000" cy="9144000"/>
@@ -115,6 +122,42 @@
     </a:lvl9pPr>
   </p:defaultTextStyle>
   <p:extLst>
+    <p:ext uri="{521415D9-36F7-43E2-AB2F-B90AF26B5E84}">
+      <p14:sectionLst xmlns:p14="http://schemas.microsoft.com/office/powerpoint/2010/main">
+        <p14:section name="Default Section" id="{982F166D-51CD-44E6-AF9B-C7EE55CBDB56}">
+          <p14:sldIdLst>
+            <p14:sldId id="256"/>
+            <p14:sldId id="260"/>
+            <p14:sldId id="258"/>
+          </p14:sldIdLst>
+        </p14:section>
+        <p14:section name="Introduction" id="{A7FF448D-4B66-4DFD-9CFC-6BA07B834316}">
+          <p14:sldIdLst>
+            <p14:sldId id="261"/>
+            <p14:sldId id="262"/>
+          </p14:sldIdLst>
+        </p14:section>
+        <p14:section name="AzCli" id="{74286B3F-8780-4223-997D-83C18B969D2A}">
+          <p14:sldIdLst>
+            <p14:sldId id="265"/>
+            <p14:sldId id="268"/>
+          </p14:sldIdLst>
+        </p14:section>
+        <p14:section name="AzModule" id="{92A985D9-6D5C-4167-8240-1565D6CFDECD}">
+          <p14:sldIdLst>
+            <p14:sldId id="266"/>
+            <p14:sldId id="269"/>
+          </p14:sldIdLst>
+        </p14:section>
+        <p14:section name="Summary" id="{0D4C8057-C9E4-4427-9037-D8AE64DB9427}">
+          <p14:sldIdLst>
+            <p14:sldId id="270"/>
+            <p14:sldId id="267"/>
+            <p14:sldId id="259"/>
+          </p14:sldIdLst>
+        </p14:section>
+      </p14:sectionLst>
+    </p:ext>
     <p:ext uri="{EFAFB233-063F-42B5-8137-9DF3F51BA10A}">
       <p15:sldGuideLst xmlns:p15="http://schemas.microsoft.com/office/powerpoint/2012/main">
         <p15:guide id="1" orient="horz" pos="1619">
@@ -215,7 +258,7 @@
           <a:p>
             <a:fld id="{3E82F302-A7C8-034E-97BB-FC8263E03487}" type="datetimeFigureOut">
               <a:rPr lang="en-US" smtClean="0"/>
-              <a:t>1/9/2019</a:t>
+              <a:t>1/15/2019</a:t>
             </a:fld>
             <a:endParaRPr lang="en-US"/>
           </a:p>
@@ -380,7 +423,7 @@
           <a:p>
             <a:fld id="{572B889E-FB6B-4D81-8FCC-1555F636B1A5}" type="datetimeFigureOut">
               <a:rPr lang="x-none" smtClean="0"/>
-              <a:t>1/9/2019</a:t>
+              <a:t>1/15/2019</a:t>
             </a:fld>
             <a:endParaRPr lang="x-none"/>
           </a:p>
@@ -646,6 +689,353 @@
     </a:lvl9pPr>
   </p:notesStyle>
 </p:notesMaster>
+</file>
+
+<file path=ppt/notesSlides/notesSlide1.xml><?xml version="1.0" encoding="utf-8"?>
+<p:notes xmlns:a="http://schemas.openxmlformats.org/drawingml/2006/main" xmlns:r="http://schemas.openxmlformats.org/officeDocument/2006/relationships" xmlns:p="http://schemas.openxmlformats.org/presentationml/2006/main">
+  <p:cSld>
+    <p:spTree>
+      <p:nvGrpSpPr>
+        <p:cNvPr id="1" name=""/>
+        <p:cNvGrpSpPr/>
+        <p:nvPr/>
+      </p:nvGrpSpPr>
+      <p:grpSpPr>
+        <a:xfrm>
+          <a:off x="0" y="0"/>
+          <a:ext cx="0" cy="0"/>
+          <a:chOff x="0" y="0"/>
+          <a:chExt cx="0" cy="0"/>
+        </a:xfrm>
+      </p:grpSpPr>
+      <p:sp>
+        <p:nvSpPr>
+          <p:cNvPr id="2" name="Slide Image Placeholder 1"/>
+          <p:cNvSpPr>
+            <a:spLocks noGrp="1" noRot="1" noChangeAspect="1"/>
+          </p:cNvSpPr>
+          <p:nvPr>
+            <p:ph type="sldImg"/>
+          </p:nvPr>
+        </p:nvSpPr>
+        <p:spPr/>
+      </p:sp>
+      <p:sp>
+        <p:nvSpPr>
+          <p:cNvPr id="3" name="Notes Placeholder 2"/>
+          <p:cNvSpPr>
+            <a:spLocks noGrp="1"/>
+          </p:cNvSpPr>
+          <p:nvPr>
+            <p:ph type="body" idx="1"/>
+          </p:nvPr>
+        </p:nvSpPr>
+        <p:spPr/>
+        <p:txBody>
+          <a:bodyPr/>
+          <a:lstStyle/>
+          <a:p>
+            <a:endParaRPr lang="en-IN" dirty="0"/>
+          </a:p>
+        </p:txBody>
+      </p:sp>
+      <p:sp>
+        <p:nvSpPr>
+          <p:cNvPr id="4" name="Slide Number Placeholder 3"/>
+          <p:cNvSpPr>
+            <a:spLocks noGrp="1"/>
+          </p:cNvSpPr>
+          <p:nvPr>
+            <p:ph type="sldNum" sz="quarter" idx="5"/>
+          </p:nvPr>
+        </p:nvSpPr>
+        <p:spPr/>
+        <p:txBody>
+          <a:bodyPr/>
+          <a:lstStyle/>
+          <a:p>
+            <a:fld id="{87D14CCA-F323-4048-B6FE-F8FEE77E6C44}" type="slidenum">
+              <a:rPr lang="x-none" smtClean="0"/>
+              <a:t>5</a:t>
+            </a:fld>
+            <a:endParaRPr lang="x-none"/>
+          </a:p>
+        </p:txBody>
+      </p:sp>
+    </p:spTree>
+    <p:extLst>
+      <p:ext uri="{BB962C8B-B14F-4D97-AF65-F5344CB8AC3E}">
+        <p14:creationId xmlns:p14="http://schemas.microsoft.com/office/powerpoint/2010/main" val="1804775640"/>
+      </p:ext>
+    </p:extLst>
+  </p:cSld>
+  <p:clrMapOvr>
+    <a:masterClrMapping/>
+  </p:clrMapOvr>
+</p:notes>
+</file>
+
+<file path=ppt/notesSlides/notesSlide2.xml><?xml version="1.0" encoding="utf-8"?>
+<p:notes xmlns:a="http://schemas.openxmlformats.org/drawingml/2006/main" xmlns:r="http://schemas.openxmlformats.org/officeDocument/2006/relationships" xmlns:p="http://schemas.openxmlformats.org/presentationml/2006/main">
+  <p:cSld>
+    <p:spTree>
+      <p:nvGrpSpPr>
+        <p:cNvPr id="1" name=""/>
+        <p:cNvGrpSpPr/>
+        <p:nvPr/>
+      </p:nvGrpSpPr>
+      <p:grpSpPr>
+        <a:xfrm>
+          <a:off x="0" y="0"/>
+          <a:ext cx="0" cy="0"/>
+          <a:chOff x="0" y="0"/>
+          <a:chExt cx="0" cy="0"/>
+        </a:xfrm>
+      </p:grpSpPr>
+      <p:sp>
+        <p:nvSpPr>
+          <p:cNvPr id="2" name="Slide Image Placeholder 1"/>
+          <p:cNvSpPr>
+            <a:spLocks noGrp="1" noRot="1" noChangeAspect="1"/>
+          </p:cNvSpPr>
+          <p:nvPr>
+            <p:ph type="sldImg"/>
+          </p:nvPr>
+        </p:nvSpPr>
+        <p:spPr/>
+      </p:sp>
+      <p:sp>
+        <p:nvSpPr>
+          <p:cNvPr id="3" name="Notes Placeholder 2"/>
+          <p:cNvSpPr>
+            <a:spLocks noGrp="1"/>
+          </p:cNvSpPr>
+          <p:nvPr>
+            <p:ph type="body" idx="1"/>
+          </p:nvPr>
+        </p:nvSpPr>
+        <p:spPr/>
+        <p:txBody>
+          <a:bodyPr/>
+          <a:lstStyle/>
+          <a:p>
+            <a:pPr marL="171450" indent="-171450">
+              <a:buFontTx/>
+              <a:buChar char="-"/>
+            </a:pPr>
+            <a:r>
+              <a:rPr lang="en-IN" dirty="0"/>
+              <a:t>Azure Cloud Shell (https://shell.azure.com)</a:t>
+            </a:r>
+          </a:p>
+          <a:p>
+            <a:pPr marL="171450" indent="-171450">
+              <a:buFontTx/>
+              <a:buChar char="-"/>
+            </a:pPr>
+            <a:r>
+              <a:rPr lang="en-IN" dirty="0"/>
+              <a:t>Bash Cloud Shell in VS Code</a:t>
+            </a:r>
+          </a:p>
+          <a:p>
+            <a:pPr marL="171450" indent="-171450">
+              <a:buFontTx/>
+              <a:buChar char="-"/>
+            </a:pPr>
+            <a:r>
+              <a:rPr lang="en-IN" dirty="0"/>
+              <a:t>WSL in VS Code</a:t>
+            </a:r>
+          </a:p>
+          <a:p>
+            <a:pPr marL="171450" indent="-171450">
+              <a:buFontTx/>
+              <a:buChar char="-"/>
+            </a:pPr>
+            <a:r>
+              <a:rPr lang="en-IN" dirty="0"/>
+              <a:t>At </a:t>
+            </a:r>
+            <a:r>
+              <a:rPr lang="en-IN" dirty="0" err="1"/>
+              <a:t>cmd</a:t>
+            </a:r>
+            <a:endParaRPr lang="en-IN" dirty="0"/>
+          </a:p>
+          <a:p>
+            <a:endParaRPr lang="en-IN" dirty="0"/>
+          </a:p>
+        </p:txBody>
+      </p:sp>
+      <p:sp>
+        <p:nvSpPr>
+          <p:cNvPr id="4" name="Slide Number Placeholder 3"/>
+          <p:cNvSpPr>
+            <a:spLocks noGrp="1"/>
+          </p:cNvSpPr>
+          <p:nvPr>
+            <p:ph type="sldNum" sz="quarter" idx="5"/>
+          </p:nvPr>
+        </p:nvSpPr>
+        <p:spPr/>
+        <p:txBody>
+          <a:bodyPr/>
+          <a:lstStyle/>
+          <a:p>
+            <a:fld id="{87D14CCA-F323-4048-B6FE-F8FEE77E6C44}" type="slidenum">
+              <a:rPr lang="x-none" smtClean="0"/>
+              <a:t>7</a:t>
+            </a:fld>
+            <a:endParaRPr lang="x-none"/>
+          </a:p>
+        </p:txBody>
+      </p:sp>
+    </p:spTree>
+    <p:extLst>
+      <p:ext uri="{BB962C8B-B14F-4D97-AF65-F5344CB8AC3E}">
+        <p14:creationId xmlns:p14="http://schemas.microsoft.com/office/powerpoint/2010/main" val="806412027"/>
+      </p:ext>
+    </p:extLst>
+  </p:cSld>
+  <p:clrMapOvr>
+    <a:masterClrMapping/>
+  </p:clrMapOvr>
+</p:notes>
+</file>
+
+<file path=ppt/notesSlides/notesSlide3.xml><?xml version="1.0" encoding="utf-8"?>
+<p:notes xmlns:a="http://schemas.openxmlformats.org/drawingml/2006/main" xmlns:r="http://schemas.openxmlformats.org/officeDocument/2006/relationships" xmlns:p="http://schemas.openxmlformats.org/presentationml/2006/main">
+  <p:cSld>
+    <p:spTree>
+      <p:nvGrpSpPr>
+        <p:cNvPr id="1" name=""/>
+        <p:cNvGrpSpPr/>
+        <p:nvPr/>
+      </p:nvGrpSpPr>
+      <p:grpSpPr>
+        <a:xfrm>
+          <a:off x="0" y="0"/>
+          <a:ext cx="0" cy="0"/>
+          <a:chOff x="0" y="0"/>
+          <a:chExt cx="0" cy="0"/>
+        </a:xfrm>
+      </p:grpSpPr>
+      <p:sp>
+        <p:nvSpPr>
+          <p:cNvPr id="2" name="Slide Image Placeholder 1"/>
+          <p:cNvSpPr>
+            <a:spLocks noGrp="1" noRot="1" noChangeAspect="1"/>
+          </p:cNvSpPr>
+          <p:nvPr>
+            <p:ph type="sldImg"/>
+          </p:nvPr>
+        </p:nvSpPr>
+        <p:spPr/>
+      </p:sp>
+      <p:sp>
+        <p:nvSpPr>
+          <p:cNvPr id="3" name="Notes Placeholder 2"/>
+          <p:cNvSpPr>
+            <a:spLocks noGrp="1"/>
+          </p:cNvSpPr>
+          <p:nvPr>
+            <p:ph type="body" idx="1"/>
+          </p:nvPr>
+        </p:nvSpPr>
+        <p:spPr/>
+        <p:txBody>
+          <a:bodyPr/>
+          <a:lstStyle/>
+          <a:p>
+            <a:pPr marL="171450" indent="-171450">
+              <a:buFontTx/>
+              <a:buChar char="-"/>
+            </a:pPr>
+            <a:r>
+              <a:rPr lang="en-IN" dirty="0"/>
+              <a:t>Azure Cloud Shell (https://shell.azure.com)</a:t>
+            </a:r>
+          </a:p>
+          <a:p>
+            <a:pPr marL="171450" indent="-171450">
+              <a:buFontTx/>
+              <a:buChar char="-"/>
+            </a:pPr>
+            <a:r>
+              <a:rPr lang="en-IN" dirty="0"/>
+              <a:t>PowerShell Cloud Shell in VS Code</a:t>
+            </a:r>
+          </a:p>
+          <a:p>
+            <a:pPr marL="171450" indent="-171450">
+              <a:buFontTx/>
+              <a:buChar char="-"/>
+            </a:pPr>
+            <a:r>
+              <a:rPr lang="en-IN" dirty="0"/>
+              <a:t>WSL in VS Code (with </a:t>
+            </a:r>
+            <a:r>
+              <a:rPr lang="en-IN" dirty="0" err="1"/>
+              <a:t>pwsh</a:t>
+            </a:r>
+            <a:r>
+              <a:rPr lang="en-IN" dirty="0"/>
+              <a:t>)</a:t>
+            </a:r>
+          </a:p>
+          <a:p>
+            <a:pPr marL="171450" indent="-171450">
+              <a:buFontTx/>
+              <a:buChar char="-"/>
+            </a:pPr>
+            <a:r>
+              <a:rPr lang="en-IN" dirty="0"/>
+              <a:t>At </a:t>
+            </a:r>
+            <a:r>
+              <a:rPr lang="en-IN" dirty="0" err="1"/>
+              <a:t>cmd</a:t>
+            </a:r>
+            <a:endParaRPr lang="en-IN" dirty="0"/>
+          </a:p>
+        </p:txBody>
+      </p:sp>
+      <p:sp>
+        <p:nvSpPr>
+          <p:cNvPr id="4" name="Slide Number Placeholder 3"/>
+          <p:cNvSpPr>
+            <a:spLocks noGrp="1"/>
+          </p:cNvSpPr>
+          <p:nvPr>
+            <p:ph type="sldNum" sz="quarter" idx="5"/>
+          </p:nvPr>
+        </p:nvSpPr>
+        <p:spPr/>
+        <p:txBody>
+          <a:bodyPr/>
+          <a:lstStyle/>
+          <a:p>
+            <a:fld id="{87D14CCA-F323-4048-B6FE-F8FEE77E6C44}" type="slidenum">
+              <a:rPr lang="x-none" smtClean="0"/>
+              <a:t>9</a:t>
+            </a:fld>
+            <a:endParaRPr lang="x-none"/>
+          </a:p>
+        </p:txBody>
+      </p:sp>
+    </p:spTree>
+    <p:extLst>
+      <p:ext uri="{BB962C8B-B14F-4D97-AF65-F5344CB8AC3E}">
+        <p14:creationId xmlns:p14="http://schemas.microsoft.com/office/powerpoint/2010/main" val="121403927"/>
+      </p:ext>
+    </p:extLst>
+  </p:cSld>
+  <p:clrMapOvr>
+    <a:masterClrMapping/>
+  </p:clrMapOvr>
+</p:notes>
 </file>
 
 <file path=ppt/slideLayouts/slideLayout1.xml><?xml version="1.0" encoding="utf-8"?>
@@ -1641,6 +2031,723 @@
 </p:sld>
 </file>
 
+<file path=ppt/slides/slide10.xml><?xml version="1.0" encoding="utf-8"?>
+<p:sld xmlns:a="http://schemas.openxmlformats.org/drawingml/2006/main" xmlns:r="http://schemas.openxmlformats.org/officeDocument/2006/relationships" xmlns:p="http://schemas.openxmlformats.org/presentationml/2006/main">
+  <p:cSld>
+    <p:spTree>
+      <p:nvGrpSpPr>
+        <p:cNvPr id="1" name=""/>
+        <p:cNvGrpSpPr/>
+        <p:nvPr/>
+      </p:nvGrpSpPr>
+      <p:grpSpPr>
+        <a:xfrm>
+          <a:off x="0" y="0"/>
+          <a:ext cx="0" cy="0"/>
+          <a:chOff x="0" y="0"/>
+          <a:chExt cx="0" cy="0"/>
+        </a:xfrm>
+      </p:grpSpPr>
+      <p:sp>
+        <p:nvSpPr>
+          <p:cNvPr id="2" name="Title 1">
+            <a:extLst>
+              <a:ext uri="{FF2B5EF4-FFF2-40B4-BE49-F238E27FC236}">
+                <a16:creationId xmlns:a16="http://schemas.microsoft.com/office/drawing/2014/main" id="{EF1BD31A-C2A5-406C-A72A-E431B322034A}"/>
+              </a:ext>
+            </a:extLst>
+          </p:cNvPr>
+          <p:cNvSpPr>
+            <a:spLocks noGrp="1"/>
+          </p:cNvSpPr>
+          <p:nvPr>
+            <p:ph type="title"/>
+          </p:nvPr>
+        </p:nvSpPr>
+        <p:spPr/>
+        <p:txBody>
+          <a:bodyPr/>
+          <a:lstStyle/>
+          <a:p>
+            <a:r>
+              <a:rPr lang="en-IN" dirty="0"/>
+              <a:t>Resources</a:t>
+            </a:r>
+          </a:p>
+        </p:txBody>
+      </p:sp>
+      <p:sp>
+        <p:nvSpPr>
+          <p:cNvPr id="3" name="Text Placeholder 2">
+            <a:extLst>
+              <a:ext uri="{FF2B5EF4-FFF2-40B4-BE49-F238E27FC236}">
+                <a16:creationId xmlns:a16="http://schemas.microsoft.com/office/drawing/2014/main" id="{900E70F6-F60A-4EF3-90B4-6D591F0C4B6B}"/>
+              </a:ext>
+            </a:extLst>
+          </p:cNvPr>
+          <p:cNvSpPr>
+            <a:spLocks noGrp="1"/>
+          </p:cNvSpPr>
+          <p:nvPr>
+            <p:ph type="body" sz="quarter" idx="10"/>
+          </p:nvPr>
+        </p:nvSpPr>
+        <p:spPr/>
+        <p:txBody>
+          <a:bodyPr/>
+          <a:lstStyle/>
+          <a:p>
+            <a:r>
+              <a:rPr lang="en-IN" dirty="0"/>
+              <a:t>Az </a:t>
+            </a:r>
+            <a:r>
+              <a:rPr lang="en-IN" dirty="0" err="1"/>
+              <a:t>Cli</a:t>
+            </a:r>
+            <a:r>
+              <a:rPr lang="en-IN" dirty="0"/>
+              <a:t>:</a:t>
+            </a:r>
+            <a:r>
+              <a:rPr lang="en-IN" dirty="0">
+                <a:solidFill>
+                  <a:schemeClr val="accent1"/>
+                </a:solidFill>
+              </a:rPr>
+              <a:t> </a:t>
+            </a:r>
+            <a:r>
+              <a:rPr lang="en-IN" dirty="0">
+                <a:solidFill>
+                  <a:schemeClr val="accent1"/>
+                </a:solidFill>
+                <a:hlinkClick r:id="rId2">
+                  <a:extLst>
+                    <a:ext uri="{A12FA001-AC4F-418D-AE19-62706E023703}">
+                      <ahyp:hlinkClr xmlns:ahyp="http://schemas.microsoft.com/office/drawing/2018/hyperlinkcolor" val="tx"/>
+                    </a:ext>
+                  </a:extLst>
+                </a:hlinkClick>
+              </a:rPr>
+              <a:t>https://github.com/Azure/azure-cli</a:t>
+            </a:r>
+            <a:r>
+              <a:rPr lang="en-IN" dirty="0">
+                <a:solidFill>
+                  <a:schemeClr val="accent1"/>
+                </a:solidFill>
+              </a:rPr>
+              <a:t> </a:t>
+            </a:r>
+          </a:p>
+          <a:p>
+            <a:r>
+              <a:rPr lang="en-IN" dirty="0"/>
+              <a:t>Az Module:</a:t>
+            </a:r>
+            <a:r>
+              <a:rPr lang="en-IN" dirty="0">
+                <a:solidFill>
+                  <a:schemeClr val="accent1"/>
+                </a:solidFill>
+              </a:rPr>
+              <a:t> </a:t>
+            </a:r>
+            <a:r>
+              <a:rPr lang="en-IN" dirty="0">
+                <a:solidFill>
+                  <a:schemeClr val="accent1"/>
+                </a:solidFill>
+                <a:hlinkClick r:id="rId3">
+                  <a:extLst>
+                    <a:ext uri="{A12FA001-AC4F-418D-AE19-62706E023703}">
+                      <ahyp:hlinkClr xmlns:ahyp="http://schemas.microsoft.com/office/drawing/2018/hyperlinkcolor" val="tx"/>
+                    </a:ext>
+                  </a:extLst>
+                </a:hlinkClick>
+              </a:rPr>
+              <a:t>https://github.com/Azure/azure-powershell</a:t>
+            </a:r>
+            <a:r>
+              <a:rPr lang="en-IN" dirty="0">
+                <a:solidFill>
+                  <a:schemeClr val="accent1"/>
+                </a:solidFill>
+              </a:rPr>
+              <a:t> </a:t>
+            </a:r>
+          </a:p>
+          <a:p>
+            <a:endParaRPr lang="en-IN" dirty="0"/>
+          </a:p>
+        </p:txBody>
+      </p:sp>
+    </p:spTree>
+    <p:extLst>
+      <p:ext uri="{BB962C8B-B14F-4D97-AF65-F5344CB8AC3E}">
+        <p14:creationId xmlns:p14="http://schemas.microsoft.com/office/powerpoint/2010/main" val="2320735408"/>
+      </p:ext>
+    </p:extLst>
+  </p:cSld>
+  <p:clrMapOvr>
+    <a:masterClrMapping/>
+  </p:clrMapOvr>
+</p:sld>
+</file>
+
+<file path=ppt/slides/slide11.xml><?xml version="1.0" encoding="utf-8"?>
+<p:sld xmlns:a="http://schemas.openxmlformats.org/drawingml/2006/main" xmlns:r="http://schemas.openxmlformats.org/officeDocument/2006/relationships" xmlns:p="http://schemas.openxmlformats.org/presentationml/2006/main">
+  <p:cSld>
+    <p:spTree>
+      <p:nvGrpSpPr>
+        <p:cNvPr id="1" name=""/>
+        <p:cNvGrpSpPr/>
+        <p:nvPr/>
+      </p:nvGrpSpPr>
+      <p:grpSpPr>
+        <a:xfrm>
+          <a:off x="0" y="0"/>
+          <a:ext cx="0" cy="0"/>
+          <a:chOff x="0" y="0"/>
+          <a:chExt cx="0" cy="0"/>
+        </a:xfrm>
+      </p:grpSpPr>
+      <p:sp>
+        <p:nvSpPr>
+          <p:cNvPr id="2" name="Title 1">
+            <a:extLst>
+              <a:ext uri="{FF2B5EF4-FFF2-40B4-BE49-F238E27FC236}">
+                <a16:creationId xmlns:a16="http://schemas.microsoft.com/office/drawing/2014/main" id="{DA689BA0-8A96-4D22-A168-3F47DD71A9A4}"/>
+              </a:ext>
+            </a:extLst>
+          </p:cNvPr>
+          <p:cNvSpPr>
+            <a:spLocks noGrp="1"/>
+          </p:cNvSpPr>
+          <p:nvPr>
+            <p:ph type="title"/>
+          </p:nvPr>
+        </p:nvSpPr>
+        <p:spPr/>
+        <p:txBody>
+          <a:bodyPr/>
+          <a:lstStyle/>
+          <a:p>
+            <a:r>
+              <a:rPr lang="en-IN" dirty="0"/>
+              <a:t>Summary</a:t>
+            </a:r>
+          </a:p>
+        </p:txBody>
+      </p:sp>
+      <p:sp>
+        <p:nvSpPr>
+          <p:cNvPr id="3" name="Text Placeholder 2">
+            <a:extLst>
+              <a:ext uri="{FF2B5EF4-FFF2-40B4-BE49-F238E27FC236}">
+                <a16:creationId xmlns:a16="http://schemas.microsoft.com/office/drawing/2014/main" id="{785983E3-9CCD-4823-A6D0-CB092391955A}"/>
+              </a:ext>
+            </a:extLst>
+          </p:cNvPr>
+          <p:cNvSpPr>
+            <a:spLocks noGrp="1"/>
+          </p:cNvSpPr>
+          <p:nvPr>
+            <p:ph type="body" sz="quarter" idx="10"/>
+          </p:nvPr>
+        </p:nvSpPr>
+        <p:spPr/>
+        <p:txBody>
+          <a:bodyPr/>
+          <a:lstStyle/>
+          <a:p>
+            <a:endParaRPr lang="en-IN"/>
+          </a:p>
+        </p:txBody>
+      </p:sp>
+    </p:spTree>
+    <p:extLst>
+      <p:ext uri="{BB962C8B-B14F-4D97-AF65-F5344CB8AC3E}">
+        <p14:creationId xmlns:p14="http://schemas.microsoft.com/office/powerpoint/2010/main" val="2047432078"/>
+      </p:ext>
+    </p:extLst>
+  </p:cSld>
+  <p:clrMapOvr>
+    <a:masterClrMapping/>
+  </p:clrMapOvr>
+</p:sld>
+</file>
+
+<file path=ppt/slides/slide12.xml><?xml version="1.0" encoding="utf-8"?>
+<p:sld xmlns:a="http://schemas.openxmlformats.org/drawingml/2006/main" xmlns:r="http://schemas.openxmlformats.org/officeDocument/2006/relationships" xmlns:p="http://schemas.openxmlformats.org/presentationml/2006/main">
+  <p:cSld>
+    <p:spTree>
+      <p:nvGrpSpPr>
+        <p:cNvPr id="1" name=""/>
+        <p:cNvGrpSpPr/>
+        <p:nvPr/>
+      </p:nvGrpSpPr>
+      <p:grpSpPr>
+        <a:xfrm>
+          <a:off x="0" y="0"/>
+          <a:ext cx="0" cy="0"/>
+          <a:chOff x="0" y="0"/>
+          <a:chExt cx="0" cy="0"/>
+        </a:xfrm>
+      </p:grpSpPr>
+      <p:sp>
+        <p:nvSpPr>
+          <p:cNvPr id="2" name="Title 1">
+            <a:extLst>
+              <a:ext uri="{FF2B5EF4-FFF2-40B4-BE49-F238E27FC236}">
+                <a16:creationId xmlns:a16="http://schemas.microsoft.com/office/drawing/2014/main" id="{4B9EF0FA-BEE1-46A1-8E73-E67EB17D1CD7}"/>
+              </a:ext>
+            </a:extLst>
+          </p:cNvPr>
+          <p:cNvSpPr>
+            <a:spLocks noGrp="1"/>
+          </p:cNvSpPr>
+          <p:nvPr>
+            <p:ph type="title"/>
+          </p:nvPr>
+        </p:nvSpPr>
+        <p:spPr/>
+        <p:txBody>
+          <a:bodyPr/>
+          <a:lstStyle/>
+          <a:p>
+            <a:r>
+              <a:rPr lang="de-CH" dirty="0"/>
+              <a:t>Thank You!</a:t>
+            </a:r>
+            <a:endParaRPr lang="en-US" dirty="0"/>
+          </a:p>
+        </p:txBody>
+      </p:sp>
+      <p:pic>
+        <p:nvPicPr>
+          <p:cNvPr id="4" name="Picture 8" descr="Bildergebnis fÃ¼r cireson logo transparent png">
+            <a:extLst>
+              <a:ext uri="{FF2B5EF4-FFF2-40B4-BE49-F238E27FC236}">
+                <a16:creationId xmlns:a16="http://schemas.microsoft.com/office/drawing/2014/main" id="{0BFE9356-4455-426F-8CA4-D19F543A68F0}"/>
+              </a:ext>
+            </a:extLst>
+          </p:cNvPr>
+          <p:cNvPicPr>
+            <a:picLocks noChangeAspect="1" noChangeArrowheads="1"/>
+          </p:cNvPicPr>
+          <p:nvPr/>
+        </p:nvPicPr>
+        <p:blipFill rotWithShape="1">
+          <a:blip r:embed="rId2">
+            <a:extLst>
+              <a:ext uri="{28A0092B-C50C-407E-A947-70E740481C1C}">
+                <a14:useLocalDpi xmlns:a14="http://schemas.microsoft.com/office/drawing/2010/main" val="0"/>
+              </a:ext>
+            </a:extLst>
+          </a:blip>
+          <a:srcRect r="14384"/>
+          <a:stretch/>
+        </p:blipFill>
+        <p:spPr bwMode="auto">
+          <a:xfrm>
+            <a:off x="6670058" y="1792202"/>
+            <a:ext cx="1296144" cy="416324"/>
+          </a:xfrm>
+          <a:prstGeom prst="rect">
+            <a:avLst/>
+          </a:prstGeom>
+          <a:noFill/>
+          <a:extLst>
+            <a:ext uri="{909E8E84-426E-40DD-AFC4-6F175D3DCCD1}">
+              <a14:hiddenFill xmlns:a14="http://schemas.microsoft.com/office/drawing/2010/main">
+                <a:solidFill>
+                  <a:srgbClr val="FFFFFF"/>
+                </a:solidFill>
+              </a14:hiddenFill>
+            </a:ext>
+          </a:extLst>
+        </p:spPr>
+      </p:pic>
+      <p:sp>
+        <p:nvSpPr>
+          <p:cNvPr id="10" name="Rectangle 9">
+            <a:extLst>
+              <a:ext uri="{FF2B5EF4-FFF2-40B4-BE49-F238E27FC236}">
+                <a16:creationId xmlns:a16="http://schemas.microsoft.com/office/drawing/2014/main" id="{9E37F67D-8663-4271-A751-55524A4D0765}"/>
+              </a:ext>
+            </a:extLst>
+          </p:cNvPr>
+          <p:cNvSpPr/>
+          <p:nvPr/>
+        </p:nvSpPr>
+        <p:spPr>
+          <a:xfrm>
+            <a:off x="3419872" y="1245747"/>
+            <a:ext cx="2429647" cy="461665"/>
+          </a:xfrm>
+          <a:prstGeom prst="rect">
+            <a:avLst/>
+          </a:prstGeom>
+        </p:spPr>
+        <p:txBody>
+          <a:bodyPr wrap="square">
+            <a:spAutoFit/>
+          </a:bodyPr>
+          <a:lstStyle/>
+          <a:p>
+            <a:r>
+              <a:rPr lang="de-CH" sz="2000" i="1" dirty="0">
+                <a:solidFill>
+                  <a:schemeClr val="bg2">
+                    <a:lumMod val="50000"/>
+                  </a:schemeClr>
+                </a:solidFill>
+              </a:rPr>
+              <a:t>Session</a:t>
+            </a:r>
+            <a:r>
+              <a:rPr lang="de-CH" sz="2400" i="1" dirty="0">
+                <a:solidFill>
+                  <a:schemeClr val="bg1">
+                    <a:lumMod val="50000"/>
+                  </a:schemeClr>
+                </a:solidFill>
+              </a:rPr>
+              <a:t> </a:t>
+            </a:r>
+            <a:r>
+              <a:rPr lang="de-CH" sz="2000" i="1" dirty="0">
+                <a:solidFill>
+                  <a:schemeClr val="bg2">
+                    <a:lumMod val="50000"/>
+                  </a:schemeClr>
+                </a:solidFill>
+              </a:rPr>
+              <a:t>Partners</a:t>
+            </a:r>
+            <a:endParaRPr lang="en-US" sz="2000" i="1" dirty="0">
+              <a:solidFill>
+                <a:schemeClr val="bg2">
+                  <a:lumMod val="50000"/>
+                </a:schemeClr>
+              </a:solidFill>
+            </a:endParaRPr>
+          </a:p>
+        </p:txBody>
+      </p:sp>
+      <p:pic>
+        <p:nvPicPr>
+          <p:cNvPr id="13" name="Picture 24" descr="Bild">
+            <a:extLst>
+              <a:ext uri="{FF2B5EF4-FFF2-40B4-BE49-F238E27FC236}">
+                <a16:creationId xmlns:a16="http://schemas.microsoft.com/office/drawing/2014/main" id="{CF8A7984-ED54-42DB-AC85-67DE8A4D07D9}"/>
+              </a:ext>
+            </a:extLst>
+          </p:cNvPr>
+          <p:cNvPicPr>
+            <a:picLocks noChangeAspect="1" noChangeArrowheads="1"/>
+          </p:cNvPicPr>
+          <p:nvPr/>
+        </p:nvPicPr>
+        <p:blipFill>
+          <a:blip r:embed="rId3">
+            <a:extLst>
+              <a:ext uri="{28A0092B-C50C-407E-A947-70E740481C1C}">
+                <a14:useLocalDpi xmlns:a14="http://schemas.microsoft.com/office/drawing/2010/main" val="0"/>
+              </a:ext>
+            </a:extLst>
+          </a:blip>
+          <a:srcRect/>
+          <a:stretch>
+            <a:fillRect/>
+          </a:stretch>
+        </p:blipFill>
+        <p:spPr bwMode="auto">
+          <a:xfrm>
+            <a:off x="3477650" y="1797459"/>
+            <a:ext cx="1814430" cy="332294"/>
+          </a:xfrm>
+          <a:prstGeom prst="rect">
+            <a:avLst/>
+          </a:prstGeom>
+          <a:noFill/>
+          <a:extLst>
+            <a:ext uri="{909E8E84-426E-40DD-AFC4-6F175D3DCCD1}">
+              <a14:hiddenFill xmlns:a14="http://schemas.microsoft.com/office/drawing/2010/main">
+                <a:solidFill>
+                  <a:srgbClr val="FFFFFF"/>
+                </a:solidFill>
+              </a14:hiddenFill>
+            </a:ext>
+          </a:extLst>
+        </p:spPr>
+      </p:pic>
+      <p:sp>
+        <p:nvSpPr>
+          <p:cNvPr id="18" name="Rectangle 17">
+            <a:extLst>
+              <a:ext uri="{FF2B5EF4-FFF2-40B4-BE49-F238E27FC236}">
+                <a16:creationId xmlns:a16="http://schemas.microsoft.com/office/drawing/2014/main" id="{2B71A68D-09C0-4B7C-9F0E-47FCD5DFF76A}"/>
+              </a:ext>
+            </a:extLst>
+          </p:cNvPr>
+          <p:cNvSpPr/>
+          <p:nvPr/>
+        </p:nvSpPr>
+        <p:spPr>
+          <a:xfrm>
+            <a:off x="261559" y="1324509"/>
+            <a:ext cx="2438233" cy="400110"/>
+          </a:xfrm>
+          <a:prstGeom prst="rect">
+            <a:avLst/>
+          </a:prstGeom>
+        </p:spPr>
+        <p:txBody>
+          <a:bodyPr wrap="square">
+            <a:spAutoFit/>
+          </a:bodyPr>
+          <a:lstStyle/>
+          <a:p>
+            <a:r>
+              <a:rPr lang="de-CH" sz="2000" i="1" dirty="0">
+                <a:solidFill>
+                  <a:schemeClr val="bg2">
+                    <a:lumMod val="50000"/>
+                  </a:schemeClr>
+                </a:solidFill>
+              </a:rPr>
+              <a:t>Conference Partner</a:t>
+            </a:r>
+            <a:endParaRPr lang="en-US" sz="2400" i="1" dirty="0">
+              <a:solidFill>
+                <a:schemeClr val="bg2">
+                  <a:lumMod val="50000"/>
+                </a:schemeClr>
+              </a:solidFill>
+            </a:endParaRPr>
+          </a:p>
+        </p:txBody>
+      </p:sp>
+      <p:pic>
+        <p:nvPicPr>
+          <p:cNvPr id="19" name="Picture 2" descr="Bild">
+            <a:extLst>
+              <a:ext uri="{FF2B5EF4-FFF2-40B4-BE49-F238E27FC236}">
+                <a16:creationId xmlns:a16="http://schemas.microsoft.com/office/drawing/2014/main" id="{D91785B8-ACCA-4B77-998A-9DE4A91C7E86}"/>
+              </a:ext>
+            </a:extLst>
+          </p:cNvPr>
+          <p:cNvPicPr>
+            <a:picLocks noChangeAspect="1" noChangeArrowheads="1"/>
+          </p:cNvPicPr>
+          <p:nvPr/>
+        </p:nvPicPr>
+        <p:blipFill>
+          <a:blip r:embed="rId4">
+            <a:extLst>
+              <a:ext uri="{28A0092B-C50C-407E-A947-70E740481C1C}">
+                <a14:useLocalDpi xmlns:a14="http://schemas.microsoft.com/office/drawing/2010/main" val="0"/>
+              </a:ext>
+            </a:extLst>
+          </a:blip>
+          <a:srcRect/>
+          <a:stretch>
+            <a:fillRect/>
+          </a:stretch>
+        </p:blipFill>
+        <p:spPr bwMode="auto">
+          <a:xfrm>
+            <a:off x="365641" y="1645041"/>
+            <a:ext cx="1974111" cy="637130"/>
+          </a:xfrm>
+          <a:prstGeom prst="rect">
+            <a:avLst/>
+          </a:prstGeom>
+          <a:noFill/>
+          <a:extLst>
+            <a:ext uri="{909E8E84-426E-40DD-AFC4-6F175D3DCCD1}">
+              <a14:hiddenFill xmlns:a14="http://schemas.microsoft.com/office/drawing/2010/main">
+                <a:solidFill>
+                  <a:srgbClr val="FFFFFF"/>
+                </a:solidFill>
+              </a14:hiddenFill>
+            </a:ext>
+          </a:extLst>
+        </p:spPr>
+      </p:pic>
+      <p:sp>
+        <p:nvSpPr>
+          <p:cNvPr id="20" name="Rectangle 19">
+            <a:extLst>
+              <a:ext uri="{FF2B5EF4-FFF2-40B4-BE49-F238E27FC236}">
+                <a16:creationId xmlns:a16="http://schemas.microsoft.com/office/drawing/2014/main" id="{9E37F67D-8663-4271-A751-55524A4D0765}"/>
+              </a:ext>
+            </a:extLst>
+          </p:cNvPr>
+          <p:cNvSpPr/>
+          <p:nvPr/>
+        </p:nvSpPr>
+        <p:spPr>
+          <a:xfrm>
+            <a:off x="6215656" y="1245746"/>
+            <a:ext cx="2429647" cy="461665"/>
+          </a:xfrm>
+          <a:prstGeom prst="rect">
+            <a:avLst/>
+          </a:prstGeom>
+        </p:spPr>
+        <p:txBody>
+          <a:bodyPr wrap="square">
+            <a:spAutoFit/>
+          </a:bodyPr>
+          <a:lstStyle/>
+          <a:p>
+            <a:r>
+              <a:rPr lang="de-CH" sz="2000" i="1" dirty="0">
+                <a:solidFill>
+                  <a:schemeClr val="bg2">
+                    <a:lumMod val="50000"/>
+                  </a:schemeClr>
+                </a:solidFill>
+              </a:rPr>
+              <a:t>Overseas</a:t>
+            </a:r>
+            <a:r>
+              <a:rPr lang="de-CH" sz="2400" i="1" dirty="0">
+                <a:solidFill>
+                  <a:schemeClr val="bg1">
+                    <a:lumMod val="50000"/>
+                  </a:schemeClr>
+                </a:solidFill>
+              </a:rPr>
+              <a:t> </a:t>
+            </a:r>
+            <a:r>
+              <a:rPr lang="de-CH" sz="2000" i="1" dirty="0">
+                <a:solidFill>
+                  <a:schemeClr val="bg2">
+                    <a:lumMod val="50000"/>
+                  </a:schemeClr>
+                </a:solidFill>
+              </a:rPr>
+              <a:t>Partners</a:t>
+            </a:r>
+            <a:endParaRPr lang="en-US" sz="2000" i="1" dirty="0">
+              <a:solidFill>
+                <a:schemeClr val="bg2">
+                  <a:lumMod val="50000"/>
+                </a:schemeClr>
+              </a:solidFill>
+            </a:endParaRPr>
+          </a:p>
+        </p:txBody>
+      </p:sp>
+      <p:pic>
+        <p:nvPicPr>
+          <p:cNvPr id="3" name="Picture 2"/>
+          <p:cNvPicPr>
+            <a:picLocks noChangeAspect="1"/>
+          </p:cNvPicPr>
+          <p:nvPr/>
+        </p:nvPicPr>
+        <p:blipFill>
+          <a:blip r:embed="rId5">
+            <a:extLst>
+              <a:ext uri="{28A0092B-C50C-407E-A947-70E740481C1C}">
+                <a14:useLocalDpi xmlns:a14="http://schemas.microsoft.com/office/drawing/2010/main" val="0"/>
+              </a:ext>
+            </a:extLst>
+          </a:blip>
+          <a:stretch>
+            <a:fillRect/>
+          </a:stretch>
+        </p:blipFill>
+        <p:spPr>
+          <a:xfrm>
+            <a:off x="6490021" y="2386488"/>
+            <a:ext cx="1656218" cy="761326"/>
+          </a:xfrm>
+          <a:prstGeom prst="rect">
+            <a:avLst/>
+          </a:prstGeom>
+        </p:spPr>
+      </p:pic>
+      <p:pic>
+        <p:nvPicPr>
+          <p:cNvPr id="21" name="Picture 20"/>
+          <p:cNvPicPr>
+            <a:picLocks noChangeAspect="1"/>
+          </p:cNvPicPr>
+          <p:nvPr/>
+        </p:nvPicPr>
+        <p:blipFill>
+          <a:blip r:embed="rId6">
+            <a:extLst>
+              <a:ext uri="{28A0092B-C50C-407E-A947-70E740481C1C}">
+                <a14:useLocalDpi xmlns:a14="http://schemas.microsoft.com/office/drawing/2010/main" val="0"/>
+              </a:ext>
+            </a:extLst>
+          </a:blip>
+          <a:stretch>
+            <a:fillRect/>
+          </a:stretch>
+        </p:blipFill>
+        <p:spPr>
+          <a:xfrm>
+            <a:off x="6124470" y="3219822"/>
+            <a:ext cx="2520280" cy="499015"/>
+          </a:xfrm>
+          <a:prstGeom prst="rect">
+            <a:avLst/>
+          </a:prstGeom>
+        </p:spPr>
+      </p:pic>
+      <p:pic>
+        <p:nvPicPr>
+          <p:cNvPr id="22" name="Picture 21"/>
+          <p:cNvPicPr>
+            <a:picLocks noChangeAspect="1"/>
+          </p:cNvPicPr>
+          <p:nvPr/>
+        </p:nvPicPr>
+        <p:blipFill>
+          <a:blip r:embed="rId7">
+            <a:extLst>
+              <a:ext uri="{28A0092B-C50C-407E-A947-70E740481C1C}">
+                <a14:useLocalDpi xmlns:a14="http://schemas.microsoft.com/office/drawing/2010/main" val="0"/>
+              </a:ext>
+            </a:extLst>
+          </a:blip>
+          <a:stretch>
+            <a:fillRect/>
+          </a:stretch>
+        </p:blipFill>
+        <p:spPr>
+          <a:xfrm>
+            <a:off x="6975392" y="3867894"/>
+            <a:ext cx="945322" cy="945322"/>
+          </a:xfrm>
+          <a:prstGeom prst="rect">
+            <a:avLst/>
+          </a:prstGeom>
+        </p:spPr>
+      </p:pic>
+    </p:spTree>
+    <p:extLst>
+      <p:ext uri="{BB962C8B-B14F-4D97-AF65-F5344CB8AC3E}">
+        <p14:creationId xmlns:p14="http://schemas.microsoft.com/office/powerpoint/2010/main" val="1619751671"/>
+      </p:ext>
+    </p:extLst>
+  </p:cSld>
+  <p:clrMapOvr>
+    <a:masterClrMapping/>
+  </p:clrMapOvr>
+</p:sld>
+</file>
+
 <file path=ppt/slides/slide2.xml><?xml version="1.0" encoding="utf-8"?>
 <p:sld xmlns:a="http://schemas.openxmlformats.org/drawingml/2006/main" xmlns:r="http://schemas.openxmlformats.org/officeDocument/2006/relationships" xmlns:p="http://schemas.openxmlformats.org/presentationml/2006/main">
   <p:cSld>
@@ -1824,7 +2931,7 @@
           <a:p>
             <a:r>
               <a:rPr lang="de-CH" dirty="0"/>
-              <a:t>Microsoft MVP</a:t>
+              <a:t>Microsoft MVP (CDM)</a:t>
             </a:r>
           </a:p>
           <a:p>
@@ -1942,6 +3049,12 @@
           <a:prstGeom prst="rect">
             <a:avLst/>
           </a:prstGeom>
+          <a:solidFill>
+            <a:schemeClr val="tx1">
+              <a:lumMod val="95000"/>
+              <a:lumOff val="5000"/>
+            </a:schemeClr>
+          </a:solidFill>
         </p:spPr>
       </p:pic>
       <p:sp>
@@ -2362,7 +3475,7 @@
           <p:cNvPr id="2" name="Title 1">
             <a:extLst>
               <a:ext uri="{FF2B5EF4-FFF2-40B4-BE49-F238E27FC236}">
-                <a16:creationId xmlns:a16="http://schemas.microsoft.com/office/drawing/2014/main" id="{4B9EF0FA-BEE1-46A1-8E73-E67EB17D1CD7}"/>
+                <a16:creationId xmlns:a16="http://schemas.microsoft.com/office/drawing/2014/main" id="{44EE1158-D1DC-48F3-B4C4-9DA782889942}"/>
               </a:ext>
             </a:extLst>
           </p:cNvPr>
@@ -2379,346 +3492,414 @@
           <a:lstStyle/>
           <a:p>
             <a:r>
-              <a:rPr lang="de-CH" dirty="0"/>
-              <a:t>Thank You!</a:t>
-            </a:r>
-            <a:endParaRPr lang="en-US" dirty="0"/>
+              <a:rPr lang="en-US" dirty="0"/>
+              <a:t>Azure @ Command Line</a:t>
+            </a:r>
           </a:p>
         </p:txBody>
       </p:sp>
+      <p:graphicFrame>
+        <p:nvGraphicFramePr>
+          <p:cNvPr id="3" name="Table 2">
+            <a:extLst>
+              <a:ext uri="{FF2B5EF4-FFF2-40B4-BE49-F238E27FC236}">
+                <a16:creationId xmlns:a16="http://schemas.microsoft.com/office/drawing/2014/main" id="{6F34F8A5-2368-48E7-89B2-E33A9E4360D8}"/>
+              </a:ext>
+            </a:extLst>
+          </p:cNvPr>
+          <p:cNvGraphicFramePr>
+            <a:graphicFrameLocks noGrp="1"/>
+          </p:cNvGraphicFramePr>
+          <p:nvPr>
+            <p:extLst>
+              <p:ext uri="{D42A27DB-BD31-4B8C-83A1-F6EECF244321}">
+                <p14:modId xmlns:p14="http://schemas.microsoft.com/office/powerpoint/2010/main" val="3725867299"/>
+              </p:ext>
+            </p:extLst>
+          </p:nvPr>
+        </p:nvGraphicFramePr>
+        <p:xfrm>
+          <a:off x="1331640" y="1203598"/>
+          <a:ext cx="6096000" cy="2966720"/>
+        </p:xfrm>
+        <a:graphic>
+          <a:graphicData uri="http://schemas.openxmlformats.org/drawingml/2006/table">
+            <a:tbl>
+              <a:tblPr firstRow="1" bandRow="1">
+                <a:tableStyleId>{5C22544A-7EE6-4342-B048-85BDC9FD1C3A}</a:tableStyleId>
+              </a:tblPr>
+              <a:tblGrid>
+                <a:gridCol w="2032000">
+                  <a:extLst>
+                    <a:ext uri="{9D8B030D-6E8A-4147-A177-3AD203B41FA5}">
+                      <a16:colId xmlns:a16="http://schemas.microsoft.com/office/drawing/2014/main" val="4157226996"/>
+                    </a:ext>
+                  </a:extLst>
+                </a:gridCol>
+                <a:gridCol w="2032000">
+                  <a:extLst>
+                    <a:ext uri="{9D8B030D-6E8A-4147-A177-3AD203B41FA5}">
+                      <a16:colId xmlns:a16="http://schemas.microsoft.com/office/drawing/2014/main" val="257416127"/>
+                    </a:ext>
+                  </a:extLst>
+                </a:gridCol>
+                <a:gridCol w="2032000">
+                  <a:extLst>
+                    <a:ext uri="{9D8B030D-6E8A-4147-A177-3AD203B41FA5}">
+                      <a16:colId xmlns:a16="http://schemas.microsoft.com/office/drawing/2014/main" val="3560466460"/>
+                    </a:ext>
+                  </a:extLst>
+                </a:gridCol>
+              </a:tblGrid>
+              <a:tr h="370840">
+                <a:tc>
+                  <a:txBody>
+                    <a:bodyPr/>
+                    <a:lstStyle/>
+                    <a:p>
+                      <a:endParaRPr lang="en-IN" dirty="0"/>
+                    </a:p>
+                  </a:txBody>
+                  <a:tcPr/>
+                </a:tc>
+                <a:tc>
+                  <a:txBody>
+                    <a:bodyPr/>
+                    <a:lstStyle/>
+                    <a:p>
+                      <a:pPr algn="ctr"/>
+                      <a:r>
+                        <a:rPr lang="en-IN" dirty="0"/>
+                        <a:t>Azure CLI 2.0</a:t>
+                      </a:r>
+                    </a:p>
+                  </a:txBody>
+                  <a:tcPr/>
+                </a:tc>
+                <a:tc>
+                  <a:txBody>
+                    <a:bodyPr/>
+                    <a:lstStyle/>
+                    <a:p>
+                      <a:pPr algn="ctr"/>
+                      <a:r>
+                        <a:rPr lang="en-IN" dirty="0"/>
+                        <a:t>Az Module</a:t>
+                      </a:r>
+                    </a:p>
+                  </a:txBody>
+                  <a:tcPr/>
+                </a:tc>
+                <a:extLst>
+                  <a:ext uri="{0D108BD9-81ED-4DB2-BD59-A6C34878D82A}">
+                    <a16:rowId xmlns:a16="http://schemas.microsoft.com/office/drawing/2014/main" val="3044341870"/>
+                  </a:ext>
+                </a:extLst>
+              </a:tr>
+              <a:tr h="370840">
+                <a:tc>
+                  <a:txBody>
+                    <a:bodyPr/>
+                    <a:lstStyle/>
+                    <a:p>
+                      <a:r>
+                        <a:rPr lang="en-IN" dirty="0"/>
+                        <a:t>Windows</a:t>
+                      </a:r>
+                    </a:p>
+                  </a:txBody>
+                  <a:tcPr/>
+                </a:tc>
+                <a:tc>
+                  <a:txBody>
+                    <a:bodyPr/>
+                    <a:lstStyle/>
+                    <a:p>
+                      <a:endParaRPr lang="en-IN" dirty="0"/>
+                    </a:p>
+                  </a:txBody>
+                  <a:tcPr/>
+                </a:tc>
+                <a:tc>
+                  <a:txBody>
+                    <a:bodyPr/>
+                    <a:lstStyle/>
+                    <a:p>
+                      <a:endParaRPr lang="en-IN" dirty="0"/>
+                    </a:p>
+                  </a:txBody>
+                  <a:tcPr/>
+                </a:tc>
+                <a:extLst>
+                  <a:ext uri="{0D108BD9-81ED-4DB2-BD59-A6C34878D82A}">
+                    <a16:rowId xmlns:a16="http://schemas.microsoft.com/office/drawing/2014/main" val="4217070600"/>
+                  </a:ext>
+                </a:extLst>
+              </a:tr>
+              <a:tr h="370840">
+                <a:tc>
+                  <a:txBody>
+                    <a:bodyPr/>
+                    <a:lstStyle/>
+                    <a:p>
+                      <a:r>
+                        <a:rPr lang="en-IN" dirty="0"/>
+                        <a:t>Linux</a:t>
+                      </a:r>
+                    </a:p>
+                  </a:txBody>
+                  <a:tcPr/>
+                </a:tc>
+                <a:tc>
+                  <a:txBody>
+                    <a:bodyPr/>
+                    <a:lstStyle/>
+                    <a:p>
+                      <a:endParaRPr lang="en-IN" dirty="0"/>
+                    </a:p>
+                  </a:txBody>
+                  <a:tcPr/>
+                </a:tc>
+                <a:tc>
+                  <a:txBody>
+                    <a:bodyPr/>
+                    <a:lstStyle/>
+                    <a:p>
+                      <a:endParaRPr lang="en-IN" dirty="0"/>
+                    </a:p>
+                  </a:txBody>
+                  <a:tcPr/>
+                </a:tc>
+                <a:extLst>
+                  <a:ext uri="{0D108BD9-81ED-4DB2-BD59-A6C34878D82A}">
+                    <a16:rowId xmlns:a16="http://schemas.microsoft.com/office/drawing/2014/main" val="173686474"/>
+                  </a:ext>
+                </a:extLst>
+              </a:tr>
+              <a:tr h="370840">
+                <a:tc>
+                  <a:txBody>
+                    <a:bodyPr/>
+                    <a:lstStyle/>
+                    <a:p>
+                      <a:r>
+                        <a:rPr lang="en-IN"/>
+                        <a:t>macOS</a:t>
+                      </a:r>
+                      <a:endParaRPr lang="en-IN" dirty="0"/>
+                    </a:p>
+                  </a:txBody>
+                  <a:tcPr/>
+                </a:tc>
+                <a:tc>
+                  <a:txBody>
+                    <a:bodyPr/>
+                    <a:lstStyle/>
+                    <a:p>
+                      <a:endParaRPr lang="en-IN" dirty="0"/>
+                    </a:p>
+                  </a:txBody>
+                  <a:tcPr/>
+                </a:tc>
+                <a:tc>
+                  <a:txBody>
+                    <a:bodyPr/>
+                    <a:lstStyle/>
+                    <a:p>
+                      <a:endParaRPr lang="en-IN" dirty="0"/>
+                    </a:p>
+                  </a:txBody>
+                  <a:tcPr/>
+                </a:tc>
+                <a:extLst>
+                  <a:ext uri="{0D108BD9-81ED-4DB2-BD59-A6C34878D82A}">
+                    <a16:rowId xmlns:a16="http://schemas.microsoft.com/office/drawing/2014/main" val="1425537703"/>
+                  </a:ext>
+                </a:extLst>
+              </a:tr>
+              <a:tr h="370840">
+                <a:tc>
+                  <a:txBody>
+                    <a:bodyPr/>
+                    <a:lstStyle/>
+                    <a:p>
+                      <a:r>
+                        <a:rPr lang="en-IN" dirty="0"/>
+                        <a:t>Cloud Shell</a:t>
+                      </a:r>
+                    </a:p>
+                  </a:txBody>
+                  <a:tcPr/>
+                </a:tc>
+                <a:tc>
+                  <a:txBody>
+                    <a:bodyPr/>
+                    <a:lstStyle/>
+                    <a:p>
+                      <a:endParaRPr lang="en-IN" dirty="0"/>
+                    </a:p>
+                  </a:txBody>
+                  <a:tcPr/>
+                </a:tc>
+                <a:tc>
+                  <a:txBody>
+                    <a:bodyPr/>
+                    <a:lstStyle/>
+                    <a:p>
+                      <a:endParaRPr lang="en-IN" dirty="0"/>
+                    </a:p>
+                  </a:txBody>
+                  <a:tcPr/>
+                </a:tc>
+                <a:extLst>
+                  <a:ext uri="{0D108BD9-81ED-4DB2-BD59-A6C34878D82A}">
+                    <a16:rowId xmlns:a16="http://schemas.microsoft.com/office/drawing/2014/main" val="1013413589"/>
+                  </a:ext>
+                </a:extLst>
+              </a:tr>
+              <a:tr h="370840">
+                <a:tc>
+                  <a:txBody>
+                    <a:bodyPr/>
+                    <a:lstStyle/>
+                    <a:p>
+                      <a:r>
+                        <a:rPr lang="en-IN" dirty="0"/>
+                        <a:t>VS Code</a:t>
+                      </a:r>
+                    </a:p>
+                  </a:txBody>
+                  <a:tcPr/>
+                </a:tc>
+                <a:tc>
+                  <a:txBody>
+                    <a:bodyPr/>
+                    <a:lstStyle/>
+                    <a:p>
+                      <a:endParaRPr lang="en-IN" dirty="0"/>
+                    </a:p>
+                  </a:txBody>
+                  <a:tcPr/>
+                </a:tc>
+                <a:tc>
+                  <a:txBody>
+                    <a:bodyPr/>
+                    <a:lstStyle/>
+                    <a:p>
+                      <a:endParaRPr lang="en-IN" dirty="0"/>
+                    </a:p>
+                  </a:txBody>
+                  <a:tcPr/>
+                </a:tc>
+                <a:extLst>
+                  <a:ext uri="{0D108BD9-81ED-4DB2-BD59-A6C34878D82A}">
+                    <a16:rowId xmlns:a16="http://schemas.microsoft.com/office/drawing/2014/main" val="2092917096"/>
+                  </a:ext>
+                </a:extLst>
+              </a:tr>
+              <a:tr h="370840">
+                <a:tc>
+                  <a:txBody>
+                    <a:bodyPr/>
+                    <a:lstStyle/>
+                    <a:p>
+                      <a:r>
+                        <a:rPr lang="en-IN" dirty="0"/>
+                        <a:t>Container</a:t>
+                      </a:r>
+                    </a:p>
+                  </a:txBody>
+                  <a:tcPr/>
+                </a:tc>
+                <a:tc>
+                  <a:txBody>
+                    <a:bodyPr/>
+                    <a:lstStyle/>
+                    <a:p>
+                      <a:endParaRPr lang="en-IN" dirty="0"/>
+                    </a:p>
+                  </a:txBody>
+                  <a:tcPr/>
+                </a:tc>
+                <a:tc>
+                  <a:txBody>
+                    <a:bodyPr/>
+                    <a:lstStyle/>
+                    <a:p>
+                      <a:endParaRPr lang="en-IN" dirty="0"/>
+                    </a:p>
+                  </a:txBody>
+                  <a:tcPr/>
+                </a:tc>
+                <a:extLst>
+                  <a:ext uri="{0D108BD9-81ED-4DB2-BD59-A6C34878D82A}">
+                    <a16:rowId xmlns:a16="http://schemas.microsoft.com/office/drawing/2014/main" val="3468318105"/>
+                  </a:ext>
+                </a:extLst>
+              </a:tr>
+              <a:tr h="370840">
+                <a:tc>
+                  <a:txBody>
+                    <a:bodyPr/>
+                    <a:lstStyle/>
+                    <a:p>
+                      <a:r>
+                        <a:rPr lang="en-IN" dirty="0"/>
+                        <a:t>Open Source</a:t>
+                      </a:r>
+                    </a:p>
+                  </a:txBody>
+                  <a:tcPr/>
+                </a:tc>
+                <a:tc>
+                  <a:txBody>
+                    <a:bodyPr/>
+                    <a:lstStyle/>
+                    <a:p>
+                      <a:endParaRPr lang="en-IN" dirty="0"/>
+                    </a:p>
+                  </a:txBody>
+                  <a:tcPr/>
+                </a:tc>
+                <a:tc>
+                  <a:txBody>
+                    <a:bodyPr/>
+                    <a:lstStyle/>
+                    <a:p>
+                      <a:endParaRPr lang="en-IN" dirty="0"/>
+                    </a:p>
+                  </a:txBody>
+                  <a:tcPr/>
+                </a:tc>
+                <a:extLst>
+                  <a:ext uri="{0D108BD9-81ED-4DB2-BD59-A6C34878D82A}">
+                    <a16:rowId xmlns:a16="http://schemas.microsoft.com/office/drawing/2014/main" val="1215898990"/>
+                  </a:ext>
+                </a:extLst>
+              </a:tr>
+            </a:tbl>
+          </a:graphicData>
+        </a:graphic>
+      </p:graphicFrame>
       <p:pic>
         <p:nvPicPr>
-          <p:cNvPr id="4" name="Picture 8" descr="Bildergebnis fÃ¼r cireson logo transparent png">
+          <p:cNvPr id="7" name="Graphic 6" descr="Checkmark">
             <a:extLst>
               <a:ext uri="{FF2B5EF4-FFF2-40B4-BE49-F238E27FC236}">
-                <a16:creationId xmlns:a16="http://schemas.microsoft.com/office/drawing/2014/main" id="{0BFE9356-4455-426F-8CA4-D19F543A68F0}"/>
+                <a16:creationId xmlns:a16="http://schemas.microsoft.com/office/drawing/2014/main" id="{12AC061F-4E64-4403-9E32-1D4F645F082B}"/>
               </a:ext>
             </a:extLst>
           </p:cNvPr>
-          <p:cNvPicPr>
-            <a:picLocks noChangeAspect="1" noChangeArrowheads="1"/>
-          </p:cNvPicPr>
-          <p:nvPr/>
-        </p:nvPicPr>
-        <p:blipFill rotWithShape="1">
-          <a:blip r:embed="rId2">
-            <a:extLst>
-              <a:ext uri="{28A0092B-C50C-407E-A947-70E740481C1C}">
-                <a14:useLocalDpi xmlns:a14="http://schemas.microsoft.com/office/drawing/2010/main" val="0"/>
-              </a:ext>
-            </a:extLst>
-          </a:blip>
-          <a:srcRect r="14384"/>
-          <a:stretch/>
-        </p:blipFill>
-        <p:spPr bwMode="auto">
-          <a:xfrm>
-            <a:off x="6670058" y="1792202"/>
-            <a:ext cx="1296144" cy="416324"/>
-          </a:xfrm>
-          <a:prstGeom prst="rect">
-            <a:avLst/>
-          </a:prstGeom>
-          <a:noFill/>
-          <a:extLst>
-            <a:ext uri="{909E8E84-426E-40DD-AFC4-6F175D3DCCD1}">
-              <a14:hiddenFill xmlns:a14="http://schemas.microsoft.com/office/drawing/2010/main">
-                <a:solidFill>
-                  <a:srgbClr val="FFFFFF"/>
-                </a:solidFill>
-              </a14:hiddenFill>
-            </a:ext>
-          </a:extLst>
-        </p:spPr>
-      </p:pic>
-      <p:sp>
-        <p:nvSpPr>
-          <p:cNvPr id="10" name="Rectangle 9">
-            <a:extLst>
-              <a:ext uri="{FF2B5EF4-FFF2-40B4-BE49-F238E27FC236}">
-                <a16:creationId xmlns:a16="http://schemas.microsoft.com/office/drawing/2014/main" id="{9E37F67D-8663-4271-A751-55524A4D0765}"/>
-              </a:ext>
-            </a:extLst>
-          </p:cNvPr>
-          <p:cNvSpPr/>
-          <p:nvPr/>
-        </p:nvSpPr>
-        <p:spPr>
-          <a:xfrm>
-            <a:off x="3419872" y="1245747"/>
-            <a:ext cx="2429647" cy="461665"/>
-          </a:xfrm>
-          <a:prstGeom prst="rect">
-            <a:avLst/>
-          </a:prstGeom>
-        </p:spPr>
-        <p:txBody>
-          <a:bodyPr wrap="square">
-            <a:spAutoFit/>
-          </a:bodyPr>
-          <a:lstStyle/>
-          <a:p>
-            <a:r>
-              <a:rPr lang="de-CH" sz="2000" i="1" dirty="0">
-                <a:solidFill>
-                  <a:schemeClr val="bg2">
-                    <a:lumMod val="50000"/>
-                  </a:schemeClr>
-                </a:solidFill>
-              </a:rPr>
-              <a:t>Session</a:t>
-            </a:r>
-            <a:r>
-              <a:rPr lang="de-CH" sz="2400" i="1" dirty="0">
-                <a:solidFill>
-                  <a:schemeClr val="bg1">
-                    <a:lumMod val="50000"/>
-                  </a:schemeClr>
-                </a:solidFill>
-              </a:rPr>
-              <a:t> </a:t>
-            </a:r>
-            <a:r>
-              <a:rPr lang="de-CH" sz="2000" i="1" dirty="0">
-                <a:solidFill>
-                  <a:schemeClr val="bg2">
-                    <a:lumMod val="50000"/>
-                  </a:schemeClr>
-                </a:solidFill>
-              </a:rPr>
-              <a:t>Partners</a:t>
-            </a:r>
-            <a:endParaRPr lang="en-US" sz="2000" i="1" dirty="0">
-              <a:solidFill>
-                <a:schemeClr val="bg2">
-                  <a:lumMod val="50000"/>
-                </a:schemeClr>
-              </a:solidFill>
-            </a:endParaRPr>
-          </a:p>
-        </p:txBody>
-      </p:sp>
-      <p:pic>
-        <p:nvPicPr>
-          <p:cNvPr id="13" name="Picture 24" descr="Bild">
-            <a:extLst>
-              <a:ext uri="{FF2B5EF4-FFF2-40B4-BE49-F238E27FC236}">
-                <a16:creationId xmlns:a16="http://schemas.microsoft.com/office/drawing/2014/main" id="{CF8A7984-ED54-42DB-AC85-67DE8A4D07D9}"/>
-              </a:ext>
-            </a:extLst>
-          </p:cNvPr>
-          <p:cNvPicPr>
-            <a:picLocks noChangeAspect="1" noChangeArrowheads="1"/>
-          </p:cNvPicPr>
-          <p:nvPr/>
-        </p:nvPicPr>
-        <p:blipFill>
-          <a:blip r:embed="rId3">
-            <a:extLst>
-              <a:ext uri="{28A0092B-C50C-407E-A947-70E740481C1C}">
-                <a14:useLocalDpi xmlns:a14="http://schemas.microsoft.com/office/drawing/2010/main" val="0"/>
-              </a:ext>
-            </a:extLst>
-          </a:blip>
-          <a:srcRect/>
-          <a:stretch>
-            <a:fillRect/>
-          </a:stretch>
-        </p:blipFill>
-        <p:spPr bwMode="auto">
-          <a:xfrm>
-            <a:off x="3477650" y="1797459"/>
-            <a:ext cx="1814430" cy="332294"/>
-          </a:xfrm>
-          <a:prstGeom prst="rect">
-            <a:avLst/>
-          </a:prstGeom>
-          <a:noFill/>
-          <a:extLst>
-            <a:ext uri="{909E8E84-426E-40DD-AFC4-6F175D3DCCD1}">
-              <a14:hiddenFill xmlns:a14="http://schemas.microsoft.com/office/drawing/2010/main">
-                <a:solidFill>
-                  <a:srgbClr val="FFFFFF"/>
-                </a:solidFill>
-              </a14:hiddenFill>
-            </a:ext>
-          </a:extLst>
-        </p:spPr>
-      </p:pic>
-      <p:sp>
-        <p:nvSpPr>
-          <p:cNvPr id="18" name="Rectangle 17">
-            <a:extLst>
-              <a:ext uri="{FF2B5EF4-FFF2-40B4-BE49-F238E27FC236}">
-                <a16:creationId xmlns:a16="http://schemas.microsoft.com/office/drawing/2014/main" id="{2B71A68D-09C0-4B7C-9F0E-47FCD5DFF76A}"/>
-              </a:ext>
-            </a:extLst>
-          </p:cNvPr>
-          <p:cNvSpPr/>
-          <p:nvPr/>
-        </p:nvSpPr>
-        <p:spPr>
-          <a:xfrm>
-            <a:off x="261559" y="1324509"/>
-            <a:ext cx="2438233" cy="400110"/>
-          </a:xfrm>
-          <a:prstGeom prst="rect">
-            <a:avLst/>
-          </a:prstGeom>
-        </p:spPr>
-        <p:txBody>
-          <a:bodyPr wrap="square">
-            <a:spAutoFit/>
-          </a:bodyPr>
-          <a:lstStyle/>
-          <a:p>
-            <a:r>
-              <a:rPr lang="de-CH" sz="2000" i="1" dirty="0">
-                <a:solidFill>
-                  <a:schemeClr val="bg2">
-                    <a:lumMod val="50000"/>
-                  </a:schemeClr>
-                </a:solidFill>
-              </a:rPr>
-              <a:t>Conference Partner</a:t>
-            </a:r>
-            <a:endParaRPr lang="en-US" sz="2400" i="1" dirty="0">
-              <a:solidFill>
-                <a:schemeClr val="bg2">
-                  <a:lumMod val="50000"/>
-                </a:schemeClr>
-              </a:solidFill>
-            </a:endParaRPr>
-          </a:p>
-        </p:txBody>
-      </p:sp>
-      <p:pic>
-        <p:nvPicPr>
-          <p:cNvPr id="19" name="Picture 2" descr="Bild">
-            <a:extLst>
-              <a:ext uri="{FF2B5EF4-FFF2-40B4-BE49-F238E27FC236}">
-                <a16:creationId xmlns:a16="http://schemas.microsoft.com/office/drawing/2014/main" id="{D91785B8-ACCA-4B77-998A-9DE4A91C7E86}"/>
-              </a:ext>
-            </a:extLst>
-          </p:cNvPr>
-          <p:cNvPicPr>
-            <a:picLocks noChangeAspect="1" noChangeArrowheads="1"/>
-          </p:cNvPicPr>
-          <p:nvPr/>
-        </p:nvPicPr>
-        <p:blipFill>
-          <a:blip r:embed="rId4">
-            <a:extLst>
-              <a:ext uri="{28A0092B-C50C-407E-A947-70E740481C1C}">
-                <a14:useLocalDpi xmlns:a14="http://schemas.microsoft.com/office/drawing/2010/main" val="0"/>
-              </a:ext>
-            </a:extLst>
-          </a:blip>
-          <a:srcRect/>
-          <a:stretch>
-            <a:fillRect/>
-          </a:stretch>
-        </p:blipFill>
-        <p:spPr bwMode="auto">
-          <a:xfrm>
-            <a:off x="365641" y="1645041"/>
-            <a:ext cx="1974111" cy="637130"/>
-          </a:xfrm>
-          <a:prstGeom prst="rect">
-            <a:avLst/>
-          </a:prstGeom>
-          <a:noFill/>
-          <a:extLst>
-            <a:ext uri="{909E8E84-426E-40DD-AFC4-6F175D3DCCD1}">
-              <a14:hiddenFill xmlns:a14="http://schemas.microsoft.com/office/drawing/2010/main">
-                <a:solidFill>
-                  <a:srgbClr val="FFFFFF"/>
-                </a:solidFill>
-              </a14:hiddenFill>
-            </a:ext>
-          </a:extLst>
-        </p:spPr>
-      </p:pic>
-      <p:sp>
-        <p:nvSpPr>
-          <p:cNvPr id="20" name="Rectangle 19">
-            <a:extLst>
-              <a:ext uri="{FF2B5EF4-FFF2-40B4-BE49-F238E27FC236}">
-                <a16:creationId xmlns:a16="http://schemas.microsoft.com/office/drawing/2014/main" id="{9E37F67D-8663-4271-A751-55524A4D0765}"/>
-              </a:ext>
-            </a:extLst>
-          </p:cNvPr>
-          <p:cNvSpPr/>
-          <p:nvPr/>
-        </p:nvSpPr>
-        <p:spPr>
-          <a:xfrm>
-            <a:off x="6215656" y="1245746"/>
-            <a:ext cx="2429647" cy="461665"/>
-          </a:xfrm>
-          <a:prstGeom prst="rect">
-            <a:avLst/>
-          </a:prstGeom>
-        </p:spPr>
-        <p:txBody>
-          <a:bodyPr wrap="square">
-            <a:spAutoFit/>
-          </a:bodyPr>
-          <a:lstStyle/>
-          <a:p>
-            <a:r>
-              <a:rPr lang="de-CH" sz="2000" i="1" dirty="0">
-                <a:solidFill>
-                  <a:schemeClr val="bg2">
-                    <a:lumMod val="50000"/>
-                  </a:schemeClr>
-                </a:solidFill>
-              </a:rPr>
-              <a:t>Overseas</a:t>
-            </a:r>
-            <a:r>
-              <a:rPr lang="de-CH" sz="2400" i="1" dirty="0">
-                <a:solidFill>
-                  <a:schemeClr val="bg1">
-                    <a:lumMod val="50000"/>
-                  </a:schemeClr>
-                </a:solidFill>
-              </a:rPr>
-              <a:t> </a:t>
-            </a:r>
-            <a:r>
-              <a:rPr lang="de-CH" sz="2000" i="1" dirty="0">
-                <a:solidFill>
-                  <a:schemeClr val="bg2">
-                    <a:lumMod val="50000"/>
-                  </a:schemeClr>
-                </a:solidFill>
-              </a:rPr>
-              <a:t>Partners</a:t>
-            </a:r>
-            <a:endParaRPr lang="en-US" sz="2000" i="1" dirty="0">
-              <a:solidFill>
-                <a:schemeClr val="bg2">
-                  <a:lumMod val="50000"/>
-                </a:schemeClr>
-              </a:solidFill>
-            </a:endParaRPr>
-          </a:p>
-        </p:txBody>
-      </p:sp>
-      <p:pic>
-        <p:nvPicPr>
-          <p:cNvPr id="3" name="Picture 2"/>
           <p:cNvPicPr>
             <a:picLocks noChangeAspect="1"/>
           </p:cNvPicPr>
           <p:nvPr/>
         </p:nvPicPr>
         <p:blipFill>
-          <a:blip r:embed="rId5">
-            <a:extLst>
-              <a:ext uri="{28A0092B-C50C-407E-A947-70E740481C1C}">
-                <a14:useLocalDpi xmlns:a14="http://schemas.microsoft.com/office/drawing/2010/main" val="0"/>
+          <a:blip r:embed="rId3">
+            <a:extLst>
+              <a:ext uri="{96DAC541-7B7A-43D3-8B79-37D633B846F1}">
+                <asvg:svgBlip xmlns:asvg="http://schemas.microsoft.com/office/drawing/2016/SVG/main" r:embed="rId4"/>
               </a:ext>
             </a:extLst>
           </a:blip>
@@ -2728,8 +3909,8 @@
         </p:blipFill>
         <p:spPr>
           <a:xfrm>
-            <a:off x="6490021" y="2386488"/>
-            <a:ext cx="1656218" cy="761326"/>
+            <a:off x="4128092" y="1543602"/>
+            <a:ext cx="432464" cy="432464"/>
           </a:xfrm>
           <a:prstGeom prst="rect">
             <a:avLst/>
@@ -2738,17 +3919,23 @@
       </p:pic>
       <p:pic>
         <p:nvPicPr>
-          <p:cNvPr id="21" name="Picture 20"/>
+          <p:cNvPr id="8" name="Graphic 7" descr="Checkmark">
+            <a:extLst>
+              <a:ext uri="{FF2B5EF4-FFF2-40B4-BE49-F238E27FC236}">
+                <a16:creationId xmlns:a16="http://schemas.microsoft.com/office/drawing/2014/main" id="{95C69BA0-CA9C-4838-856B-8F939A7F11A7}"/>
+              </a:ext>
+            </a:extLst>
+          </p:cNvPr>
           <p:cNvPicPr>
             <a:picLocks noChangeAspect="1"/>
           </p:cNvPicPr>
           <p:nvPr/>
         </p:nvPicPr>
         <p:blipFill>
-          <a:blip r:embed="rId6">
-            <a:extLst>
-              <a:ext uri="{28A0092B-C50C-407E-A947-70E740481C1C}">
-                <a14:useLocalDpi xmlns:a14="http://schemas.microsoft.com/office/drawing/2010/main" val="0"/>
+          <a:blip r:embed="rId3">
+            <a:extLst>
+              <a:ext uri="{96DAC541-7B7A-43D3-8B79-37D633B846F1}">
+                <asvg:svgBlip xmlns:asvg="http://schemas.microsoft.com/office/drawing/2016/SVG/main" r:embed="rId4"/>
               </a:ext>
             </a:extLst>
           </a:blip>
@@ -2758,8 +3945,8 @@
         </p:blipFill>
         <p:spPr>
           <a:xfrm>
-            <a:off x="6124470" y="3219822"/>
-            <a:ext cx="2520280" cy="499015"/>
+            <a:off x="6228184" y="1551866"/>
+            <a:ext cx="432464" cy="432464"/>
           </a:xfrm>
           <a:prstGeom prst="rect">
             <a:avLst/>
@@ -2768,17 +3955,23 @@
       </p:pic>
       <p:pic>
         <p:nvPicPr>
-          <p:cNvPr id="22" name="Picture 21"/>
+          <p:cNvPr id="9" name="Graphic 8" descr="Checkmark">
+            <a:extLst>
+              <a:ext uri="{FF2B5EF4-FFF2-40B4-BE49-F238E27FC236}">
+                <a16:creationId xmlns:a16="http://schemas.microsoft.com/office/drawing/2014/main" id="{115F8B77-8417-4AEC-8E42-B7680990458C}"/>
+              </a:ext>
+            </a:extLst>
+          </p:cNvPr>
           <p:cNvPicPr>
             <a:picLocks noChangeAspect="1"/>
           </p:cNvPicPr>
           <p:nvPr/>
         </p:nvPicPr>
         <p:blipFill>
-          <a:blip r:embed="rId7">
-            <a:extLst>
-              <a:ext uri="{28A0092B-C50C-407E-A947-70E740481C1C}">
-                <a14:useLocalDpi xmlns:a14="http://schemas.microsoft.com/office/drawing/2010/main" val="0"/>
+          <a:blip r:embed="rId3">
+            <a:extLst>
+              <a:ext uri="{96DAC541-7B7A-43D3-8B79-37D633B846F1}">
+                <asvg:svgBlip xmlns:asvg="http://schemas.microsoft.com/office/drawing/2016/SVG/main" r:embed="rId4"/>
               </a:ext>
             </a:extLst>
           </a:blip>
@@ -2788,8 +3981,439 @@
         </p:blipFill>
         <p:spPr>
           <a:xfrm>
-            <a:off x="6975392" y="3867894"/>
-            <a:ext cx="945322" cy="945322"/>
+            <a:off x="4139952" y="1938542"/>
+            <a:ext cx="432464" cy="432464"/>
+          </a:xfrm>
+          <a:prstGeom prst="rect">
+            <a:avLst/>
+          </a:prstGeom>
+        </p:spPr>
+      </p:pic>
+      <p:pic>
+        <p:nvPicPr>
+          <p:cNvPr id="10" name="Graphic 9" descr="Checkmark">
+            <a:extLst>
+              <a:ext uri="{FF2B5EF4-FFF2-40B4-BE49-F238E27FC236}">
+                <a16:creationId xmlns:a16="http://schemas.microsoft.com/office/drawing/2014/main" id="{13B8F1CE-4860-4EB7-A980-30A55DDA0951}"/>
+              </a:ext>
+            </a:extLst>
+          </p:cNvPr>
+          <p:cNvPicPr>
+            <a:picLocks noChangeAspect="1"/>
+          </p:cNvPicPr>
+          <p:nvPr/>
+        </p:nvPicPr>
+        <p:blipFill>
+          <a:blip r:embed="rId3">
+            <a:extLst>
+              <a:ext uri="{96DAC541-7B7A-43D3-8B79-37D633B846F1}">
+                <asvg:svgBlip xmlns:asvg="http://schemas.microsoft.com/office/drawing/2016/SVG/main" r:embed="rId4"/>
+              </a:ext>
+            </a:extLst>
+          </a:blip>
+          <a:stretch>
+            <a:fillRect/>
+          </a:stretch>
+        </p:blipFill>
+        <p:spPr>
+          <a:xfrm>
+            <a:off x="6240044" y="1946806"/>
+            <a:ext cx="432464" cy="432464"/>
+          </a:xfrm>
+          <a:prstGeom prst="rect">
+            <a:avLst/>
+          </a:prstGeom>
+        </p:spPr>
+      </p:pic>
+      <p:pic>
+        <p:nvPicPr>
+          <p:cNvPr id="11" name="Graphic 10" descr="Checkmark">
+            <a:extLst>
+              <a:ext uri="{FF2B5EF4-FFF2-40B4-BE49-F238E27FC236}">
+                <a16:creationId xmlns:a16="http://schemas.microsoft.com/office/drawing/2014/main" id="{4A49A327-EC6C-4509-BCBE-E7496FBB527F}"/>
+              </a:ext>
+            </a:extLst>
+          </p:cNvPr>
+          <p:cNvPicPr>
+            <a:picLocks noChangeAspect="1"/>
+          </p:cNvPicPr>
+          <p:nvPr/>
+        </p:nvPicPr>
+        <p:blipFill>
+          <a:blip r:embed="rId3">
+            <a:extLst>
+              <a:ext uri="{96DAC541-7B7A-43D3-8B79-37D633B846F1}">
+                <asvg:svgBlip xmlns:asvg="http://schemas.microsoft.com/office/drawing/2016/SVG/main" r:embed="rId4"/>
+              </a:ext>
+            </a:extLst>
+          </a:blip>
+          <a:stretch>
+            <a:fillRect/>
+          </a:stretch>
+        </p:blipFill>
+        <p:spPr>
+          <a:xfrm>
+            <a:off x="4131600" y="2286810"/>
+            <a:ext cx="432464" cy="432464"/>
+          </a:xfrm>
+          <a:prstGeom prst="rect">
+            <a:avLst/>
+          </a:prstGeom>
+        </p:spPr>
+      </p:pic>
+      <p:pic>
+        <p:nvPicPr>
+          <p:cNvPr id="12" name="Graphic 11" descr="Checkmark">
+            <a:extLst>
+              <a:ext uri="{FF2B5EF4-FFF2-40B4-BE49-F238E27FC236}">
+                <a16:creationId xmlns:a16="http://schemas.microsoft.com/office/drawing/2014/main" id="{D801DA56-00B6-4C01-B0E4-6C4977662936}"/>
+              </a:ext>
+            </a:extLst>
+          </p:cNvPr>
+          <p:cNvPicPr>
+            <a:picLocks noChangeAspect="1"/>
+          </p:cNvPicPr>
+          <p:nvPr/>
+        </p:nvPicPr>
+        <p:blipFill>
+          <a:blip r:embed="rId3">
+            <a:extLst>
+              <a:ext uri="{96DAC541-7B7A-43D3-8B79-37D633B846F1}">
+                <asvg:svgBlip xmlns:asvg="http://schemas.microsoft.com/office/drawing/2016/SVG/main" r:embed="rId4"/>
+              </a:ext>
+            </a:extLst>
+          </a:blip>
+          <a:stretch>
+            <a:fillRect/>
+          </a:stretch>
+        </p:blipFill>
+        <p:spPr>
+          <a:xfrm>
+            <a:off x="6231692" y="2295074"/>
+            <a:ext cx="432464" cy="432464"/>
+          </a:xfrm>
+          <a:prstGeom prst="rect">
+            <a:avLst/>
+          </a:prstGeom>
+        </p:spPr>
+      </p:pic>
+      <p:pic>
+        <p:nvPicPr>
+          <p:cNvPr id="13" name="Graphic 12" descr="Checkmark">
+            <a:extLst>
+              <a:ext uri="{FF2B5EF4-FFF2-40B4-BE49-F238E27FC236}">
+                <a16:creationId xmlns:a16="http://schemas.microsoft.com/office/drawing/2014/main" id="{D87C7E1B-67F3-420B-8B6B-12ED0061553A}"/>
+              </a:ext>
+            </a:extLst>
+          </p:cNvPr>
+          <p:cNvPicPr>
+            <a:picLocks noChangeAspect="1"/>
+          </p:cNvPicPr>
+          <p:nvPr/>
+        </p:nvPicPr>
+        <p:blipFill>
+          <a:blip r:embed="rId3">
+            <a:extLst>
+              <a:ext uri="{96DAC541-7B7A-43D3-8B79-37D633B846F1}">
+                <asvg:svgBlip xmlns:asvg="http://schemas.microsoft.com/office/drawing/2016/SVG/main" r:embed="rId4"/>
+              </a:ext>
+            </a:extLst>
+          </a:blip>
+          <a:stretch>
+            <a:fillRect/>
+          </a:stretch>
+        </p:blipFill>
+        <p:spPr>
+          <a:xfrm>
+            <a:off x="4127676" y="2662546"/>
+            <a:ext cx="432464" cy="432464"/>
+          </a:xfrm>
+          <a:prstGeom prst="rect">
+            <a:avLst/>
+          </a:prstGeom>
+        </p:spPr>
+      </p:pic>
+      <p:pic>
+        <p:nvPicPr>
+          <p:cNvPr id="14" name="Graphic 13" descr="Checkmark">
+            <a:extLst>
+              <a:ext uri="{FF2B5EF4-FFF2-40B4-BE49-F238E27FC236}">
+                <a16:creationId xmlns:a16="http://schemas.microsoft.com/office/drawing/2014/main" id="{6538C24F-0662-41DE-95AA-5261A15C65D2}"/>
+              </a:ext>
+            </a:extLst>
+          </p:cNvPr>
+          <p:cNvPicPr>
+            <a:picLocks noChangeAspect="1"/>
+          </p:cNvPicPr>
+          <p:nvPr/>
+        </p:nvPicPr>
+        <p:blipFill>
+          <a:blip r:embed="rId3">
+            <a:extLst>
+              <a:ext uri="{96DAC541-7B7A-43D3-8B79-37D633B846F1}">
+                <asvg:svgBlip xmlns:asvg="http://schemas.microsoft.com/office/drawing/2016/SVG/main" r:embed="rId4"/>
+              </a:ext>
+            </a:extLst>
+          </a:blip>
+          <a:stretch>
+            <a:fillRect/>
+          </a:stretch>
+        </p:blipFill>
+        <p:spPr>
+          <a:xfrm>
+            <a:off x="6227768" y="2670810"/>
+            <a:ext cx="432464" cy="432464"/>
+          </a:xfrm>
+          <a:prstGeom prst="rect">
+            <a:avLst/>
+          </a:prstGeom>
+        </p:spPr>
+      </p:pic>
+      <p:pic>
+        <p:nvPicPr>
+          <p:cNvPr id="15" name="Graphic 14" descr="Checkmark">
+            <a:extLst>
+              <a:ext uri="{FF2B5EF4-FFF2-40B4-BE49-F238E27FC236}">
+                <a16:creationId xmlns:a16="http://schemas.microsoft.com/office/drawing/2014/main" id="{E66E0420-83F4-449C-AB71-7A1CD9FEDF2F}"/>
+              </a:ext>
+            </a:extLst>
+          </p:cNvPr>
+          <p:cNvPicPr>
+            <a:picLocks noChangeAspect="1"/>
+          </p:cNvPicPr>
+          <p:nvPr/>
+        </p:nvPicPr>
+        <p:blipFill>
+          <a:blip r:embed="rId3">
+            <a:extLst>
+              <a:ext uri="{96DAC541-7B7A-43D3-8B79-37D633B846F1}">
+                <asvg:svgBlip xmlns:asvg="http://schemas.microsoft.com/office/drawing/2016/SVG/main" r:embed="rId4"/>
+              </a:ext>
+            </a:extLst>
+          </a:blip>
+          <a:stretch>
+            <a:fillRect/>
+          </a:stretch>
+        </p:blipFill>
+        <p:spPr>
+          <a:xfrm>
+            <a:off x="4127676" y="3034358"/>
+            <a:ext cx="432464" cy="432464"/>
+          </a:xfrm>
+          <a:prstGeom prst="rect">
+            <a:avLst/>
+          </a:prstGeom>
+        </p:spPr>
+      </p:pic>
+      <p:pic>
+        <p:nvPicPr>
+          <p:cNvPr id="16" name="Graphic 15" descr="Checkmark">
+            <a:extLst>
+              <a:ext uri="{FF2B5EF4-FFF2-40B4-BE49-F238E27FC236}">
+                <a16:creationId xmlns:a16="http://schemas.microsoft.com/office/drawing/2014/main" id="{BFDC7A8F-D0E0-4416-8FBE-CB118A0DE5AB}"/>
+              </a:ext>
+            </a:extLst>
+          </p:cNvPr>
+          <p:cNvPicPr>
+            <a:picLocks noChangeAspect="1"/>
+          </p:cNvPicPr>
+          <p:nvPr/>
+        </p:nvPicPr>
+        <p:blipFill>
+          <a:blip r:embed="rId3">
+            <a:extLst>
+              <a:ext uri="{96DAC541-7B7A-43D3-8B79-37D633B846F1}">
+                <asvg:svgBlip xmlns:asvg="http://schemas.microsoft.com/office/drawing/2016/SVG/main" r:embed="rId4"/>
+              </a:ext>
+            </a:extLst>
+          </a:blip>
+          <a:stretch>
+            <a:fillRect/>
+          </a:stretch>
+        </p:blipFill>
+        <p:spPr>
+          <a:xfrm>
+            <a:off x="6227768" y="3042622"/>
+            <a:ext cx="432464" cy="432464"/>
+          </a:xfrm>
+          <a:prstGeom prst="rect">
+            <a:avLst/>
+          </a:prstGeom>
+        </p:spPr>
+      </p:pic>
+      <p:sp>
+        <p:nvSpPr>
+          <p:cNvPr id="17" name="TextBox 16">
+            <a:extLst>
+              <a:ext uri="{FF2B5EF4-FFF2-40B4-BE49-F238E27FC236}">
+                <a16:creationId xmlns:a16="http://schemas.microsoft.com/office/drawing/2014/main" id="{536F4223-804C-45BF-A5B5-33FCBEFAF5CE}"/>
+              </a:ext>
+            </a:extLst>
+          </p:cNvPr>
+          <p:cNvSpPr txBox="1"/>
+          <p:nvPr/>
+        </p:nvSpPr>
+        <p:spPr>
+          <a:xfrm>
+            <a:off x="1181749" y="4486349"/>
+            <a:ext cx="6443046" cy="461665"/>
+          </a:xfrm>
+          <a:prstGeom prst="rect">
+            <a:avLst/>
+          </a:prstGeom>
+          <a:noFill/>
+        </p:spPr>
+        <p:txBody>
+          <a:bodyPr wrap="none" rtlCol="0">
+            <a:spAutoFit/>
+          </a:bodyPr>
+          <a:lstStyle/>
+          <a:p>
+            <a:r>
+              <a:rPr lang="en-IN" sz="2400" dirty="0"/>
+              <a:t>So, how exactly do we choose between these?</a:t>
+            </a:r>
+          </a:p>
+        </p:txBody>
+      </p:sp>
+      <p:pic>
+        <p:nvPicPr>
+          <p:cNvPr id="18" name="Graphic 17" descr="Checkmark">
+            <a:extLst>
+              <a:ext uri="{FF2B5EF4-FFF2-40B4-BE49-F238E27FC236}">
+                <a16:creationId xmlns:a16="http://schemas.microsoft.com/office/drawing/2014/main" id="{CCD62A9E-BE36-4450-9B7B-F8A369A0E768}"/>
+              </a:ext>
+            </a:extLst>
+          </p:cNvPr>
+          <p:cNvPicPr>
+            <a:picLocks noChangeAspect="1"/>
+          </p:cNvPicPr>
+          <p:nvPr/>
+        </p:nvPicPr>
+        <p:blipFill>
+          <a:blip r:embed="rId3">
+            <a:extLst>
+              <a:ext uri="{96DAC541-7B7A-43D3-8B79-37D633B846F1}">
+                <asvg:svgBlip xmlns:asvg="http://schemas.microsoft.com/office/drawing/2016/SVG/main" r:embed="rId4"/>
+              </a:ext>
+            </a:extLst>
+          </a:blip>
+          <a:stretch>
+            <a:fillRect/>
+          </a:stretch>
+        </p:blipFill>
+        <p:spPr>
+          <a:xfrm>
+            <a:off x="4127676" y="3403622"/>
+            <a:ext cx="432464" cy="432464"/>
+          </a:xfrm>
+          <a:prstGeom prst="rect">
+            <a:avLst/>
+          </a:prstGeom>
+        </p:spPr>
+      </p:pic>
+      <p:pic>
+        <p:nvPicPr>
+          <p:cNvPr id="19" name="Graphic 18" descr="Checkmark">
+            <a:extLst>
+              <a:ext uri="{FF2B5EF4-FFF2-40B4-BE49-F238E27FC236}">
+                <a16:creationId xmlns:a16="http://schemas.microsoft.com/office/drawing/2014/main" id="{5F18F97F-F1F9-4FC9-B90C-1F75A7437EE5}"/>
+              </a:ext>
+            </a:extLst>
+          </p:cNvPr>
+          <p:cNvPicPr>
+            <a:picLocks noChangeAspect="1"/>
+          </p:cNvPicPr>
+          <p:nvPr/>
+        </p:nvPicPr>
+        <p:blipFill>
+          <a:blip r:embed="rId3">
+            <a:extLst>
+              <a:ext uri="{96DAC541-7B7A-43D3-8B79-37D633B846F1}">
+                <asvg:svgBlip xmlns:asvg="http://schemas.microsoft.com/office/drawing/2016/SVG/main" r:embed="rId4"/>
+              </a:ext>
+            </a:extLst>
+          </a:blip>
+          <a:stretch>
+            <a:fillRect/>
+          </a:stretch>
+        </p:blipFill>
+        <p:spPr>
+          <a:xfrm>
+            <a:off x="6227768" y="3411886"/>
+            <a:ext cx="432464" cy="432464"/>
+          </a:xfrm>
+          <a:prstGeom prst="rect">
+            <a:avLst/>
+          </a:prstGeom>
+        </p:spPr>
+      </p:pic>
+      <p:pic>
+        <p:nvPicPr>
+          <p:cNvPr id="20" name="Graphic 19" descr="Checkmark">
+            <a:extLst>
+              <a:ext uri="{FF2B5EF4-FFF2-40B4-BE49-F238E27FC236}">
+                <a16:creationId xmlns:a16="http://schemas.microsoft.com/office/drawing/2014/main" id="{6C453113-3125-4076-BD42-14563839F8DD}"/>
+              </a:ext>
+            </a:extLst>
+          </p:cNvPr>
+          <p:cNvPicPr>
+            <a:picLocks noChangeAspect="1"/>
+          </p:cNvPicPr>
+          <p:nvPr/>
+        </p:nvPicPr>
+        <p:blipFill>
+          <a:blip r:embed="rId3">
+            <a:extLst>
+              <a:ext uri="{96DAC541-7B7A-43D3-8B79-37D633B846F1}">
+                <asvg:svgBlip xmlns:asvg="http://schemas.microsoft.com/office/drawing/2016/SVG/main" r:embed="rId4"/>
+              </a:ext>
+            </a:extLst>
+          </a:blip>
+          <a:stretch>
+            <a:fillRect/>
+          </a:stretch>
+        </p:blipFill>
+        <p:spPr>
+          <a:xfrm>
+            <a:off x="4127676" y="3781906"/>
+            <a:ext cx="432464" cy="432464"/>
+          </a:xfrm>
+          <a:prstGeom prst="rect">
+            <a:avLst/>
+          </a:prstGeom>
+        </p:spPr>
+      </p:pic>
+      <p:pic>
+        <p:nvPicPr>
+          <p:cNvPr id="21" name="Graphic 20" descr="Checkmark">
+            <a:extLst>
+              <a:ext uri="{FF2B5EF4-FFF2-40B4-BE49-F238E27FC236}">
+                <a16:creationId xmlns:a16="http://schemas.microsoft.com/office/drawing/2014/main" id="{B5D7B78B-607D-4A47-9958-9824C707F9C1}"/>
+              </a:ext>
+            </a:extLst>
+          </p:cNvPr>
+          <p:cNvPicPr>
+            <a:picLocks noChangeAspect="1"/>
+          </p:cNvPicPr>
+          <p:nvPr/>
+        </p:nvPicPr>
+        <p:blipFill>
+          <a:blip r:embed="rId3">
+            <a:extLst>
+              <a:ext uri="{96DAC541-7B7A-43D3-8B79-37D633B846F1}">
+                <asvg:svgBlip xmlns:asvg="http://schemas.microsoft.com/office/drawing/2016/SVG/main" r:embed="rId4"/>
+              </a:ext>
+            </a:extLst>
+          </a:blip>
+          <a:stretch>
+            <a:fillRect/>
+          </a:stretch>
+        </p:blipFill>
+        <p:spPr>
+          <a:xfrm>
+            <a:off x="6222476" y="3786305"/>
+            <a:ext cx="432464" cy="432464"/>
           </a:xfrm>
           <a:prstGeom prst="rect">
             <a:avLst/>
@@ -2799,7 +4423,7 @@
     </p:spTree>
     <p:extLst>
       <p:ext uri="{BB962C8B-B14F-4D97-AF65-F5344CB8AC3E}">
-        <p14:creationId xmlns:p14="http://schemas.microsoft.com/office/powerpoint/2010/main" val="1619751671"/>
+        <p14:creationId xmlns:p14="http://schemas.microsoft.com/office/powerpoint/2010/main" val="3282438980"/>
       </p:ext>
     </p:extLst>
   </p:cSld>
@@ -2818,9 +4442,6 @@
                     <p:cTn id="3" fill="hold">
                       <p:stCondLst>
                         <p:cond delay="indefinite"/>
-                        <p:cond evt="onBegin" delay="0">
-                          <p:tn val="2"/>
-                        </p:cond>
                       </p:stCondLst>
                       <p:childTnLst>
                         <p:par>
@@ -2830,9 +4451,9 @@
                             </p:stCondLst>
                             <p:childTnLst>
                               <p:par>
-                                <p:cTn id="5" presetID="10" presetClass="entr" presetSubtype="0" fill="hold" nodeType="afterEffect">
+                                <p:cTn id="5" presetID="1" presetClass="entr" presetSubtype="0" fill="hold" grpId="0" nodeType="clickEffect">
                                   <p:stCondLst>
-                                    <p:cond delay="500"/>
+                                    <p:cond delay="0"/>
                                   </p:stCondLst>
                                   <p:childTnLst>
                                     <p:set>
@@ -2843,7 +4464,7 @@
                                           </p:stCondLst>
                                         </p:cTn>
                                         <p:tgtEl>
-                                          <p:spTgt spid="4"/>
+                                          <p:spTgt spid="17"/>
                                         </p:tgtEl>
                                         <p:attrNameLst>
                                           <p:attrName>style.visibility</p:attrName>
@@ -2853,216 +4474,6 @@
                                         <p:strVal val="visible"/>
                                       </p:to>
                                     </p:set>
-                                    <p:animEffect transition="in" filter="fade">
-                                      <p:cBhvr>
-                                        <p:cTn id="7" dur="500"/>
-                                        <p:tgtEl>
-                                          <p:spTgt spid="4"/>
-                                        </p:tgtEl>
-                                      </p:cBhvr>
-                                    </p:animEffect>
-                                  </p:childTnLst>
-                                </p:cTn>
-                              </p:par>
-                            </p:childTnLst>
-                          </p:cTn>
-                        </p:par>
-                        <p:par>
-                          <p:cTn id="8" fill="hold">
-                            <p:stCondLst>
-                              <p:cond delay="1000"/>
-                            </p:stCondLst>
-                            <p:childTnLst>
-                              <p:par>
-                                <p:cTn id="9" presetID="10" presetClass="entr" presetSubtype="0" fill="hold" grpId="0" nodeType="afterEffect">
-                                  <p:stCondLst>
-                                    <p:cond delay="0"/>
-                                  </p:stCondLst>
-                                  <p:childTnLst>
-                                    <p:set>
-                                      <p:cBhvr>
-                                        <p:cTn id="10" dur="1" fill="hold">
-                                          <p:stCondLst>
-                                            <p:cond delay="0"/>
-                                          </p:stCondLst>
-                                        </p:cTn>
-                                        <p:tgtEl>
-                                          <p:spTgt spid="10"/>
-                                        </p:tgtEl>
-                                        <p:attrNameLst>
-                                          <p:attrName>style.visibility</p:attrName>
-                                        </p:attrNameLst>
-                                      </p:cBhvr>
-                                      <p:to>
-                                        <p:strVal val="visible"/>
-                                      </p:to>
-                                    </p:set>
-                                    <p:animEffect transition="in" filter="fade">
-                                      <p:cBhvr>
-                                        <p:cTn id="11" dur="500"/>
-                                        <p:tgtEl>
-                                          <p:spTgt spid="10"/>
-                                        </p:tgtEl>
-                                      </p:cBhvr>
-                                    </p:animEffect>
-                                  </p:childTnLst>
-                                </p:cTn>
-                              </p:par>
-                              <p:par>
-                                <p:cTn id="12" presetID="10" presetClass="entr" presetSubtype="0" fill="hold" nodeType="withEffect">
-                                  <p:stCondLst>
-                                    <p:cond delay="0"/>
-                                  </p:stCondLst>
-                                  <p:childTnLst>
-                                    <p:set>
-                                      <p:cBhvr>
-                                        <p:cTn id="13" dur="1" fill="hold">
-                                          <p:stCondLst>
-                                            <p:cond delay="0"/>
-                                          </p:stCondLst>
-                                        </p:cTn>
-                                        <p:tgtEl>
-                                          <p:spTgt spid="13"/>
-                                        </p:tgtEl>
-                                        <p:attrNameLst>
-                                          <p:attrName>style.visibility</p:attrName>
-                                        </p:attrNameLst>
-                                      </p:cBhvr>
-                                      <p:to>
-                                        <p:strVal val="visible"/>
-                                      </p:to>
-                                    </p:set>
-                                    <p:animEffect transition="in" filter="fade">
-                                      <p:cBhvr>
-                                        <p:cTn id="14" dur="500"/>
-                                        <p:tgtEl>
-                                          <p:spTgt spid="13"/>
-                                        </p:tgtEl>
-                                      </p:cBhvr>
-                                    </p:animEffect>
-                                  </p:childTnLst>
-                                </p:cTn>
-                              </p:par>
-                            </p:childTnLst>
-                          </p:cTn>
-                        </p:par>
-                        <p:par>
-                          <p:cTn id="15" fill="hold">
-                            <p:stCondLst>
-                              <p:cond delay="1500"/>
-                            </p:stCondLst>
-                            <p:childTnLst>
-                              <p:par>
-                                <p:cTn id="16" presetID="10" presetClass="entr" presetSubtype="0" fill="hold" grpId="0" nodeType="afterEffect">
-                                  <p:stCondLst>
-                                    <p:cond delay="0"/>
-                                  </p:stCondLst>
-                                  <p:childTnLst>
-                                    <p:set>
-                                      <p:cBhvr>
-                                        <p:cTn id="17" dur="1" fill="hold">
-                                          <p:stCondLst>
-                                            <p:cond delay="0"/>
-                                          </p:stCondLst>
-                                        </p:cTn>
-                                        <p:tgtEl>
-                                          <p:spTgt spid="18"/>
-                                        </p:tgtEl>
-                                        <p:attrNameLst>
-                                          <p:attrName>style.visibility</p:attrName>
-                                        </p:attrNameLst>
-                                      </p:cBhvr>
-                                      <p:to>
-                                        <p:strVal val="visible"/>
-                                      </p:to>
-                                    </p:set>
-                                    <p:animEffect transition="in" filter="fade">
-                                      <p:cBhvr>
-                                        <p:cTn id="18" dur="500"/>
-                                        <p:tgtEl>
-                                          <p:spTgt spid="18"/>
-                                        </p:tgtEl>
-                                      </p:cBhvr>
-                                    </p:animEffect>
-                                  </p:childTnLst>
-                                </p:cTn>
-                              </p:par>
-                              <p:par>
-                                <p:cTn id="19" presetID="10" presetClass="entr" presetSubtype="0" fill="hold" nodeType="withEffect">
-                                  <p:stCondLst>
-                                    <p:cond delay="0"/>
-                                  </p:stCondLst>
-                                  <p:childTnLst>
-                                    <p:set>
-                                      <p:cBhvr>
-                                        <p:cTn id="20" dur="1" fill="hold">
-                                          <p:stCondLst>
-                                            <p:cond delay="0"/>
-                                          </p:stCondLst>
-                                        </p:cTn>
-                                        <p:tgtEl>
-                                          <p:spTgt spid="19"/>
-                                        </p:tgtEl>
-                                        <p:attrNameLst>
-                                          <p:attrName>style.visibility</p:attrName>
-                                        </p:attrNameLst>
-                                      </p:cBhvr>
-                                      <p:to>
-                                        <p:strVal val="visible"/>
-                                      </p:to>
-                                    </p:set>
-                                    <p:animEffect transition="in" filter="fade">
-                                      <p:cBhvr>
-                                        <p:cTn id="21" dur="500"/>
-                                        <p:tgtEl>
-                                          <p:spTgt spid="19"/>
-                                        </p:tgtEl>
-                                      </p:cBhvr>
-                                    </p:animEffect>
-                                  </p:childTnLst>
-                                </p:cTn>
-                              </p:par>
-                            </p:childTnLst>
-                          </p:cTn>
-                        </p:par>
-                        <p:par>
-                          <p:cTn id="22" fill="hold">
-                            <p:stCondLst>
-                              <p:cond delay="2000"/>
-                            </p:stCondLst>
-                            <p:childTnLst>
-                              <p:par>
-                                <p:cTn id="23" presetID="10" presetClass="entr" presetSubtype="0" fill="hold" grpId="0" nodeType="afterEffect">
-                                  <p:stCondLst>
-                                    <p:cond delay="0"/>
-                                  </p:stCondLst>
-                                  <p:childTnLst>
-                                    <p:set>
-                                      <p:cBhvr>
-                                        <p:cTn id="24" dur="1" fill="hold">
-                                          <p:stCondLst>
-                                            <p:cond delay="0"/>
-                                          </p:stCondLst>
-                                        </p:cTn>
-                                        <p:tgtEl>
-                                          <p:spTgt spid="20"/>
-                                        </p:tgtEl>
-                                        <p:attrNameLst>
-                                          <p:attrName>style.visibility</p:attrName>
-                                        </p:attrNameLst>
-                                      </p:cBhvr>
-                                      <p:to>
-                                        <p:strVal val="visible"/>
-                                      </p:to>
-                                    </p:set>
-                                    <p:animEffect transition="in" filter="fade">
-                                      <p:cBhvr>
-                                        <p:cTn id="25" dur="500"/>
-                                        <p:tgtEl>
-                                          <p:spTgt spid="20"/>
-                                        </p:tgtEl>
-                                      </p:cBhvr>
-                                    </p:animEffect>
                                   </p:childTnLst>
                                 </p:cTn>
                               </p:par>
@@ -3094,11 +4505,385 @@
       </p:par>
     </p:tnLst>
     <p:bldLst>
-      <p:bldP spid="10" grpId="0"/>
-      <p:bldP spid="18" grpId="0"/>
-      <p:bldP spid="20" grpId="0"/>
+      <p:bldP spid="17" grpId="0"/>
     </p:bldLst>
   </p:timing>
+</p:sld>
+</file>
+
+<file path=ppt/slides/slide6.xml><?xml version="1.0" encoding="utf-8"?>
+<p:sld xmlns:a="http://schemas.openxmlformats.org/drawingml/2006/main" xmlns:r="http://schemas.openxmlformats.org/officeDocument/2006/relationships" xmlns:p="http://schemas.openxmlformats.org/presentationml/2006/main">
+  <p:cSld>
+    <p:spTree>
+      <p:nvGrpSpPr>
+        <p:cNvPr id="1" name=""/>
+        <p:cNvGrpSpPr/>
+        <p:nvPr/>
+      </p:nvGrpSpPr>
+      <p:grpSpPr>
+        <a:xfrm>
+          <a:off x="0" y="0"/>
+          <a:ext cx="0" cy="0"/>
+          <a:chOff x="0" y="0"/>
+          <a:chExt cx="0" cy="0"/>
+        </a:xfrm>
+      </p:grpSpPr>
+      <p:sp>
+        <p:nvSpPr>
+          <p:cNvPr id="2" name="Title 1">
+            <a:extLst>
+              <a:ext uri="{FF2B5EF4-FFF2-40B4-BE49-F238E27FC236}">
+                <a16:creationId xmlns:a16="http://schemas.microsoft.com/office/drawing/2014/main" id="{9B4FDDD9-5C9C-427A-B986-53B5B3199323}"/>
+              </a:ext>
+            </a:extLst>
+          </p:cNvPr>
+          <p:cNvSpPr>
+            <a:spLocks noGrp="1"/>
+          </p:cNvSpPr>
+          <p:nvPr>
+            <p:ph type="title"/>
+          </p:nvPr>
+        </p:nvSpPr>
+        <p:spPr/>
+        <p:txBody>
+          <a:bodyPr/>
+          <a:lstStyle/>
+          <a:p>
+            <a:r>
+              <a:rPr lang="en-IN" dirty="0"/>
+              <a:t>Azure CLI 2.0</a:t>
+            </a:r>
+          </a:p>
+        </p:txBody>
+      </p:sp>
+      <p:sp>
+        <p:nvSpPr>
+          <p:cNvPr id="3" name="Text Placeholder 2">
+            <a:extLst>
+              <a:ext uri="{FF2B5EF4-FFF2-40B4-BE49-F238E27FC236}">
+                <a16:creationId xmlns:a16="http://schemas.microsoft.com/office/drawing/2014/main" id="{61F571BE-0AFF-4C9D-9562-07ED769C8365}"/>
+              </a:ext>
+            </a:extLst>
+          </p:cNvPr>
+          <p:cNvSpPr>
+            <a:spLocks noGrp="1"/>
+          </p:cNvSpPr>
+          <p:nvPr>
+            <p:ph type="body" sz="quarter" idx="10"/>
+          </p:nvPr>
+        </p:nvSpPr>
+        <p:spPr>
+          <a:xfrm>
+            <a:off x="467544" y="1211750"/>
+            <a:ext cx="8208144" cy="3520240"/>
+          </a:xfrm>
+        </p:spPr>
+        <p:txBody>
+          <a:bodyPr/>
+          <a:lstStyle/>
+          <a:p>
+            <a:r>
+              <a:rPr lang="en-IN" dirty="0"/>
+              <a:t>Written in Python</a:t>
+            </a:r>
+          </a:p>
+          <a:p>
+            <a:r>
+              <a:rPr lang="en-IN" dirty="0"/>
+              <a:t>Current version is 2.0.54</a:t>
+            </a:r>
+          </a:p>
+          <a:p>
+            <a:r>
+              <a:rPr lang="en-IN" dirty="0"/>
+              <a:t>Usage: </a:t>
+            </a:r>
+            <a:r>
+              <a:rPr lang="en-US" sz="1800" dirty="0">
+                <a:solidFill>
+                  <a:schemeClr val="accent1"/>
+                </a:solidFill>
+                <a:latin typeface="Consolas" panose="020B0609020204030204" pitchFamily="49" charset="0"/>
+              </a:rPr>
+              <a:t>az [group] [subgroup] [command] {parameters}</a:t>
+            </a:r>
+            <a:endParaRPr lang="en-IN" sz="1800" dirty="0">
+              <a:solidFill>
+                <a:schemeClr val="accent1"/>
+              </a:solidFill>
+              <a:latin typeface="Consolas" panose="020B0609020204030204" pitchFamily="49" charset="0"/>
+            </a:endParaRPr>
+          </a:p>
+          <a:p>
+            <a:endParaRPr lang="en-IN" dirty="0"/>
+          </a:p>
+        </p:txBody>
+      </p:sp>
+    </p:spTree>
+    <p:extLst>
+      <p:ext uri="{BB962C8B-B14F-4D97-AF65-F5344CB8AC3E}">
+        <p14:creationId xmlns:p14="http://schemas.microsoft.com/office/powerpoint/2010/main" val="1591183836"/>
+      </p:ext>
+    </p:extLst>
+  </p:cSld>
+  <p:clrMapOvr>
+    <a:masterClrMapping/>
+  </p:clrMapOvr>
+</p:sld>
+</file>
+
+<file path=ppt/slides/slide7.xml><?xml version="1.0" encoding="utf-8"?>
+<p:sld xmlns:a="http://schemas.openxmlformats.org/drawingml/2006/main" xmlns:r="http://schemas.openxmlformats.org/officeDocument/2006/relationships" xmlns:p="http://schemas.openxmlformats.org/presentationml/2006/main">
+  <p:cSld>
+    <p:spTree>
+      <p:nvGrpSpPr>
+        <p:cNvPr id="1" name=""/>
+        <p:cNvGrpSpPr/>
+        <p:nvPr/>
+      </p:nvGrpSpPr>
+      <p:grpSpPr>
+        <a:xfrm>
+          <a:off x="0" y="0"/>
+          <a:ext cx="0" cy="0"/>
+          <a:chOff x="0" y="0"/>
+          <a:chExt cx="0" cy="0"/>
+        </a:xfrm>
+      </p:grpSpPr>
+      <p:sp>
+        <p:nvSpPr>
+          <p:cNvPr id="2" name="Title 1">
+            <a:extLst>
+              <a:ext uri="{FF2B5EF4-FFF2-40B4-BE49-F238E27FC236}">
+                <a16:creationId xmlns:a16="http://schemas.microsoft.com/office/drawing/2014/main" id="{FCC6F025-14F9-40D5-9FDA-43E521A815D9}"/>
+              </a:ext>
+            </a:extLst>
+          </p:cNvPr>
+          <p:cNvSpPr>
+            <a:spLocks noGrp="1"/>
+          </p:cNvSpPr>
+          <p:nvPr>
+            <p:ph type="ctrTitle"/>
+          </p:nvPr>
+        </p:nvSpPr>
+        <p:spPr/>
+        <p:txBody>
+          <a:bodyPr/>
+          <a:lstStyle/>
+          <a:p>
+            <a:r>
+              <a:rPr lang="en-IN" dirty="0"/>
+              <a:t>Demo</a:t>
+            </a:r>
+          </a:p>
+        </p:txBody>
+      </p:sp>
+      <p:sp>
+        <p:nvSpPr>
+          <p:cNvPr id="3" name="Subtitle 2">
+            <a:extLst>
+              <a:ext uri="{FF2B5EF4-FFF2-40B4-BE49-F238E27FC236}">
+                <a16:creationId xmlns:a16="http://schemas.microsoft.com/office/drawing/2014/main" id="{F011DD61-EBF7-4905-BDFF-F0907D99A393}"/>
+              </a:ext>
+            </a:extLst>
+          </p:cNvPr>
+          <p:cNvSpPr>
+            <a:spLocks noGrp="1"/>
+          </p:cNvSpPr>
+          <p:nvPr>
+            <p:ph type="subTitle" idx="1"/>
+          </p:nvPr>
+        </p:nvSpPr>
+        <p:spPr/>
+        <p:txBody>
+          <a:bodyPr/>
+          <a:lstStyle/>
+          <a:p>
+            <a:r>
+              <a:rPr lang="en-IN" dirty="0"/>
+              <a:t>Starting with Azure CLI 2.0 </a:t>
+            </a:r>
+          </a:p>
+        </p:txBody>
+      </p:sp>
+    </p:spTree>
+    <p:extLst>
+      <p:ext uri="{BB962C8B-B14F-4D97-AF65-F5344CB8AC3E}">
+        <p14:creationId xmlns:p14="http://schemas.microsoft.com/office/powerpoint/2010/main" val="1777471340"/>
+      </p:ext>
+    </p:extLst>
+  </p:cSld>
+  <p:clrMapOvr>
+    <a:masterClrMapping/>
+  </p:clrMapOvr>
+</p:sld>
+</file>
+
+<file path=ppt/slides/slide8.xml><?xml version="1.0" encoding="utf-8"?>
+<p:sld xmlns:a="http://schemas.openxmlformats.org/drawingml/2006/main" xmlns:r="http://schemas.openxmlformats.org/officeDocument/2006/relationships" xmlns:p="http://schemas.openxmlformats.org/presentationml/2006/main">
+  <p:cSld>
+    <p:spTree>
+      <p:nvGrpSpPr>
+        <p:cNvPr id="1" name=""/>
+        <p:cNvGrpSpPr/>
+        <p:nvPr/>
+      </p:nvGrpSpPr>
+      <p:grpSpPr>
+        <a:xfrm>
+          <a:off x="0" y="0"/>
+          <a:ext cx="0" cy="0"/>
+          <a:chOff x="0" y="0"/>
+          <a:chExt cx="0" cy="0"/>
+        </a:xfrm>
+      </p:grpSpPr>
+      <p:sp>
+        <p:nvSpPr>
+          <p:cNvPr id="2" name="Title 1">
+            <a:extLst>
+              <a:ext uri="{FF2B5EF4-FFF2-40B4-BE49-F238E27FC236}">
+                <a16:creationId xmlns:a16="http://schemas.microsoft.com/office/drawing/2014/main" id="{AF35014C-ED5A-4251-B4A3-9D8211ED7BDA}"/>
+              </a:ext>
+            </a:extLst>
+          </p:cNvPr>
+          <p:cNvSpPr>
+            <a:spLocks noGrp="1"/>
+          </p:cNvSpPr>
+          <p:nvPr>
+            <p:ph type="title"/>
+          </p:nvPr>
+        </p:nvSpPr>
+        <p:spPr/>
+        <p:txBody>
+          <a:bodyPr/>
+          <a:lstStyle/>
+          <a:p>
+            <a:r>
+              <a:rPr lang="en-IN" dirty="0"/>
+              <a:t>Azure PowerShell Az Module</a:t>
+            </a:r>
+          </a:p>
+        </p:txBody>
+      </p:sp>
+      <p:sp>
+        <p:nvSpPr>
+          <p:cNvPr id="3" name="Text Placeholder 2">
+            <a:extLst>
+              <a:ext uri="{FF2B5EF4-FFF2-40B4-BE49-F238E27FC236}">
+                <a16:creationId xmlns:a16="http://schemas.microsoft.com/office/drawing/2014/main" id="{993BCCF5-D441-4093-8E82-077879AD544A}"/>
+              </a:ext>
+            </a:extLst>
+          </p:cNvPr>
+          <p:cNvSpPr>
+            <a:spLocks noGrp="1"/>
+          </p:cNvSpPr>
+          <p:nvPr>
+            <p:ph type="body" sz="quarter" idx="10"/>
+          </p:nvPr>
+        </p:nvSpPr>
+        <p:spPr/>
+        <p:txBody>
+          <a:bodyPr/>
+          <a:lstStyle/>
+          <a:p>
+            <a:endParaRPr lang="en-IN" dirty="0"/>
+          </a:p>
+        </p:txBody>
+      </p:sp>
+    </p:spTree>
+    <p:extLst>
+      <p:ext uri="{BB962C8B-B14F-4D97-AF65-F5344CB8AC3E}">
+        <p14:creationId xmlns:p14="http://schemas.microsoft.com/office/powerpoint/2010/main" val="458856288"/>
+      </p:ext>
+    </p:extLst>
+  </p:cSld>
+  <p:clrMapOvr>
+    <a:masterClrMapping/>
+  </p:clrMapOvr>
+</p:sld>
+</file>
+
+<file path=ppt/slides/slide9.xml><?xml version="1.0" encoding="utf-8"?>
+<p:sld xmlns:a="http://schemas.openxmlformats.org/drawingml/2006/main" xmlns:r="http://schemas.openxmlformats.org/officeDocument/2006/relationships" xmlns:p="http://schemas.openxmlformats.org/presentationml/2006/main">
+  <p:cSld>
+    <p:spTree>
+      <p:nvGrpSpPr>
+        <p:cNvPr id="1" name=""/>
+        <p:cNvGrpSpPr/>
+        <p:nvPr/>
+      </p:nvGrpSpPr>
+      <p:grpSpPr>
+        <a:xfrm>
+          <a:off x="0" y="0"/>
+          <a:ext cx="0" cy="0"/>
+          <a:chOff x="0" y="0"/>
+          <a:chExt cx="0" cy="0"/>
+        </a:xfrm>
+      </p:grpSpPr>
+      <p:sp>
+        <p:nvSpPr>
+          <p:cNvPr id="2" name="Title 1">
+            <a:extLst>
+              <a:ext uri="{FF2B5EF4-FFF2-40B4-BE49-F238E27FC236}">
+                <a16:creationId xmlns:a16="http://schemas.microsoft.com/office/drawing/2014/main" id="{2F0056C7-0C21-4131-8D9C-2F67AF72B2EF}"/>
+              </a:ext>
+            </a:extLst>
+          </p:cNvPr>
+          <p:cNvSpPr>
+            <a:spLocks noGrp="1"/>
+          </p:cNvSpPr>
+          <p:nvPr>
+            <p:ph type="ctrTitle"/>
+          </p:nvPr>
+        </p:nvSpPr>
+        <p:spPr/>
+        <p:txBody>
+          <a:bodyPr/>
+          <a:lstStyle/>
+          <a:p>
+            <a:r>
+              <a:rPr lang="en-IN" dirty="0"/>
+              <a:t>Demo</a:t>
+            </a:r>
+          </a:p>
+        </p:txBody>
+      </p:sp>
+      <p:sp>
+        <p:nvSpPr>
+          <p:cNvPr id="3" name="Subtitle 2">
+            <a:extLst>
+              <a:ext uri="{FF2B5EF4-FFF2-40B4-BE49-F238E27FC236}">
+                <a16:creationId xmlns:a16="http://schemas.microsoft.com/office/drawing/2014/main" id="{A76D7965-4FAB-45D5-A688-C155282DFDB7}"/>
+              </a:ext>
+            </a:extLst>
+          </p:cNvPr>
+          <p:cNvSpPr>
+            <a:spLocks noGrp="1"/>
+          </p:cNvSpPr>
+          <p:nvPr>
+            <p:ph type="subTitle" idx="1"/>
+          </p:nvPr>
+        </p:nvSpPr>
+        <p:spPr/>
+        <p:txBody>
+          <a:bodyPr/>
+          <a:lstStyle/>
+          <a:p>
+            <a:r>
+              <a:rPr lang="en-IN" dirty="0"/>
+              <a:t>Starting with Azure PowerShell Az Module</a:t>
+            </a:r>
+          </a:p>
+        </p:txBody>
+      </p:sp>
+    </p:spTree>
+    <p:extLst>
+      <p:ext uri="{BB962C8B-B14F-4D97-AF65-F5344CB8AC3E}">
+        <p14:creationId xmlns:p14="http://schemas.microsoft.com/office/powerpoint/2010/main" val="1493514517"/>
+      </p:ext>
+    </p:extLst>
+  </p:cSld>
+  <p:clrMapOvr>
+    <a:masterClrMapping/>
+  </p:clrMapOvr>
 </p:sld>
 </file>
 

--- a/ExpertsLiveIN2019/AzureAtTheCommandLine-Ravikanth.pptx
+++ b/ExpertsLiveIN2019/AzureAtTheCommandLine-Ravikanth.pptx
@@ -819,51 +819,6 @@
           <a:bodyPr/>
           <a:lstStyle/>
           <a:p>
-            <a:pPr marL="171450" indent="-171450">
-              <a:buFontTx/>
-              <a:buChar char="-"/>
-            </a:pPr>
-            <a:r>
-              <a:rPr lang="en-IN" dirty="0"/>
-              <a:t>Azure Cloud Shell (https://shell.azure.com)</a:t>
-            </a:r>
-          </a:p>
-          <a:p>
-            <a:pPr marL="171450" indent="-171450">
-              <a:buFontTx/>
-              <a:buChar char="-"/>
-            </a:pPr>
-            <a:r>
-              <a:rPr lang="en-IN" dirty="0"/>
-              <a:t>Bash Cloud Shell in VS Code</a:t>
-            </a:r>
-          </a:p>
-          <a:p>
-            <a:pPr marL="171450" indent="-171450">
-              <a:buFontTx/>
-              <a:buChar char="-"/>
-            </a:pPr>
-            <a:r>
-              <a:rPr lang="en-IN" dirty="0"/>
-              <a:t>WSL in VS Code</a:t>
-            </a:r>
-          </a:p>
-          <a:p>
-            <a:pPr marL="171450" indent="-171450">
-              <a:buFontTx/>
-              <a:buChar char="-"/>
-            </a:pPr>
-            <a:r>
-              <a:rPr lang="en-IN" dirty="0"/>
-              <a:t>At </a:t>
-            </a:r>
-            <a:r>
-              <a:rPr lang="en-IN" dirty="0" err="1"/>
-              <a:t>cmd</a:t>
-            </a:r>
-            <a:endParaRPr lang="en-IN" dirty="0"/>
-          </a:p>
-          <a:p>
             <a:endParaRPr lang="en-IN" dirty="0"/>
           </a:p>
         </p:txBody>
@@ -885,6 +840,149 @@
           <a:p>
             <a:fld id="{87D14CCA-F323-4048-B6FE-F8FEE77E6C44}" type="slidenum">
               <a:rPr lang="x-none" smtClean="0"/>
+              <a:t>6</a:t>
+            </a:fld>
+            <a:endParaRPr lang="x-none"/>
+          </a:p>
+        </p:txBody>
+      </p:sp>
+    </p:spTree>
+    <p:extLst>
+      <p:ext uri="{BB962C8B-B14F-4D97-AF65-F5344CB8AC3E}">
+        <p14:creationId xmlns:p14="http://schemas.microsoft.com/office/powerpoint/2010/main" val="286320368"/>
+      </p:ext>
+    </p:extLst>
+  </p:cSld>
+  <p:clrMapOvr>
+    <a:masterClrMapping/>
+  </p:clrMapOvr>
+</p:notes>
+</file>
+
+<file path=ppt/notesSlides/notesSlide3.xml><?xml version="1.0" encoding="utf-8"?>
+<p:notes xmlns:a="http://schemas.openxmlformats.org/drawingml/2006/main" xmlns:r="http://schemas.openxmlformats.org/officeDocument/2006/relationships" xmlns:p="http://schemas.openxmlformats.org/presentationml/2006/main">
+  <p:cSld>
+    <p:spTree>
+      <p:nvGrpSpPr>
+        <p:cNvPr id="1" name=""/>
+        <p:cNvGrpSpPr/>
+        <p:nvPr/>
+      </p:nvGrpSpPr>
+      <p:grpSpPr>
+        <a:xfrm>
+          <a:off x="0" y="0"/>
+          <a:ext cx="0" cy="0"/>
+          <a:chOff x="0" y="0"/>
+          <a:chExt cx="0" cy="0"/>
+        </a:xfrm>
+      </p:grpSpPr>
+      <p:sp>
+        <p:nvSpPr>
+          <p:cNvPr id="2" name="Slide Image Placeholder 1"/>
+          <p:cNvSpPr>
+            <a:spLocks noGrp="1" noRot="1" noChangeAspect="1"/>
+          </p:cNvSpPr>
+          <p:nvPr>
+            <p:ph type="sldImg"/>
+          </p:nvPr>
+        </p:nvSpPr>
+        <p:spPr/>
+      </p:sp>
+      <p:sp>
+        <p:nvSpPr>
+          <p:cNvPr id="3" name="Notes Placeholder 2"/>
+          <p:cNvSpPr>
+            <a:spLocks noGrp="1"/>
+          </p:cNvSpPr>
+          <p:nvPr>
+            <p:ph type="body" idx="1"/>
+          </p:nvPr>
+        </p:nvSpPr>
+        <p:spPr/>
+        <p:txBody>
+          <a:bodyPr/>
+          <a:lstStyle/>
+          <a:p>
+            <a:pPr marL="171450" indent="-171450">
+              <a:buFontTx/>
+              <a:buChar char="-"/>
+            </a:pPr>
+            <a:r>
+              <a:rPr lang="en-IN" dirty="0"/>
+              <a:t>Azure Cloud Shell (https://shell.azure.com)</a:t>
+            </a:r>
+          </a:p>
+          <a:p>
+            <a:pPr marL="171450" indent="-171450">
+              <a:buFontTx/>
+              <a:buChar char="-"/>
+            </a:pPr>
+            <a:r>
+              <a:rPr lang="en-IN" dirty="0"/>
+              <a:t>Bash Cloud Shell in VS Code</a:t>
+            </a:r>
+          </a:p>
+          <a:p>
+            <a:pPr marL="171450" indent="-171450">
+              <a:buFontTx/>
+              <a:buChar char="-"/>
+            </a:pPr>
+            <a:r>
+              <a:rPr lang="en-IN" dirty="0"/>
+              <a:t>WSL in VS Code</a:t>
+            </a:r>
+          </a:p>
+          <a:p>
+            <a:pPr marL="171450" indent="-171450">
+              <a:buFontTx/>
+              <a:buChar char="-"/>
+            </a:pPr>
+            <a:r>
+              <a:rPr lang="en-IN" dirty="0"/>
+              <a:t>At </a:t>
+            </a:r>
+            <a:r>
+              <a:rPr lang="en-IN" dirty="0" err="1"/>
+              <a:t>cmd</a:t>
+            </a:r>
+            <a:endParaRPr lang="en-IN" dirty="0"/>
+          </a:p>
+          <a:p>
+            <a:pPr marL="171450" indent="-171450">
+              <a:buFontTx/>
+              <a:buChar char="-"/>
+            </a:pPr>
+            <a:r>
+              <a:rPr lang="en-US" dirty="0"/>
+              <a:t>A</a:t>
+            </a:r>
+            <a:r>
+              <a:rPr lang="en-IN" dirty="0"/>
+              <a:t>z Interactive</a:t>
+            </a:r>
+          </a:p>
+          <a:p>
+            <a:endParaRPr lang="en-IN" dirty="0"/>
+          </a:p>
+        </p:txBody>
+      </p:sp>
+      <p:sp>
+        <p:nvSpPr>
+          <p:cNvPr id="4" name="Slide Number Placeholder 3"/>
+          <p:cNvSpPr>
+            <a:spLocks noGrp="1"/>
+          </p:cNvSpPr>
+          <p:nvPr>
+            <p:ph type="sldNum" sz="quarter" idx="5"/>
+          </p:nvPr>
+        </p:nvSpPr>
+        <p:spPr/>
+        <p:txBody>
+          <a:bodyPr/>
+          <a:lstStyle/>
+          <a:p>
+            <a:fld id="{87D14CCA-F323-4048-B6FE-F8FEE77E6C44}" type="slidenum">
+              <a:rPr lang="x-none" smtClean="0"/>
               <a:t>7</a:t>
             </a:fld>
             <a:endParaRPr lang="x-none"/>
@@ -904,7 +1002,7 @@
 </p:notes>
 </file>
 
-<file path=ppt/notesSlides/notesSlide3.xml><?xml version="1.0" encoding="utf-8"?>
+<file path=ppt/notesSlides/notesSlide4.xml><?xml version="1.0" encoding="utf-8"?>
 <p:notes xmlns:a="http://schemas.openxmlformats.org/drawingml/2006/main" xmlns:r="http://schemas.openxmlformats.org/officeDocument/2006/relationships" xmlns:p="http://schemas.openxmlformats.org/presentationml/2006/main">
   <p:cSld>
     <p:spTree>
@@ -4615,6 +4713,24 @@
             </a:endParaRPr>
           </a:p>
           <a:p>
+            <a:r>
+              <a:rPr lang="en-US" dirty="0"/>
+              <a:t>Supports interactive execution</a:t>
+            </a:r>
+          </a:p>
+          <a:p>
+            <a:r>
+              <a:rPr lang="en-US" dirty="0"/>
+              <a:t>Supports </a:t>
+            </a:r>
+            <a:r>
+              <a:rPr lang="en-US" dirty="0" err="1"/>
+              <a:t>JMESPath</a:t>
+            </a:r>
+            <a:r>
+              <a:rPr lang="en-US" dirty="0"/>
+              <a:t> for queries</a:t>
+            </a:r>
             <a:endParaRPr lang="en-IN" dirty="0"/>
           </a:p>
         </p:txBody>
@@ -4784,6 +4900,44 @@
           <a:bodyPr/>
           <a:lstStyle/>
           <a:p>
+            <a:r>
+              <a:rPr lang="en-US" dirty="0"/>
+              <a:t>Current version is 1.0.0</a:t>
+            </a:r>
+          </a:p>
+          <a:p>
+            <a:r>
+              <a:rPr lang="en-US" dirty="0"/>
+              <a:t>A rollup module</a:t>
+            </a:r>
+          </a:p>
+          <a:p>
+            <a:r>
+              <a:rPr lang="en-US" dirty="0"/>
+              <a:t>No interactive experience like Az </a:t>
+            </a:r>
+            <a:r>
+              <a:rPr lang="en-US" dirty="0" err="1"/>
+              <a:t>Cli</a:t>
+            </a:r>
+            <a:endParaRPr lang="en-US" dirty="0"/>
+          </a:p>
+          <a:p>
+            <a:r>
+              <a:rPr lang="en-US" dirty="0"/>
+              <a:t>Help and documentation </a:t>
+            </a:r>
+            <a:r>
+              <a:rPr lang="en-US"/>
+              <a:t>still evolving</a:t>
+            </a:r>
+            <a:endParaRPr lang="en-US" dirty="0"/>
+          </a:p>
+          <a:p>
+            <a:r>
+              <a:rPr lang="en-US" dirty="0"/>
+              <a:t>All PowerShell goodness to work with output</a:t>
+            </a:r>
             <a:endParaRPr lang="en-IN" dirty="0"/>
           </a:p>
         </p:txBody>
@@ -5768,6 +5922,21 @@
 </file>
 
 <file path=customXml/item1.xml><?xml version="1.0" encoding="utf-8"?>
+<p:properties xmlns:p="http://schemas.microsoft.com/office/2006/metadata/properties" xmlns:xsi="http://www.w3.org/2001/XMLSchema-instance" xmlns:pc="http://schemas.microsoft.com/office/infopath/2007/PartnerControls">
+  <documentManagement/>
+</p:properties>
+</file>
+
+<file path=customXml/item2.xml><?xml version="1.0" encoding="utf-8"?>
+<?mso-contentType ?>
+<FormTemplates xmlns="http://schemas.microsoft.com/sharepoint/v3/contenttype/forms">
+  <Display>DocumentLibraryForm</Display>
+  <Edit>DocumentLibraryForm</Edit>
+  <New>DocumentLibraryForm</New>
+</FormTemplates>
+</file>
+
+<file path=customXml/item3.xml><?xml version="1.0" encoding="utf-8"?>
 <ct:contentTypeSchema xmlns:ct="http://schemas.microsoft.com/office/2006/metadata/contentType" xmlns:ma="http://schemas.microsoft.com/office/2006/metadata/properties/metaAttributes" ct:_="" ma:_="" ma:contentTypeName="Dokument" ma:contentTypeID="0x0101001953E0CDE6A38E419236C03EEB01435C" ma:contentTypeVersion="7" ma:contentTypeDescription="Ein neues Dokument erstellen." ma:contentTypeScope="" ma:versionID="35377ed61abc787e6d78f6dd36362cda">
   <xsd:schema xmlns:xsd="http://www.w3.org/2001/XMLSchema" xmlns:xs="http://www.w3.org/2001/XMLSchema" xmlns:p="http://schemas.microsoft.com/office/2006/metadata/properties" xmlns:ns2="74098b8b-3ead-4c65-9f72-d36b5831b20e" xmlns:ns3="c25f9c22-fc1f-4454-8c46-2969b0535af5" targetNamespace="http://schemas.microsoft.com/office/2006/metadata/properties" ma:root="true" ma:fieldsID="77ed309eff22ef73c9fccc7a3e12d61f" ns2:_="" ns3:_="">
     <xsd:import namespace="74098b8b-3ead-4c65-9f72-d36b5831b20e"/>
@@ -5950,22 +6119,32 @@
 </ct:contentTypeSchema>
 </file>
 
-<file path=customXml/item2.xml><?xml version="1.0" encoding="utf-8"?>
-<?mso-contentType ?>
-<FormTemplates xmlns="http://schemas.microsoft.com/sharepoint/v3/contenttype/forms">
-  <Display>DocumentLibraryForm</Display>
-  <Edit>DocumentLibraryForm</Edit>
-  <New>DocumentLibraryForm</New>
-</FormTemplates>
+<file path=customXml/itemProps1.xml><?xml version="1.0" encoding="utf-8"?>
+<ds:datastoreItem xmlns:ds="http://schemas.openxmlformats.org/officeDocument/2006/customXml" ds:itemID="{89296970-E637-471F-86E2-950D4519AEC4}">
+  <ds:schemaRefs>
+    <ds:schemaRef ds:uri="http://schemas.microsoft.com/office/2006/documentManagement/types"/>
+    <ds:schemaRef ds:uri="http://purl.org/dc/terms/"/>
+    <ds:schemaRef ds:uri="http://schemas.microsoft.com/office/2006/metadata/properties"/>
+    <ds:schemaRef ds:uri="http://www.w3.org/XML/1998/namespace"/>
+    <ds:schemaRef ds:uri="http://purl.org/dc/dcmitype/"/>
+    <ds:schemaRef ds:uri="http://purl.org/dc/elements/1.1/"/>
+    <ds:schemaRef ds:uri="http://schemas.microsoft.com/office/infopath/2007/PartnerControls"/>
+    <ds:schemaRef ds:uri="http://schemas.openxmlformats.org/package/2006/metadata/core-properties"/>
+    <ds:schemaRef ds:uri="c25f9c22-fc1f-4454-8c46-2969b0535af5"/>
+    <ds:schemaRef ds:uri="74098b8b-3ead-4c65-9f72-d36b5831b20e"/>
+  </ds:schemaRefs>
+</ds:datastoreItem>
 </file>
 
-<file path=customXml/item3.xml><?xml version="1.0" encoding="utf-8"?>
-<p:properties xmlns:p="http://schemas.microsoft.com/office/2006/metadata/properties" xmlns:xsi="http://www.w3.org/2001/XMLSchema-instance" xmlns:pc="http://schemas.microsoft.com/office/infopath/2007/PartnerControls">
-  <documentManagement/>
-</p:properties>
+<file path=customXml/itemProps2.xml><?xml version="1.0" encoding="utf-8"?>
+<ds:datastoreItem xmlns:ds="http://schemas.openxmlformats.org/officeDocument/2006/customXml" ds:itemID="{D6CE178E-7963-4EFA-83EF-8E123369E092}">
+  <ds:schemaRefs>
+    <ds:schemaRef ds:uri="http://schemas.microsoft.com/sharepoint/v3/contenttype/forms"/>
+  </ds:schemaRefs>
+</ds:datastoreItem>
 </file>
 
-<file path=customXml/itemProps1.xml><?xml version="1.0" encoding="utf-8"?>
+<file path=customXml/itemProps3.xml><?xml version="1.0" encoding="utf-8"?>
 <ds:datastoreItem xmlns:ds="http://schemas.openxmlformats.org/officeDocument/2006/customXml" ds:itemID="{26056780-E2CD-484B-90C1-F30A19D8A5D9}">
   <ds:schemaRefs>
     <ds:schemaRef ds:uri="http://schemas.microsoft.com/office/2006/metadata/contentType"/>
@@ -5982,29 +6161,4 @@
     <ds:schemaRef ds:uri="http://schemas.microsoft.com/internal/obd"/>
   </ds:schemaRefs>
 </ds:datastoreItem>
-</file>
-
-<file path=customXml/itemProps2.xml><?xml version="1.0" encoding="utf-8"?>
-<ds:datastoreItem xmlns:ds="http://schemas.openxmlformats.org/officeDocument/2006/customXml" ds:itemID="{D6CE178E-7963-4EFA-83EF-8E123369E092}">
-  <ds:schemaRefs>
-    <ds:schemaRef ds:uri="http://schemas.microsoft.com/sharepoint/v3/contenttype/forms"/>
-  </ds:schemaRefs>
-</ds:datastoreItem>
-</file>
-
-<file path=customXml/itemProps3.xml><?xml version="1.0" encoding="utf-8"?>
-<ds:datastoreItem xmlns:ds="http://schemas.openxmlformats.org/officeDocument/2006/customXml" ds:itemID="{89296970-E637-471F-86E2-950D4519AEC4}">
-  <ds:schemaRefs>
-    <ds:schemaRef ds:uri="http://schemas.microsoft.com/office/2006/documentManagement/types"/>
-    <ds:schemaRef ds:uri="http://purl.org/dc/terms/"/>
-    <ds:schemaRef ds:uri="http://schemas.microsoft.com/office/2006/metadata/properties"/>
-    <ds:schemaRef ds:uri="http://www.w3.org/XML/1998/namespace"/>
-    <ds:schemaRef ds:uri="http://purl.org/dc/dcmitype/"/>
-    <ds:schemaRef ds:uri="http://purl.org/dc/elements/1.1/"/>
-    <ds:schemaRef ds:uri="http://schemas.microsoft.com/office/infopath/2007/PartnerControls"/>
-    <ds:schemaRef ds:uri="http://schemas.openxmlformats.org/package/2006/metadata/core-properties"/>
-    <ds:schemaRef ds:uri="c25f9c22-fc1f-4454-8c46-2969b0535af5"/>
-    <ds:schemaRef ds:uri="74098b8b-3ead-4c65-9f72-d36b5831b20e"/>
-  </ds:schemaRefs>
-</ds:datastoreItem>
 </file>
--- a/ExpertsLiveIN2019/AzureAtTheCommandLine-Ravikanth.pptx
+++ b/ExpertsLiveIN2019/AzureAtTheCommandLine-Ravikanth.pptx
@@ -20,8 +20,8 @@
     <p:sldId id="268" r:id="rId11"/>
     <p:sldId id="266" r:id="rId12"/>
     <p:sldId id="269" r:id="rId13"/>
-    <p:sldId id="270" r:id="rId14"/>
-    <p:sldId id="267" r:id="rId15"/>
+    <p:sldId id="267" r:id="rId14"/>
+    <p:sldId id="270" r:id="rId15"/>
     <p:sldId id="259" r:id="rId16"/>
   </p:sldIdLst>
   <p:sldSz cx="9144000" cy="5143500" type="screen16x9"/>
@@ -151,8 +151,8 @@
         </p14:section>
         <p14:section name="Summary" id="{0D4C8057-C9E4-4427-9037-D8AE64DB9427}">
           <p14:sldIdLst>
+            <p14:sldId id="267"/>
             <p14:sldId id="270"/>
-            <p14:sldId id="267"/>
             <p14:sldId id="259"/>
           </p14:sldIdLst>
         </p14:section>
@@ -756,7 +756,7 @@
           <a:p>
             <a:fld id="{87D14CCA-F323-4048-B6FE-F8FEE77E6C44}" type="slidenum">
               <a:rPr lang="x-none" smtClean="0"/>
-              <a:t>5</a:t>
+              <a:t>3</a:t>
             </a:fld>
             <a:endParaRPr lang="x-none"/>
           </a:p>
@@ -765,7 +765,7 @@
     </p:spTree>
     <p:extLst>
       <p:ext uri="{BB962C8B-B14F-4D97-AF65-F5344CB8AC3E}">
-        <p14:creationId xmlns:p14="http://schemas.microsoft.com/office/powerpoint/2010/main" val="1804775640"/>
+        <p14:creationId xmlns:p14="http://schemas.microsoft.com/office/powerpoint/2010/main" val="3843927182"/>
       </p:ext>
     </p:extLst>
   </p:cSld>
@@ -840,7 +840,7 @@
           <a:p>
             <a:fld id="{87D14CCA-F323-4048-B6FE-F8FEE77E6C44}" type="slidenum">
               <a:rPr lang="x-none" smtClean="0"/>
-              <a:t>6</a:t>
+              <a:t>5</a:t>
             </a:fld>
             <a:endParaRPr lang="x-none"/>
           </a:p>
@@ -849,7 +849,7 @@
     </p:spTree>
     <p:extLst>
       <p:ext uri="{BB962C8B-B14F-4D97-AF65-F5344CB8AC3E}">
-        <p14:creationId xmlns:p14="http://schemas.microsoft.com/office/powerpoint/2010/main" val="286320368"/>
+        <p14:creationId xmlns:p14="http://schemas.microsoft.com/office/powerpoint/2010/main" val="1804775640"/>
       </p:ext>
     </p:extLst>
   </p:cSld>
@@ -903,65 +903,6 @@
           <a:bodyPr/>
           <a:lstStyle/>
           <a:p>
-            <a:pPr marL="171450" indent="-171450">
-              <a:buFontTx/>
-              <a:buChar char="-"/>
-            </a:pPr>
-            <a:r>
-              <a:rPr lang="en-IN" dirty="0"/>
-              <a:t>Azure Cloud Shell (https://shell.azure.com)</a:t>
-            </a:r>
-          </a:p>
-          <a:p>
-            <a:pPr marL="171450" indent="-171450">
-              <a:buFontTx/>
-              <a:buChar char="-"/>
-            </a:pPr>
-            <a:r>
-              <a:rPr lang="en-IN" dirty="0"/>
-              <a:t>Bash Cloud Shell in VS Code</a:t>
-            </a:r>
-          </a:p>
-          <a:p>
-            <a:pPr marL="171450" indent="-171450">
-              <a:buFontTx/>
-              <a:buChar char="-"/>
-            </a:pPr>
-            <a:r>
-              <a:rPr lang="en-IN" dirty="0"/>
-              <a:t>WSL in VS Code</a:t>
-            </a:r>
-          </a:p>
-          <a:p>
-            <a:pPr marL="171450" indent="-171450">
-              <a:buFontTx/>
-              <a:buChar char="-"/>
-            </a:pPr>
-            <a:r>
-              <a:rPr lang="en-IN" dirty="0"/>
-              <a:t>At </a:t>
-            </a:r>
-            <a:r>
-              <a:rPr lang="en-IN" dirty="0" err="1"/>
-              <a:t>cmd</a:t>
-            </a:r>
-            <a:endParaRPr lang="en-IN" dirty="0"/>
-          </a:p>
-          <a:p>
-            <a:pPr marL="171450" indent="-171450">
-              <a:buFontTx/>
-              <a:buChar char="-"/>
-            </a:pPr>
-            <a:r>
-              <a:rPr lang="en-US" dirty="0"/>
-              <a:t>A</a:t>
-            </a:r>
-            <a:r>
-              <a:rPr lang="en-IN" dirty="0"/>
-              <a:t>z Interactive</a:t>
-            </a:r>
-          </a:p>
-          <a:p>
             <a:endParaRPr lang="en-IN" dirty="0"/>
           </a:p>
         </p:txBody>
@@ -983,6 +924,149 @@
           <a:p>
             <a:fld id="{87D14CCA-F323-4048-B6FE-F8FEE77E6C44}" type="slidenum">
               <a:rPr lang="x-none" smtClean="0"/>
+              <a:t>6</a:t>
+            </a:fld>
+            <a:endParaRPr lang="x-none"/>
+          </a:p>
+        </p:txBody>
+      </p:sp>
+    </p:spTree>
+    <p:extLst>
+      <p:ext uri="{BB962C8B-B14F-4D97-AF65-F5344CB8AC3E}">
+        <p14:creationId xmlns:p14="http://schemas.microsoft.com/office/powerpoint/2010/main" val="286320368"/>
+      </p:ext>
+    </p:extLst>
+  </p:cSld>
+  <p:clrMapOvr>
+    <a:masterClrMapping/>
+  </p:clrMapOvr>
+</p:notes>
+</file>
+
+<file path=ppt/notesSlides/notesSlide4.xml><?xml version="1.0" encoding="utf-8"?>
+<p:notes xmlns:a="http://schemas.openxmlformats.org/drawingml/2006/main" xmlns:r="http://schemas.openxmlformats.org/officeDocument/2006/relationships" xmlns:p="http://schemas.openxmlformats.org/presentationml/2006/main">
+  <p:cSld>
+    <p:spTree>
+      <p:nvGrpSpPr>
+        <p:cNvPr id="1" name=""/>
+        <p:cNvGrpSpPr/>
+        <p:nvPr/>
+      </p:nvGrpSpPr>
+      <p:grpSpPr>
+        <a:xfrm>
+          <a:off x="0" y="0"/>
+          <a:ext cx="0" cy="0"/>
+          <a:chOff x="0" y="0"/>
+          <a:chExt cx="0" cy="0"/>
+        </a:xfrm>
+      </p:grpSpPr>
+      <p:sp>
+        <p:nvSpPr>
+          <p:cNvPr id="2" name="Slide Image Placeholder 1"/>
+          <p:cNvSpPr>
+            <a:spLocks noGrp="1" noRot="1" noChangeAspect="1"/>
+          </p:cNvSpPr>
+          <p:nvPr>
+            <p:ph type="sldImg"/>
+          </p:nvPr>
+        </p:nvSpPr>
+        <p:spPr/>
+      </p:sp>
+      <p:sp>
+        <p:nvSpPr>
+          <p:cNvPr id="3" name="Notes Placeholder 2"/>
+          <p:cNvSpPr>
+            <a:spLocks noGrp="1"/>
+          </p:cNvSpPr>
+          <p:nvPr>
+            <p:ph type="body" idx="1"/>
+          </p:nvPr>
+        </p:nvSpPr>
+        <p:spPr/>
+        <p:txBody>
+          <a:bodyPr/>
+          <a:lstStyle/>
+          <a:p>
+            <a:pPr marL="171450" indent="-171450">
+              <a:buFontTx/>
+              <a:buChar char="-"/>
+            </a:pPr>
+            <a:r>
+              <a:rPr lang="en-IN" dirty="0"/>
+              <a:t>Azure Cloud Shell (https://shell.azure.com)</a:t>
+            </a:r>
+          </a:p>
+          <a:p>
+            <a:pPr marL="171450" indent="-171450">
+              <a:buFontTx/>
+              <a:buChar char="-"/>
+            </a:pPr>
+            <a:r>
+              <a:rPr lang="en-IN" dirty="0"/>
+              <a:t>Bash Cloud Shell in VS Code</a:t>
+            </a:r>
+          </a:p>
+          <a:p>
+            <a:pPr marL="171450" indent="-171450">
+              <a:buFontTx/>
+              <a:buChar char="-"/>
+            </a:pPr>
+            <a:r>
+              <a:rPr lang="en-IN" dirty="0"/>
+              <a:t>WSL in VS Code</a:t>
+            </a:r>
+          </a:p>
+          <a:p>
+            <a:pPr marL="171450" indent="-171450">
+              <a:buFontTx/>
+              <a:buChar char="-"/>
+            </a:pPr>
+            <a:r>
+              <a:rPr lang="en-IN" dirty="0"/>
+              <a:t>At </a:t>
+            </a:r>
+            <a:r>
+              <a:rPr lang="en-IN" dirty="0" err="1"/>
+              <a:t>cmd</a:t>
+            </a:r>
+            <a:endParaRPr lang="en-IN" dirty="0"/>
+          </a:p>
+          <a:p>
+            <a:pPr marL="171450" indent="-171450">
+              <a:buFontTx/>
+              <a:buChar char="-"/>
+            </a:pPr>
+            <a:r>
+              <a:rPr lang="en-US" dirty="0"/>
+              <a:t>A</a:t>
+            </a:r>
+            <a:r>
+              <a:rPr lang="en-IN" dirty="0"/>
+              <a:t>z Interactive</a:t>
+            </a:r>
+          </a:p>
+          <a:p>
+            <a:endParaRPr lang="en-IN" dirty="0"/>
+          </a:p>
+        </p:txBody>
+      </p:sp>
+      <p:sp>
+        <p:nvSpPr>
+          <p:cNvPr id="4" name="Slide Number Placeholder 3"/>
+          <p:cNvSpPr>
+            <a:spLocks noGrp="1"/>
+          </p:cNvSpPr>
+          <p:nvPr>
+            <p:ph type="sldNum" sz="quarter" idx="5"/>
+          </p:nvPr>
+        </p:nvSpPr>
+        <p:spPr/>
+        <p:txBody>
+          <a:bodyPr/>
+          <a:lstStyle/>
+          <a:p>
+            <a:fld id="{87D14CCA-F323-4048-B6FE-F8FEE77E6C44}" type="slidenum">
+              <a:rPr lang="x-none" smtClean="0"/>
               <a:t>7</a:t>
             </a:fld>
             <a:endParaRPr lang="x-none"/>
@@ -1002,7 +1086,7 @@
 </p:notes>
 </file>
 
-<file path=ppt/notesSlides/notesSlide4.xml><?xml version="1.0" encoding="utf-8"?>
+<file path=ppt/notesSlides/notesSlide5.xml><?xml version="1.0" encoding="utf-8"?>
 <p:notes xmlns:a="http://schemas.openxmlformats.org/drawingml/2006/main" xmlns:r="http://schemas.openxmlformats.org/officeDocument/2006/relationships" xmlns:p="http://schemas.openxmlformats.org/presentationml/2006/main">
   <p:cSld>
     <p:spTree>
@@ -2151,7 +2235,7 @@
           <p:cNvPr id="2" name="Title 1">
             <a:extLst>
               <a:ext uri="{FF2B5EF4-FFF2-40B4-BE49-F238E27FC236}">
-                <a16:creationId xmlns:a16="http://schemas.microsoft.com/office/drawing/2014/main" id="{EF1BD31A-C2A5-406C-A72A-E431B322034A}"/>
+                <a16:creationId xmlns:a16="http://schemas.microsoft.com/office/drawing/2014/main" id="{DA689BA0-8A96-4D22-A168-3F47DD71A9A4}"/>
               </a:ext>
             </a:extLst>
           </p:cNvPr>
@@ -2169,7 +2253,7 @@
           <a:p>
             <a:r>
               <a:rPr lang="en-IN" dirty="0"/>
-              <a:t>Resources</a:t>
+              <a:t>Summary</a:t>
             </a:r>
           </a:p>
         </p:txBody>
@@ -2179,7 +2263,7 @@
           <p:cNvPr id="3" name="Text Placeholder 2">
             <a:extLst>
               <a:ext uri="{FF2B5EF4-FFF2-40B4-BE49-F238E27FC236}">
-                <a16:creationId xmlns:a16="http://schemas.microsoft.com/office/drawing/2014/main" id="{900E70F6-F60A-4EF3-90B4-6D591F0C4B6B}"/>
+                <a16:creationId xmlns:a16="http://schemas.microsoft.com/office/drawing/2014/main" id="{785983E3-9CCD-4823-A6D0-CB092391955A}"/>
               </a:ext>
             </a:extLst>
           </p:cNvPr>
@@ -2192,91 +2276,56 @@
         </p:nvSpPr>
         <p:spPr/>
         <p:txBody>
-          <a:bodyPr/>
+          <a:bodyPr>
+            <a:normAutofit fontScale="92500" lnSpcReduction="10000"/>
+          </a:bodyPr>
           <a:lstStyle/>
           <a:p>
             <a:r>
-              <a:rPr lang="en-IN" dirty="0"/>
-              <a:t>Az </a:t>
-            </a:r>
-            <a:r>
-              <a:rPr lang="en-IN" dirty="0" err="1"/>
-              <a:t>Cli</a:t>
-            </a:r>
-            <a:r>
-              <a:rPr lang="en-IN" dirty="0"/>
-              <a:t>:</a:t>
-            </a:r>
-            <a:r>
-              <a:rPr lang="en-IN" dirty="0">
-                <a:solidFill>
-                  <a:schemeClr val="accent1"/>
-                </a:solidFill>
-              </a:rPr>
-              <a:t> </a:t>
-            </a:r>
-            <a:r>
-              <a:rPr lang="en-IN" dirty="0">
-                <a:solidFill>
-                  <a:schemeClr val="accent1"/>
-                </a:solidFill>
-                <a:hlinkClick r:id="rId2">
-                  <a:extLst>
-                    <a:ext uri="{A12FA001-AC4F-418D-AE19-62706E023703}">
-                      <ahyp:hlinkClr xmlns:ahyp="http://schemas.microsoft.com/office/drawing/2018/hyperlinkcolor" val="tx"/>
-                    </a:ext>
-                  </a:extLst>
-                </a:hlinkClick>
-              </a:rPr>
-              <a:t>https://github.com/Azure/azure-cli</a:t>
-            </a:r>
-            <a:r>
-              <a:rPr lang="en-IN" dirty="0">
-                <a:solidFill>
-                  <a:schemeClr val="accent1"/>
-                </a:solidFill>
-              </a:rPr>
-              <a:t> </a:t>
-            </a:r>
-          </a:p>
-          <a:p>
-            <a:r>
-              <a:rPr lang="en-IN" dirty="0"/>
-              <a:t>Az Module:</a:t>
-            </a:r>
-            <a:r>
-              <a:rPr lang="en-IN" dirty="0">
-                <a:solidFill>
-                  <a:schemeClr val="accent1"/>
-                </a:solidFill>
-              </a:rPr>
-              <a:t> </a:t>
-            </a:r>
-            <a:r>
-              <a:rPr lang="en-IN" dirty="0">
-                <a:solidFill>
-                  <a:schemeClr val="accent1"/>
-                </a:solidFill>
-                <a:hlinkClick r:id="rId3">
-                  <a:extLst>
-                    <a:ext uri="{A12FA001-AC4F-418D-AE19-62706E023703}">
-                      <ahyp:hlinkClr xmlns:ahyp="http://schemas.microsoft.com/office/drawing/2018/hyperlinkcolor" val="tx"/>
-                    </a:ext>
-                  </a:extLst>
-                </a:hlinkClick>
-              </a:rPr>
-              <a:t>https://github.com/Azure/azure-powershell</a:t>
-            </a:r>
-            <a:r>
-              <a:rPr lang="en-IN" dirty="0">
-                <a:solidFill>
-                  <a:schemeClr val="accent1"/>
-                </a:solidFill>
-              </a:rPr>
-              <a:t> </a:t>
-            </a:r>
-          </a:p>
-          <a:p>
+              <a:rPr lang="en-US" dirty="0"/>
+              <a:t>Azure CLI</a:t>
+            </a:r>
+          </a:p>
+          <a:p>
+            <a:pPr lvl="1"/>
+            <a:r>
+              <a:rPr lang="en-US" dirty="0"/>
+              <a:t>Commands are more intuitive</a:t>
+            </a:r>
+          </a:p>
+          <a:p>
+            <a:pPr lvl="1"/>
+            <a:r>
+              <a:rPr lang="en-US" dirty="0"/>
+              <a:t>az interactive can be very helpful for beginners</a:t>
+            </a:r>
+          </a:p>
+          <a:p>
+            <a:pPr lvl="1"/>
+            <a:r>
+              <a:rPr lang="en-US" dirty="0"/>
+              <a:t>Scripting requires Unix/Linux shell scripting experience</a:t>
+            </a:r>
+          </a:p>
+          <a:p>
+            <a:r>
+              <a:rPr lang="en-US" dirty="0"/>
+              <a:t>Azure PowerShell </a:t>
+            </a:r>
+          </a:p>
+          <a:p>
+            <a:pPr lvl="1"/>
+            <a:r>
+              <a:rPr lang="en-US" dirty="0"/>
+              <a:t>Beginners may find it difficult to discover commands</a:t>
+            </a:r>
+          </a:p>
+          <a:p>
+            <a:pPr lvl="1"/>
+            <a:r>
+              <a:rPr lang="en-US" dirty="0"/>
+              <a:t>Existing PowerShell experience can be very useful</a:t>
+            </a:r>
             <a:endParaRPr lang="en-IN" dirty="0"/>
           </a:p>
         </p:txBody>
@@ -2284,7 +2333,7 @@
     </p:spTree>
     <p:extLst>
       <p:ext uri="{BB962C8B-B14F-4D97-AF65-F5344CB8AC3E}">
-        <p14:creationId xmlns:p14="http://schemas.microsoft.com/office/powerpoint/2010/main" val="2320735408"/>
+        <p14:creationId xmlns:p14="http://schemas.microsoft.com/office/powerpoint/2010/main" val="2047432078"/>
       </p:ext>
     </p:extLst>
   </p:cSld>
@@ -2316,7 +2365,7 @@
           <p:cNvPr id="2" name="Title 1">
             <a:extLst>
               <a:ext uri="{FF2B5EF4-FFF2-40B4-BE49-F238E27FC236}">
-                <a16:creationId xmlns:a16="http://schemas.microsoft.com/office/drawing/2014/main" id="{DA689BA0-8A96-4D22-A168-3F47DD71A9A4}"/>
+                <a16:creationId xmlns:a16="http://schemas.microsoft.com/office/drawing/2014/main" id="{EF1BD31A-C2A5-406C-A72A-E431B322034A}"/>
               </a:ext>
             </a:extLst>
           </p:cNvPr>
@@ -2334,7 +2383,7 @@
           <a:p>
             <a:r>
               <a:rPr lang="en-IN" dirty="0"/>
-              <a:t>Summary</a:t>
+              <a:t>Resources</a:t>
             </a:r>
           </a:p>
         </p:txBody>
@@ -2344,7 +2393,7 @@
           <p:cNvPr id="3" name="Text Placeholder 2">
             <a:extLst>
               <a:ext uri="{FF2B5EF4-FFF2-40B4-BE49-F238E27FC236}">
-                <a16:creationId xmlns:a16="http://schemas.microsoft.com/office/drawing/2014/main" id="{785983E3-9CCD-4823-A6D0-CB092391955A}"/>
+                <a16:creationId xmlns:a16="http://schemas.microsoft.com/office/drawing/2014/main" id="{900E70F6-F60A-4EF3-90B4-6D591F0C4B6B}"/>
               </a:ext>
             </a:extLst>
           </p:cNvPr>
@@ -2360,14 +2409,169 @@
           <a:bodyPr/>
           <a:lstStyle/>
           <a:p>
-            <a:endParaRPr lang="en-IN"/>
+            <a:r>
+              <a:rPr lang="en-IN" dirty="0"/>
+              <a:t>Az </a:t>
+            </a:r>
+            <a:r>
+              <a:rPr lang="en-IN" dirty="0" err="1"/>
+              <a:t>Cli</a:t>
+            </a:r>
+            <a:r>
+              <a:rPr lang="en-IN" dirty="0"/>
+              <a:t>:</a:t>
+            </a:r>
+            <a:r>
+              <a:rPr lang="en-IN" dirty="0">
+                <a:solidFill>
+                  <a:schemeClr val="accent1"/>
+                </a:solidFill>
+              </a:rPr>
+              <a:t> </a:t>
+            </a:r>
+            <a:r>
+              <a:rPr lang="en-IN" dirty="0">
+                <a:solidFill>
+                  <a:schemeClr val="accent1"/>
+                </a:solidFill>
+                <a:hlinkClick r:id="rId2">
+                  <a:extLst>
+                    <a:ext uri="{A12FA001-AC4F-418D-AE19-62706E023703}">
+                      <ahyp:hlinkClr xmlns:ahyp="http://schemas.microsoft.com/office/drawing/2018/hyperlinkcolor" val="tx"/>
+                    </a:ext>
+                  </a:extLst>
+                </a:hlinkClick>
+              </a:rPr>
+              <a:t>https://github.com/Azure/azure-cli</a:t>
+            </a:r>
+            <a:r>
+              <a:rPr lang="en-IN" dirty="0">
+                <a:solidFill>
+                  <a:schemeClr val="accent1"/>
+                </a:solidFill>
+              </a:rPr>
+              <a:t> </a:t>
+            </a:r>
+          </a:p>
+          <a:p>
+            <a:pPr marL="868362" lvl="2" indent="-457200"/>
+            <a:r>
+              <a:rPr lang="en-US" sz="2600" dirty="0"/>
+              <a:t>D</a:t>
+            </a:r>
+            <a:r>
+              <a:rPr lang="en-IN" sz="2600" dirty="0" err="1"/>
+              <a:t>ocs</a:t>
+            </a:r>
+            <a:r>
+              <a:rPr lang="en-IN" sz="2600" dirty="0"/>
+              <a:t>: </a:t>
+            </a:r>
+            <a:r>
+              <a:rPr lang="en-IN" sz="2600" dirty="0">
+                <a:solidFill>
+                  <a:schemeClr val="accent1"/>
+                </a:solidFill>
+                <a:hlinkClick r:id="rId3">
+                  <a:extLst>
+                    <a:ext uri="{A12FA001-AC4F-418D-AE19-62706E023703}">
+                      <ahyp:hlinkClr xmlns:ahyp="http://schemas.microsoft.com/office/drawing/2018/hyperlinkcolor" val="tx"/>
+                    </a:ext>
+                  </a:extLst>
+                </a:hlinkClick>
+              </a:rPr>
+              <a:t>https://docs.microsoft.com/en-us/cli/azure/</a:t>
+            </a:r>
+            <a:r>
+              <a:rPr lang="en-IN" sz="2600" dirty="0">
+                <a:solidFill>
+                  <a:schemeClr val="accent1"/>
+                </a:solidFill>
+              </a:rPr>
+              <a:t> </a:t>
+            </a:r>
+          </a:p>
+          <a:p>
+            <a:r>
+              <a:rPr lang="en-IN" dirty="0"/>
+              <a:t>Az Module:</a:t>
+            </a:r>
+            <a:r>
+              <a:rPr lang="en-IN" dirty="0">
+                <a:solidFill>
+                  <a:schemeClr val="accent1"/>
+                </a:solidFill>
+              </a:rPr>
+              <a:t> </a:t>
+            </a:r>
+            <a:r>
+              <a:rPr lang="en-IN" dirty="0">
+                <a:solidFill>
+                  <a:schemeClr val="accent1"/>
+                </a:solidFill>
+                <a:hlinkClick r:id="rId4">
+                  <a:extLst>
+                    <a:ext uri="{A12FA001-AC4F-418D-AE19-62706E023703}">
+                      <ahyp:hlinkClr xmlns:ahyp="http://schemas.microsoft.com/office/drawing/2018/hyperlinkcolor" val="tx"/>
+                    </a:ext>
+                  </a:extLst>
+                </a:hlinkClick>
+              </a:rPr>
+              <a:t>https://github.com/Azure/azure-powershell</a:t>
+            </a:r>
+            <a:r>
+              <a:rPr lang="en-IN" dirty="0">
+                <a:solidFill>
+                  <a:schemeClr val="accent1"/>
+                </a:solidFill>
+              </a:rPr>
+              <a:t> </a:t>
+            </a:r>
+          </a:p>
+          <a:p>
+            <a:pPr lvl="1"/>
+            <a:r>
+              <a:rPr lang="en-US" dirty="0"/>
+              <a:t>D</a:t>
+            </a:r>
+            <a:r>
+              <a:rPr lang="en-IN" dirty="0" err="1"/>
+              <a:t>ocs</a:t>
+            </a:r>
+            <a:r>
+              <a:rPr lang="en-IN" dirty="0"/>
+              <a:t>: </a:t>
+            </a:r>
+            <a:r>
+              <a:rPr lang="en-IN" sz="3000" dirty="0">
+                <a:solidFill>
+                  <a:schemeClr val="accent1"/>
+                </a:solidFill>
+                <a:hlinkClick r:id="rId5">
+                  <a:extLst>
+                    <a:ext uri="{A12FA001-AC4F-418D-AE19-62706E023703}">
+                      <ahyp:hlinkClr xmlns:ahyp="http://schemas.microsoft.com/office/drawing/2018/hyperlinkcolor" val="tx"/>
+                    </a:ext>
+                  </a:extLst>
+                </a:hlinkClick>
+              </a:rPr>
+              <a:t>https://docs.microsoft.com/en-us/powershell/azure</a:t>
+            </a:r>
+            <a:r>
+              <a:rPr lang="en-IN" sz="3000" dirty="0">
+                <a:solidFill>
+                  <a:schemeClr val="accent1"/>
+                </a:solidFill>
+              </a:rPr>
+              <a:t>  </a:t>
+            </a:r>
           </a:p>
         </p:txBody>
       </p:sp>
     </p:spTree>
     <p:extLst>
       <p:ext uri="{BB962C8B-B14F-4D97-AF65-F5344CB8AC3E}">
-        <p14:creationId xmlns:p14="http://schemas.microsoft.com/office/powerpoint/2010/main" val="2047432078"/>
+        <p14:creationId xmlns:p14="http://schemas.microsoft.com/office/powerpoint/2010/main" val="2320735408"/>
       </p:ext>
     </p:extLst>
   </p:cSld>
@@ -3056,8 +3260,75 @@
               <a:t>GitHub.com/rchaganti</a:t>
             </a:r>
           </a:p>
-          <a:p>
-            <a:endParaRPr lang="en-US" dirty="0"/>
+        </p:txBody>
+      </p:sp>
+      <p:pic>
+        <p:nvPicPr>
+          <p:cNvPr id="5" name="Picture 4">
+            <a:extLst>
+              <a:ext uri="{FF2B5EF4-FFF2-40B4-BE49-F238E27FC236}">
+                <a16:creationId xmlns:a16="http://schemas.microsoft.com/office/drawing/2014/main" id="{04CA6058-26D9-4310-A5B6-62C116CF9580}"/>
+              </a:ext>
+            </a:extLst>
+          </p:cNvPr>
+          <p:cNvPicPr>
+            <a:picLocks noChangeAspect="1"/>
+          </p:cNvPicPr>
+          <p:nvPr/>
+        </p:nvPicPr>
+        <p:blipFill>
+          <a:blip r:embed="rId3"/>
+          <a:stretch>
+            <a:fillRect/>
+          </a:stretch>
+        </p:blipFill>
+        <p:spPr>
+          <a:xfrm>
+            <a:off x="539552" y="326353"/>
+            <a:ext cx="3080846" cy="4515966"/>
+          </a:xfrm>
+          <a:prstGeom prst="rect">
+            <a:avLst/>
+          </a:prstGeom>
+        </p:spPr>
+      </p:pic>
+      <p:sp>
+        <p:nvSpPr>
+          <p:cNvPr id="6" name="TextBox 5">
+            <a:extLst>
+              <a:ext uri="{FF2B5EF4-FFF2-40B4-BE49-F238E27FC236}">
+                <a16:creationId xmlns:a16="http://schemas.microsoft.com/office/drawing/2014/main" id="{FCF12907-6768-40BD-90B8-0AF2252BA05C}"/>
+              </a:ext>
+            </a:extLst>
+          </p:cNvPr>
+          <p:cNvSpPr txBox="1"/>
+          <p:nvPr/>
+        </p:nvSpPr>
+        <p:spPr>
+          <a:xfrm>
+            <a:off x="4139952" y="2187029"/>
+            <a:ext cx="4150495" cy="769441"/>
+          </a:xfrm>
+          <a:prstGeom prst="rect">
+            <a:avLst/>
+          </a:prstGeom>
+          <a:noFill/>
+        </p:spPr>
+        <p:txBody>
+          <a:bodyPr wrap="none" rtlCol="0">
+            <a:spAutoFit/>
+          </a:bodyPr>
+          <a:lstStyle/>
+          <a:p>
+            <a:r>
+              <a:rPr lang="en-US" sz="4400" b="1" dirty="0">
+                <a:latin typeface="+mj-lt"/>
+              </a:rPr>
+              <a:t>http://book.azc.li</a:t>
+            </a:r>
+            <a:endParaRPr lang="en-IN" sz="4400" b="1" dirty="0">
+              <a:latin typeface="+mj-lt"/>
+            </a:endParaRPr>
           </a:p>
         </p:txBody>
       </p:sp>
@@ -3071,6 +3342,369 @@
   <p:clrMapOvr>
     <a:masterClrMapping/>
   </p:clrMapOvr>
+  <p:timing>
+    <p:tnLst>
+      <p:par>
+        <p:cTn id="1" dur="indefinite" restart="never" nodeType="tmRoot">
+          <p:childTnLst>
+            <p:seq concurrent="1" nextAc="seek">
+              <p:cTn id="2" dur="indefinite" nodeType="mainSeq">
+                <p:childTnLst>
+                  <p:par>
+                    <p:cTn id="3" fill="hold">
+                      <p:stCondLst>
+                        <p:cond delay="indefinite"/>
+                      </p:stCondLst>
+                      <p:childTnLst>
+                        <p:par>
+                          <p:cTn id="4" fill="hold">
+                            <p:stCondLst>
+                              <p:cond delay="0"/>
+                            </p:stCondLst>
+                            <p:childTnLst>
+                              <p:par>
+                                <p:cTn id="5" presetID="9" presetClass="exit" presetSubtype="0" fill="hold" nodeType="clickEffect">
+                                  <p:stCondLst>
+                                    <p:cond delay="0"/>
+                                  </p:stCondLst>
+                                  <p:childTnLst>
+                                    <p:animEffect transition="out" filter="dissolve">
+                                      <p:cBhvr>
+                                        <p:cTn id="6" dur="500"/>
+                                        <p:tgtEl>
+                                          <p:spTgt spid="3">
+                                            <p:txEl>
+                                              <p:pRg st="0" end="0"/>
+                                            </p:txEl>
+                                          </p:spTgt>
+                                        </p:tgtEl>
+                                      </p:cBhvr>
+                                    </p:animEffect>
+                                    <p:set>
+                                      <p:cBhvr>
+                                        <p:cTn id="7" dur="1" fill="hold">
+                                          <p:stCondLst>
+                                            <p:cond delay="499"/>
+                                          </p:stCondLst>
+                                        </p:cTn>
+                                        <p:tgtEl>
+                                          <p:spTgt spid="3">
+                                            <p:txEl>
+                                              <p:pRg st="0" end="0"/>
+                                            </p:txEl>
+                                          </p:spTgt>
+                                        </p:tgtEl>
+                                        <p:attrNameLst>
+                                          <p:attrName>style.visibility</p:attrName>
+                                        </p:attrNameLst>
+                                      </p:cBhvr>
+                                      <p:to>
+                                        <p:strVal val="hidden"/>
+                                      </p:to>
+                                    </p:set>
+                                  </p:childTnLst>
+                                </p:cTn>
+                              </p:par>
+                              <p:par>
+                                <p:cTn id="8" presetID="9" presetClass="exit" presetSubtype="0" fill="hold" nodeType="withEffect">
+                                  <p:stCondLst>
+                                    <p:cond delay="0"/>
+                                  </p:stCondLst>
+                                  <p:childTnLst>
+                                    <p:animEffect transition="out" filter="dissolve">
+                                      <p:cBhvr>
+                                        <p:cTn id="9" dur="500"/>
+                                        <p:tgtEl>
+                                          <p:spTgt spid="3">
+                                            <p:txEl>
+                                              <p:pRg st="1" end="1"/>
+                                            </p:txEl>
+                                          </p:spTgt>
+                                        </p:tgtEl>
+                                      </p:cBhvr>
+                                    </p:animEffect>
+                                    <p:set>
+                                      <p:cBhvr>
+                                        <p:cTn id="10" dur="1" fill="hold">
+                                          <p:stCondLst>
+                                            <p:cond delay="499"/>
+                                          </p:stCondLst>
+                                        </p:cTn>
+                                        <p:tgtEl>
+                                          <p:spTgt spid="3">
+                                            <p:txEl>
+                                              <p:pRg st="1" end="1"/>
+                                            </p:txEl>
+                                          </p:spTgt>
+                                        </p:tgtEl>
+                                        <p:attrNameLst>
+                                          <p:attrName>style.visibility</p:attrName>
+                                        </p:attrNameLst>
+                                      </p:cBhvr>
+                                      <p:to>
+                                        <p:strVal val="hidden"/>
+                                      </p:to>
+                                    </p:set>
+                                  </p:childTnLst>
+                                </p:cTn>
+                              </p:par>
+                              <p:par>
+                                <p:cTn id="11" presetID="9" presetClass="exit" presetSubtype="0" fill="hold" nodeType="withEffect">
+                                  <p:stCondLst>
+                                    <p:cond delay="0"/>
+                                  </p:stCondLst>
+                                  <p:childTnLst>
+                                    <p:animEffect transition="out" filter="dissolve">
+                                      <p:cBhvr>
+                                        <p:cTn id="12" dur="500"/>
+                                        <p:tgtEl>
+                                          <p:spTgt spid="3">
+                                            <p:txEl>
+                                              <p:pRg st="2" end="2"/>
+                                            </p:txEl>
+                                          </p:spTgt>
+                                        </p:tgtEl>
+                                      </p:cBhvr>
+                                    </p:animEffect>
+                                    <p:set>
+                                      <p:cBhvr>
+                                        <p:cTn id="13" dur="1" fill="hold">
+                                          <p:stCondLst>
+                                            <p:cond delay="499"/>
+                                          </p:stCondLst>
+                                        </p:cTn>
+                                        <p:tgtEl>
+                                          <p:spTgt spid="3">
+                                            <p:txEl>
+                                              <p:pRg st="2" end="2"/>
+                                            </p:txEl>
+                                          </p:spTgt>
+                                        </p:tgtEl>
+                                        <p:attrNameLst>
+                                          <p:attrName>style.visibility</p:attrName>
+                                        </p:attrNameLst>
+                                      </p:cBhvr>
+                                      <p:to>
+                                        <p:strVal val="hidden"/>
+                                      </p:to>
+                                    </p:set>
+                                  </p:childTnLst>
+                                </p:cTn>
+                              </p:par>
+                              <p:par>
+                                <p:cTn id="14" presetID="9" presetClass="exit" presetSubtype="0" fill="hold" nodeType="withEffect">
+                                  <p:stCondLst>
+                                    <p:cond delay="0"/>
+                                  </p:stCondLst>
+                                  <p:childTnLst>
+                                    <p:animEffect transition="out" filter="dissolve">
+                                      <p:cBhvr>
+                                        <p:cTn id="15" dur="500"/>
+                                        <p:tgtEl>
+                                          <p:spTgt spid="3">
+                                            <p:txEl>
+                                              <p:pRg st="3" end="3"/>
+                                            </p:txEl>
+                                          </p:spTgt>
+                                        </p:tgtEl>
+                                      </p:cBhvr>
+                                    </p:animEffect>
+                                    <p:set>
+                                      <p:cBhvr>
+                                        <p:cTn id="16" dur="1" fill="hold">
+                                          <p:stCondLst>
+                                            <p:cond delay="499"/>
+                                          </p:stCondLst>
+                                        </p:cTn>
+                                        <p:tgtEl>
+                                          <p:spTgt spid="3">
+                                            <p:txEl>
+                                              <p:pRg st="3" end="3"/>
+                                            </p:txEl>
+                                          </p:spTgt>
+                                        </p:tgtEl>
+                                        <p:attrNameLst>
+                                          <p:attrName>style.visibility</p:attrName>
+                                        </p:attrNameLst>
+                                      </p:cBhvr>
+                                      <p:to>
+                                        <p:strVal val="hidden"/>
+                                      </p:to>
+                                    </p:set>
+                                  </p:childTnLst>
+                                </p:cTn>
+                              </p:par>
+                              <p:par>
+                                <p:cTn id="17" presetID="9" presetClass="exit" presetSubtype="0" fill="hold" nodeType="withEffect">
+                                  <p:stCondLst>
+                                    <p:cond delay="0"/>
+                                  </p:stCondLst>
+                                  <p:childTnLst>
+                                    <p:animEffect transition="out" filter="dissolve">
+                                      <p:cBhvr>
+                                        <p:cTn id="18" dur="500"/>
+                                        <p:tgtEl>
+                                          <p:spTgt spid="3">
+                                            <p:txEl>
+                                              <p:pRg st="4" end="4"/>
+                                            </p:txEl>
+                                          </p:spTgt>
+                                        </p:tgtEl>
+                                      </p:cBhvr>
+                                    </p:animEffect>
+                                    <p:set>
+                                      <p:cBhvr>
+                                        <p:cTn id="19" dur="1" fill="hold">
+                                          <p:stCondLst>
+                                            <p:cond delay="499"/>
+                                          </p:stCondLst>
+                                        </p:cTn>
+                                        <p:tgtEl>
+                                          <p:spTgt spid="3">
+                                            <p:txEl>
+                                              <p:pRg st="4" end="4"/>
+                                            </p:txEl>
+                                          </p:spTgt>
+                                        </p:tgtEl>
+                                        <p:attrNameLst>
+                                          <p:attrName>style.visibility</p:attrName>
+                                        </p:attrNameLst>
+                                      </p:cBhvr>
+                                      <p:to>
+                                        <p:strVal val="hidden"/>
+                                      </p:to>
+                                    </p:set>
+                                  </p:childTnLst>
+                                </p:cTn>
+                              </p:par>
+                              <p:par>
+                                <p:cTn id="20" presetID="9" presetClass="exit" presetSubtype="0" fill="hold" nodeType="withEffect">
+                                  <p:stCondLst>
+                                    <p:cond delay="0"/>
+                                  </p:stCondLst>
+                                  <p:childTnLst>
+                                    <p:animEffect transition="out" filter="dissolve">
+                                      <p:cBhvr>
+                                        <p:cTn id="21" dur="500"/>
+                                        <p:tgtEl>
+                                          <p:spTgt spid="3">
+                                            <p:txEl>
+                                              <p:pRg st="5" end="5"/>
+                                            </p:txEl>
+                                          </p:spTgt>
+                                        </p:tgtEl>
+                                      </p:cBhvr>
+                                    </p:animEffect>
+                                    <p:set>
+                                      <p:cBhvr>
+                                        <p:cTn id="22" dur="1" fill="hold">
+                                          <p:stCondLst>
+                                            <p:cond delay="499"/>
+                                          </p:stCondLst>
+                                        </p:cTn>
+                                        <p:tgtEl>
+                                          <p:spTgt spid="3">
+                                            <p:txEl>
+                                              <p:pRg st="5" end="5"/>
+                                            </p:txEl>
+                                          </p:spTgt>
+                                        </p:tgtEl>
+                                        <p:attrNameLst>
+                                          <p:attrName>style.visibility</p:attrName>
+                                        </p:attrNameLst>
+                                      </p:cBhvr>
+                                      <p:to>
+                                        <p:strVal val="hidden"/>
+                                      </p:to>
+                                    </p:set>
+                                  </p:childTnLst>
+                                </p:cTn>
+                              </p:par>
+                              <p:par>
+                                <p:cTn id="23" presetID="1" presetClass="entr" presetSubtype="0" fill="hold" nodeType="withEffect">
+                                  <p:stCondLst>
+                                    <p:cond delay="0"/>
+                                  </p:stCondLst>
+                                  <p:childTnLst>
+                                    <p:set>
+                                      <p:cBhvr>
+                                        <p:cTn id="24" dur="1" fill="hold">
+                                          <p:stCondLst>
+                                            <p:cond delay="0"/>
+                                          </p:stCondLst>
+                                        </p:cTn>
+                                        <p:tgtEl>
+                                          <p:spTgt spid="5"/>
+                                        </p:tgtEl>
+                                        <p:attrNameLst>
+                                          <p:attrName>style.visibility</p:attrName>
+                                        </p:attrNameLst>
+                                      </p:cBhvr>
+                                      <p:to>
+                                        <p:strVal val="visible"/>
+                                      </p:to>
+                                    </p:set>
+                                  </p:childTnLst>
+                                </p:cTn>
+                              </p:par>
+                              <p:par>
+                                <p:cTn id="25" presetID="1" presetClass="entr" presetSubtype="0" fill="hold" grpId="0" nodeType="withEffect">
+                                  <p:stCondLst>
+                                    <p:cond delay="0"/>
+                                  </p:stCondLst>
+                                  <p:childTnLst>
+                                    <p:set>
+                                      <p:cBhvr>
+                                        <p:cTn id="26" dur="1" fill="hold">
+                                          <p:stCondLst>
+                                            <p:cond delay="0"/>
+                                          </p:stCondLst>
+                                        </p:cTn>
+                                        <p:tgtEl>
+                                          <p:spTgt spid="6"/>
+                                        </p:tgtEl>
+                                        <p:attrNameLst>
+                                          <p:attrName>style.visibility</p:attrName>
+                                        </p:attrNameLst>
+                                      </p:cBhvr>
+                                      <p:to>
+                                        <p:strVal val="visible"/>
+                                      </p:to>
+                                    </p:set>
+                                  </p:childTnLst>
+                                </p:cTn>
+                              </p:par>
+                            </p:childTnLst>
+                          </p:cTn>
+                        </p:par>
+                      </p:childTnLst>
+                    </p:cTn>
+                  </p:par>
+                </p:childTnLst>
+              </p:cTn>
+              <p:prevCondLst>
+                <p:cond evt="onPrev" delay="0">
+                  <p:tgtEl>
+                    <p:sldTgt/>
+                  </p:tgtEl>
+                </p:cond>
+              </p:prevCondLst>
+              <p:nextCondLst>
+                <p:cond evt="onNext" delay="0">
+                  <p:tgtEl>
+                    <p:sldTgt/>
+                  </p:tgtEl>
+                </p:cond>
+              </p:nextCondLst>
+            </p:seq>
+          </p:childTnLst>
+        </p:cTn>
+      </p:par>
+    </p:tnLst>
+    <p:bldLst>
+      <p:bldP spid="6" grpId="0"/>
+    </p:bldLst>
+  </p:timing>
 </p:sld>
 </file>
 
@@ -4731,6 +5365,12 @@
               <a:rPr lang="en-US" dirty="0"/>
               <a:t> for queries</a:t>
             </a:r>
+          </a:p>
+          <a:p>
+            <a:r>
+              <a:rPr lang="en-US"/>
+              <a:t>Supports extensions</a:t>
+            </a:r>
             <a:endParaRPr lang="en-IN" dirty="0"/>
           </a:p>
         </p:txBody>
@@ -4897,7 +5537,9 @@
         </p:nvSpPr>
         <p:spPr/>
         <p:txBody>
-          <a:bodyPr/>
+          <a:bodyPr>
+            <a:normAutofit lnSpcReduction="10000"/>
+          </a:bodyPr>
           <a:lstStyle/>
           <a:p>
             <a:r>
@@ -4925,18 +5567,19 @@
           <a:p>
             <a:r>
               <a:rPr lang="en-US" dirty="0"/>
-              <a:t>Help and documentation </a:t>
-            </a:r>
-            <a:r>
-              <a:rPr lang="en-US"/>
-              <a:t>still evolving</a:t>
-            </a:r>
-            <a:endParaRPr lang="en-US" dirty="0"/>
+              <a:t>Help and documentation still evolving</a:t>
+            </a:r>
           </a:p>
           <a:p>
             <a:r>
               <a:rPr lang="en-US" dirty="0"/>
               <a:t>All PowerShell goodness to work with output</a:t>
+            </a:r>
+          </a:p>
+          <a:p>
+            <a:r>
+              <a:rPr lang="en-US" dirty="0"/>
+              <a:t>Enables legacy command support through aliases</a:t>
             </a:r>
             <a:endParaRPr lang="en-IN" dirty="0"/>
           </a:p>

--- a/ExpertsLiveIN2019/AzureAtTheCommandLine-Ravikanth.pptx
+++ b/ExpertsLiveIN2019/AzureAtTheCommandLine-Ravikanth.pptx
@@ -2151,7 +2151,11 @@
             </a:br>
             <a:r>
               <a:rPr lang="en-US" sz="2000" dirty="0"/>
-              <a:t>Choosing the right tool for you!</a:t>
+              <a:t>Choosing the </a:t>
+            </a:r>
+            <a:r>
+              <a:rPr lang="en-US" sz="2000"/>
+              <a:t>right tool!</a:t>
             </a:r>
             <a:endParaRPr lang="en-US" dirty="0"/>
           </a:p>
@@ -2437,7 +2441,7 @@
                 <a:hlinkClick r:id="rId2">
                   <a:extLst>
                     <a:ext uri="{A12FA001-AC4F-418D-AE19-62706E023703}">
-                      <ahyp:hlinkClr xmlns:ahyp="http://schemas.microsoft.com/office/drawing/2018/hyperlinkcolor" val="tx"/>
+                      <ahyp:hlinkClr xmlns:ahyp="http://schemas.microsoft.com/office/drawing/2018/hyperlinkcolor" xmlns="" val="tx"/>
                     </a:ext>
                   </a:extLst>
                 </a:hlinkClick>
@@ -2475,7 +2479,7 @@
                 <a:hlinkClick r:id="rId3">
                   <a:extLst>
                     <a:ext uri="{A12FA001-AC4F-418D-AE19-62706E023703}">
-                      <ahyp:hlinkClr xmlns:ahyp="http://schemas.microsoft.com/office/drawing/2018/hyperlinkcolor" val="tx"/>
+                      <ahyp:hlinkClr xmlns:ahyp="http://schemas.microsoft.com/office/drawing/2018/hyperlinkcolor" xmlns="" val="tx"/>
                     </a:ext>
                   </a:extLst>
                 </a:hlinkClick>
@@ -2512,7 +2516,7 @@
                 <a:hlinkClick r:id="rId4">
                   <a:extLst>
                     <a:ext uri="{A12FA001-AC4F-418D-AE19-62706E023703}">
-                      <ahyp:hlinkClr xmlns:ahyp="http://schemas.microsoft.com/office/drawing/2018/hyperlinkcolor" val="tx"/>
+                      <ahyp:hlinkClr xmlns:ahyp="http://schemas.microsoft.com/office/drawing/2018/hyperlinkcolor" xmlns="" val="tx"/>
                     </a:ext>
                   </a:extLst>
                 </a:hlinkClick>
@@ -2550,7 +2554,7 @@
                 <a:hlinkClick r:id="rId5">
                   <a:extLst>
                     <a:ext uri="{A12FA001-AC4F-418D-AE19-62706E023703}">
-                      <ahyp:hlinkClr xmlns:ahyp="http://schemas.microsoft.com/office/drawing/2018/hyperlinkcolor" val="tx"/>
+                      <ahyp:hlinkClr xmlns:ahyp="http://schemas.microsoft.com/office/drawing/2018/hyperlinkcolor" xmlns="" val="tx"/>
                     </a:ext>
                   </a:extLst>
                 </a:hlinkClick>
@@ -6565,21 +6569,6 @@
 </file>
 
 <file path=customXml/item1.xml><?xml version="1.0" encoding="utf-8"?>
-<p:properties xmlns:p="http://schemas.microsoft.com/office/2006/metadata/properties" xmlns:xsi="http://www.w3.org/2001/XMLSchema-instance" xmlns:pc="http://schemas.microsoft.com/office/infopath/2007/PartnerControls">
-  <documentManagement/>
-</p:properties>
-</file>
-
-<file path=customXml/item2.xml><?xml version="1.0" encoding="utf-8"?>
-<?mso-contentType ?>
-<FormTemplates xmlns="http://schemas.microsoft.com/sharepoint/v3/contenttype/forms">
-  <Display>DocumentLibraryForm</Display>
-  <Edit>DocumentLibraryForm</Edit>
-  <New>DocumentLibraryForm</New>
-</FormTemplates>
-</file>
-
-<file path=customXml/item3.xml><?xml version="1.0" encoding="utf-8"?>
 <ct:contentTypeSchema xmlns:ct="http://schemas.microsoft.com/office/2006/metadata/contentType" xmlns:ma="http://schemas.microsoft.com/office/2006/metadata/properties/metaAttributes" ct:_="" ma:_="" ma:contentTypeName="Dokument" ma:contentTypeID="0x0101001953E0CDE6A38E419236C03EEB01435C" ma:contentTypeVersion="7" ma:contentTypeDescription="Ein neues Dokument erstellen." ma:contentTypeScope="" ma:versionID="35377ed61abc787e6d78f6dd36362cda">
   <xsd:schema xmlns:xsd="http://www.w3.org/2001/XMLSchema" xmlns:xs="http://www.w3.org/2001/XMLSchema" xmlns:p="http://schemas.microsoft.com/office/2006/metadata/properties" xmlns:ns2="74098b8b-3ead-4c65-9f72-d36b5831b20e" xmlns:ns3="c25f9c22-fc1f-4454-8c46-2969b0535af5" targetNamespace="http://schemas.microsoft.com/office/2006/metadata/properties" ma:root="true" ma:fieldsID="77ed309eff22ef73c9fccc7a3e12d61f" ns2:_="" ns3:_="">
     <xsd:import namespace="74098b8b-3ead-4c65-9f72-d36b5831b20e"/>
@@ -6762,32 +6751,22 @@
 </ct:contentTypeSchema>
 </file>
 
-<file path=customXml/itemProps1.xml><?xml version="1.0" encoding="utf-8"?>
-<ds:datastoreItem xmlns:ds="http://schemas.openxmlformats.org/officeDocument/2006/customXml" ds:itemID="{89296970-E637-471F-86E2-950D4519AEC4}">
-  <ds:schemaRefs>
-    <ds:schemaRef ds:uri="http://schemas.microsoft.com/office/2006/documentManagement/types"/>
-    <ds:schemaRef ds:uri="http://purl.org/dc/terms/"/>
-    <ds:schemaRef ds:uri="http://schemas.microsoft.com/office/2006/metadata/properties"/>
-    <ds:schemaRef ds:uri="http://www.w3.org/XML/1998/namespace"/>
-    <ds:schemaRef ds:uri="http://purl.org/dc/dcmitype/"/>
-    <ds:schemaRef ds:uri="http://purl.org/dc/elements/1.1/"/>
-    <ds:schemaRef ds:uri="http://schemas.microsoft.com/office/infopath/2007/PartnerControls"/>
-    <ds:schemaRef ds:uri="http://schemas.openxmlformats.org/package/2006/metadata/core-properties"/>
-    <ds:schemaRef ds:uri="c25f9c22-fc1f-4454-8c46-2969b0535af5"/>
-    <ds:schemaRef ds:uri="74098b8b-3ead-4c65-9f72-d36b5831b20e"/>
-  </ds:schemaRefs>
-</ds:datastoreItem>
+<file path=customXml/item2.xml><?xml version="1.0" encoding="utf-8"?>
+<?mso-contentType ?>
+<FormTemplates xmlns="http://schemas.microsoft.com/sharepoint/v3/contenttype/forms">
+  <Display>DocumentLibraryForm</Display>
+  <Edit>DocumentLibraryForm</Edit>
+  <New>DocumentLibraryForm</New>
+</FormTemplates>
 </file>
 
-<file path=customXml/itemProps2.xml><?xml version="1.0" encoding="utf-8"?>
-<ds:datastoreItem xmlns:ds="http://schemas.openxmlformats.org/officeDocument/2006/customXml" ds:itemID="{D6CE178E-7963-4EFA-83EF-8E123369E092}">
-  <ds:schemaRefs>
-    <ds:schemaRef ds:uri="http://schemas.microsoft.com/sharepoint/v3/contenttype/forms"/>
-  </ds:schemaRefs>
-</ds:datastoreItem>
+<file path=customXml/item3.xml><?xml version="1.0" encoding="utf-8"?>
+<p:properties xmlns:p="http://schemas.microsoft.com/office/2006/metadata/properties" xmlns:xsi="http://www.w3.org/2001/XMLSchema-instance" xmlns:pc="http://schemas.microsoft.com/office/infopath/2007/PartnerControls">
+  <documentManagement/>
+</p:properties>
 </file>
 
-<file path=customXml/itemProps3.xml><?xml version="1.0" encoding="utf-8"?>
+<file path=customXml/itemProps1.xml><?xml version="1.0" encoding="utf-8"?>
 <ds:datastoreItem xmlns:ds="http://schemas.openxmlformats.org/officeDocument/2006/customXml" ds:itemID="{26056780-E2CD-484B-90C1-F30A19D8A5D9}">
   <ds:schemaRefs>
     <ds:schemaRef ds:uri="http://schemas.microsoft.com/office/2006/metadata/contentType"/>
@@ -6804,4 +6783,29 @@
     <ds:schemaRef ds:uri="http://schemas.microsoft.com/internal/obd"/>
   </ds:schemaRefs>
 </ds:datastoreItem>
+</file>
+
+<file path=customXml/itemProps2.xml><?xml version="1.0" encoding="utf-8"?>
+<ds:datastoreItem xmlns:ds="http://schemas.openxmlformats.org/officeDocument/2006/customXml" ds:itemID="{D6CE178E-7963-4EFA-83EF-8E123369E092}">
+  <ds:schemaRefs>
+    <ds:schemaRef ds:uri="http://schemas.microsoft.com/sharepoint/v3/contenttype/forms"/>
+  </ds:schemaRefs>
+</ds:datastoreItem>
+</file>
+
+<file path=customXml/itemProps3.xml><?xml version="1.0" encoding="utf-8"?>
+<ds:datastoreItem xmlns:ds="http://schemas.openxmlformats.org/officeDocument/2006/customXml" ds:itemID="{89296970-E637-471F-86E2-950D4519AEC4}">
+  <ds:schemaRefs>
+    <ds:schemaRef ds:uri="http://schemas.microsoft.com/office/2006/documentManagement/types"/>
+    <ds:schemaRef ds:uri="http://purl.org/dc/terms/"/>
+    <ds:schemaRef ds:uri="http://schemas.microsoft.com/office/2006/metadata/properties"/>
+    <ds:schemaRef ds:uri="http://www.w3.org/XML/1998/namespace"/>
+    <ds:schemaRef ds:uri="http://purl.org/dc/dcmitype/"/>
+    <ds:schemaRef ds:uri="http://purl.org/dc/elements/1.1/"/>
+    <ds:schemaRef ds:uri="http://schemas.microsoft.com/office/infopath/2007/PartnerControls"/>
+    <ds:schemaRef ds:uri="http://schemas.openxmlformats.org/package/2006/metadata/core-properties"/>
+    <ds:schemaRef ds:uri="c25f9c22-fc1f-4454-8c46-2969b0535af5"/>
+    <ds:schemaRef ds:uri="74098b8b-3ead-4c65-9f72-d36b5831b20e"/>
+  </ds:schemaRefs>
+</ds:datastoreItem>
 </file>
--- a/ExpertsLiveIN2019/AzureAtTheCommandLine-Ravikanth.pptx
+++ b/ExpertsLiveIN2019/AzureAtTheCommandLine-Ravikanth.pptx
@@ -258,7 +258,7 @@
           <a:p>
             <a:fld id="{3E82F302-A7C8-034E-97BB-FC8263E03487}" type="datetimeFigureOut">
               <a:rPr lang="en-US" smtClean="0"/>
-              <a:t>1/15/2019</a:t>
+              <a:t>1/17/2019</a:t>
             </a:fld>
             <a:endParaRPr lang="en-US"/>
           </a:p>
@@ -423,7 +423,7 @@
           <a:p>
             <a:fld id="{572B889E-FB6B-4D81-8FCC-1555F636B1A5}" type="datetimeFigureOut">
               <a:rPr lang="x-none" smtClean="0"/>
-              <a:t>1/15/2019</a:t>
+              <a:t>1/17/2019</a:t>
             </a:fld>
             <a:endParaRPr lang="x-none"/>
           </a:p>
@@ -2441,7 +2441,7 @@
                 <a:hlinkClick r:id="rId2">
                   <a:extLst>
                     <a:ext uri="{A12FA001-AC4F-418D-AE19-62706E023703}">
-                      <ahyp:hlinkClr xmlns:ahyp="http://schemas.microsoft.com/office/drawing/2018/hyperlinkcolor" xmlns="" val="tx"/>
+                      <ahyp:hlinkClr xmlns="" xmlns:ahyp="http://schemas.microsoft.com/office/drawing/2018/hyperlinkcolor" val="tx"/>
                     </a:ext>
                   </a:extLst>
                 </a:hlinkClick>
@@ -2479,7 +2479,7 @@
                 <a:hlinkClick r:id="rId3">
                   <a:extLst>
                     <a:ext uri="{A12FA001-AC4F-418D-AE19-62706E023703}">
-                      <ahyp:hlinkClr xmlns:ahyp="http://schemas.microsoft.com/office/drawing/2018/hyperlinkcolor" xmlns="" val="tx"/>
+                      <ahyp:hlinkClr xmlns="" xmlns:ahyp="http://schemas.microsoft.com/office/drawing/2018/hyperlinkcolor" val="tx"/>
                     </a:ext>
                   </a:extLst>
                 </a:hlinkClick>
@@ -2516,7 +2516,7 @@
                 <a:hlinkClick r:id="rId4">
                   <a:extLst>
                     <a:ext uri="{A12FA001-AC4F-418D-AE19-62706E023703}">
-                      <ahyp:hlinkClr xmlns:ahyp="http://schemas.microsoft.com/office/drawing/2018/hyperlinkcolor" xmlns="" val="tx"/>
+                      <ahyp:hlinkClr xmlns="" xmlns:ahyp="http://schemas.microsoft.com/office/drawing/2018/hyperlinkcolor" val="tx"/>
                     </a:ext>
                   </a:extLst>
                 </a:hlinkClick>
@@ -2554,7 +2554,7 @@
                 <a:hlinkClick r:id="rId5">
                   <a:extLst>
                     <a:ext uri="{A12FA001-AC4F-418D-AE19-62706E023703}">
-                      <ahyp:hlinkClr xmlns:ahyp="http://schemas.microsoft.com/office/drawing/2018/hyperlinkcolor" xmlns="" val="tx"/>
+                      <ahyp:hlinkClr xmlns="" xmlns:ahyp="http://schemas.microsoft.com/office/drawing/2018/hyperlinkcolor" val="tx"/>
                     </a:ext>
                   </a:extLst>
                 </a:hlinkClick>
@@ -5542,16 +5542,24 @@
         <p:spPr/>
         <p:txBody>
           <a:bodyPr>
-            <a:normAutofit lnSpcReduction="10000"/>
+            <a:normAutofit fontScale="92500"/>
           </a:bodyPr>
           <a:lstStyle/>
           <a:p>
             <a:r>
               <a:rPr lang="en-US" dirty="0"/>
-              <a:t>Current version is 1.0.0</a:t>
-            </a:r>
-          </a:p>
-          <a:p>
+              <a:t>Current version is 1.1.0</a:t>
+            </a:r>
+          </a:p>
+          <a:p>
+            <a:pPr lvl="1"/>
+            <a:r>
+              <a:rPr lang="en-US" dirty="0"/>
+              <a:t>Requires .NET 4.7.2</a:t>
+            </a:r>
+          </a:p>
+          <a:p>
+            <a:pPr lvl="1"/>
             <a:r>
               <a:rPr lang="en-US" dirty="0"/>
               <a:t>A rollup module</a:t>
@@ -5560,13 +5568,8 @@
           <a:p>
             <a:r>
               <a:rPr lang="en-US" dirty="0"/>
-              <a:t>No interactive experience like Az </a:t>
-            </a:r>
-            <a:r>
-              <a:rPr lang="en-US" dirty="0" err="1"/>
-              <a:t>Cli</a:t>
-            </a:r>
-            <a:endParaRPr lang="en-US" dirty="0"/>
+              <a:t>No interactive experience like Az Cli</a:t>
+            </a:r>
           </a:p>
           <a:p>
             <a:r>
@@ -6569,6 +6572,21 @@
 </file>
 
 <file path=customXml/item1.xml><?xml version="1.0" encoding="utf-8"?>
+<p:properties xmlns:p="http://schemas.microsoft.com/office/2006/metadata/properties" xmlns:xsi="http://www.w3.org/2001/XMLSchema-instance" xmlns:pc="http://schemas.microsoft.com/office/infopath/2007/PartnerControls">
+  <documentManagement/>
+</p:properties>
+</file>
+
+<file path=customXml/item2.xml><?xml version="1.0" encoding="utf-8"?>
+<?mso-contentType ?>
+<FormTemplates xmlns="http://schemas.microsoft.com/sharepoint/v3/contenttype/forms">
+  <Display>DocumentLibraryForm</Display>
+  <Edit>DocumentLibraryForm</Edit>
+  <New>DocumentLibraryForm</New>
+</FormTemplates>
+</file>
+
+<file path=customXml/item3.xml><?xml version="1.0" encoding="utf-8"?>
 <ct:contentTypeSchema xmlns:ct="http://schemas.microsoft.com/office/2006/metadata/contentType" xmlns:ma="http://schemas.microsoft.com/office/2006/metadata/properties/metaAttributes" ct:_="" ma:_="" ma:contentTypeName="Dokument" ma:contentTypeID="0x0101001953E0CDE6A38E419236C03EEB01435C" ma:contentTypeVersion="7" ma:contentTypeDescription="Ein neues Dokument erstellen." ma:contentTypeScope="" ma:versionID="35377ed61abc787e6d78f6dd36362cda">
   <xsd:schema xmlns:xsd="http://www.w3.org/2001/XMLSchema" xmlns:xs="http://www.w3.org/2001/XMLSchema" xmlns:p="http://schemas.microsoft.com/office/2006/metadata/properties" xmlns:ns2="74098b8b-3ead-4c65-9f72-d36b5831b20e" xmlns:ns3="c25f9c22-fc1f-4454-8c46-2969b0535af5" targetNamespace="http://schemas.microsoft.com/office/2006/metadata/properties" ma:root="true" ma:fieldsID="77ed309eff22ef73c9fccc7a3e12d61f" ns2:_="" ns3:_="">
     <xsd:import namespace="74098b8b-3ead-4c65-9f72-d36b5831b20e"/>
@@ -6751,22 +6769,32 @@
 </ct:contentTypeSchema>
 </file>
 
-<file path=customXml/item2.xml><?xml version="1.0" encoding="utf-8"?>
-<?mso-contentType ?>
-<FormTemplates xmlns="http://schemas.microsoft.com/sharepoint/v3/contenttype/forms">
-  <Display>DocumentLibraryForm</Display>
-  <Edit>DocumentLibraryForm</Edit>
-  <New>DocumentLibraryForm</New>
-</FormTemplates>
+<file path=customXml/itemProps1.xml><?xml version="1.0" encoding="utf-8"?>
+<ds:datastoreItem xmlns:ds="http://schemas.openxmlformats.org/officeDocument/2006/customXml" ds:itemID="{89296970-E637-471F-86E2-950D4519AEC4}">
+  <ds:schemaRefs>
+    <ds:schemaRef ds:uri="http://schemas.microsoft.com/office/2006/documentManagement/types"/>
+    <ds:schemaRef ds:uri="http://purl.org/dc/terms/"/>
+    <ds:schemaRef ds:uri="http://schemas.microsoft.com/office/2006/metadata/properties"/>
+    <ds:schemaRef ds:uri="http://www.w3.org/XML/1998/namespace"/>
+    <ds:schemaRef ds:uri="http://purl.org/dc/dcmitype/"/>
+    <ds:schemaRef ds:uri="http://purl.org/dc/elements/1.1/"/>
+    <ds:schemaRef ds:uri="http://schemas.microsoft.com/office/infopath/2007/PartnerControls"/>
+    <ds:schemaRef ds:uri="http://schemas.openxmlformats.org/package/2006/metadata/core-properties"/>
+    <ds:schemaRef ds:uri="c25f9c22-fc1f-4454-8c46-2969b0535af5"/>
+    <ds:schemaRef ds:uri="74098b8b-3ead-4c65-9f72-d36b5831b20e"/>
+  </ds:schemaRefs>
+</ds:datastoreItem>
 </file>
 
-<file path=customXml/item3.xml><?xml version="1.0" encoding="utf-8"?>
-<p:properties xmlns:p="http://schemas.microsoft.com/office/2006/metadata/properties" xmlns:xsi="http://www.w3.org/2001/XMLSchema-instance" xmlns:pc="http://schemas.microsoft.com/office/infopath/2007/PartnerControls">
-  <documentManagement/>
-</p:properties>
+<file path=customXml/itemProps2.xml><?xml version="1.0" encoding="utf-8"?>
+<ds:datastoreItem xmlns:ds="http://schemas.openxmlformats.org/officeDocument/2006/customXml" ds:itemID="{D6CE178E-7963-4EFA-83EF-8E123369E092}">
+  <ds:schemaRefs>
+    <ds:schemaRef ds:uri="http://schemas.microsoft.com/sharepoint/v3/contenttype/forms"/>
+  </ds:schemaRefs>
+</ds:datastoreItem>
 </file>
 
-<file path=customXml/itemProps1.xml><?xml version="1.0" encoding="utf-8"?>
+<file path=customXml/itemProps3.xml><?xml version="1.0" encoding="utf-8"?>
 <ds:datastoreItem xmlns:ds="http://schemas.openxmlformats.org/officeDocument/2006/customXml" ds:itemID="{26056780-E2CD-484B-90C1-F30A19D8A5D9}">
   <ds:schemaRefs>
     <ds:schemaRef ds:uri="http://schemas.microsoft.com/office/2006/metadata/contentType"/>
@@ -6783,29 +6811,4 @@
     <ds:schemaRef ds:uri="http://schemas.microsoft.com/internal/obd"/>
   </ds:schemaRefs>
 </ds:datastoreItem>
-</file>
-
-<file path=customXml/itemProps2.xml><?xml version="1.0" encoding="utf-8"?>
-<ds:datastoreItem xmlns:ds="http://schemas.openxmlformats.org/officeDocument/2006/customXml" ds:itemID="{D6CE178E-7963-4EFA-83EF-8E123369E092}">
-  <ds:schemaRefs>
-    <ds:schemaRef ds:uri="http://schemas.microsoft.com/sharepoint/v3/contenttype/forms"/>
-  </ds:schemaRefs>
-</ds:datastoreItem>
-</file>
-
-<file path=customXml/itemProps3.xml><?xml version="1.0" encoding="utf-8"?>
-<ds:datastoreItem xmlns:ds="http://schemas.openxmlformats.org/officeDocument/2006/customXml" ds:itemID="{89296970-E637-471F-86E2-950D4519AEC4}">
-  <ds:schemaRefs>
-    <ds:schemaRef ds:uri="http://schemas.microsoft.com/office/2006/documentManagement/types"/>
-    <ds:schemaRef ds:uri="http://purl.org/dc/terms/"/>
-    <ds:schemaRef ds:uri="http://schemas.microsoft.com/office/2006/metadata/properties"/>
-    <ds:schemaRef ds:uri="http://www.w3.org/XML/1998/namespace"/>
-    <ds:schemaRef ds:uri="http://purl.org/dc/dcmitype/"/>
-    <ds:schemaRef ds:uri="http://purl.org/dc/elements/1.1/"/>
-    <ds:schemaRef ds:uri="http://schemas.microsoft.com/office/infopath/2007/PartnerControls"/>
-    <ds:schemaRef ds:uri="http://schemas.openxmlformats.org/package/2006/metadata/core-properties"/>
-    <ds:schemaRef ds:uri="c25f9c22-fc1f-4454-8c46-2969b0535af5"/>
-    <ds:schemaRef ds:uri="74098b8b-3ead-4c65-9f72-d36b5831b20e"/>
-  </ds:schemaRefs>
-</ds:datastoreItem>
 </file>
--- a/ExpertsLiveIN2019/AzureAtTheCommandLine-Ravikanth.pptx
+++ b/ExpertsLiveIN2019/AzureAtTheCommandLine-Ravikanth.pptx
@@ -258,7 +258,7 @@
           <a:p>
             <a:fld id="{3E82F302-A7C8-034E-97BB-FC8263E03487}" type="datetimeFigureOut">
               <a:rPr lang="en-US" smtClean="0"/>
-              <a:t>1/15/2019</a:t>
+              <a:t>1/18/2019</a:t>
             </a:fld>
             <a:endParaRPr lang="en-US"/>
           </a:p>
@@ -423,7 +423,7 @@
           <a:p>
             <a:fld id="{572B889E-FB6B-4D81-8FCC-1555F636B1A5}" type="datetimeFigureOut">
               <a:rPr lang="x-none" smtClean="0"/>
-              <a:t>1/15/2019</a:t>
+              <a:t>1/18/2019</a:t>
             </a:fld>
             <a:endParaRPr lang="x-none"/>
           </a:p>
@@ -1087,6 +1087,90 @@
 </file>
 
 <file path=ppt/notesSlides/notesSlide5.xml><?xml version="1.0" encoding="utf-8"?>
+<p:notes xmlns:a="http://schemas.openxmlformats.org/drawingml/2006/main" xmlns:r="http://schemas.openxmlformats.org/officeDocument/2006/relationships" xmlns:p="http://schemas.openxmlformats.org/presentationml/2006/main">
+  <p:cSld>
+    <p:spTree>
+      <p:nvGrpSpPr>
+        <p:cNvPr id="1" name=""/>
+        <p:cNvGrpSpPr/>
+        <p:nvPr/>
+      </p:nvGrpSpPr>
+      <p:grpSpPr>
+        <a:xfrm>
+          <a:off x="0" y="0"/>
+          <a:ext cx="0" cy="0"/>
+          <a:chOff x="0" y="0"/>
+          <a:chExt cx="0" cy="0"/>
+        </a:xfrm>
+      </p:grpSpPr>
+      <p:sp>
+        <p:nvSpPr>
+          <p:cNvPr id="2" name="Slide Image Placeholder 1"/>
+          <p:cNvSpPr>
+            <a:spLocks noGrp="1" noRot="1" noChangeAspect="1"/>
+          </p:cNvSpPr>
+          <p:nvPr>
+            <p:ph type="sldImg"/>
+          </p:nvPr>
+        </p:nvSpPr>
+        <p:spPr/>
+      </p:sp>
+      <p:sp>
+        <p:nvSpPr>
+          <p:cNvPr id="3" name="Notes Placeholder 2"/>
+          <p:cNvSpPr>
+            <a:spLocks noGrp="1"/>
+          </p:cNvSpPr>
+          <p:nvPr>
+            <p:ph type="body" idx="1"/>
+          </p:nvPr>
+        </p:nvSpPr>
+        <p:spPr/>
+        <p:txBody>
+          <a:bodyPr/>
+          <a:lstStyle/>
+          <a:p>
+            <a:endParaRPr lang="en-IN" dirty="0"/>
+          </a:p>
+        </p:txBody>
+      </p:sp>
+      <p:sp>
+        <p:nvSpPr>
+          <p:cNvPr id="4" name="Slide Number Placeholder 3"/>
+          <p:cNvSpPr>
+            <a:spLocks noGrp="1"/>
+          </p:cNvSpPr>
+          <p:nvPr>
+            <p:ph type="sldNum" sz="quarter" idx="5"/>
+          </p:nvPr>
+        </p:nvSpPr>
+        <p:spPr/>
+        <p:txBody>
+          <a:bodyPr/>
+          <a:lstStyle/>
+          <a:p>
+            <a:fld id="{87D14CCA-F323-4048-B6FE-F8FEE77E6C44}" type="slidenum">
+              <a:rPr lang="x-none" smtClean="0"/>
+              <a:t>8</a:t>
+            </a:fld>
+            <a:endParaRPr lang="x-none"/>
+          </a:p>
+        </p:txBody>
+      </p:sp>
+    </p:spTree>
+    <p:extLst>
+      <p:ext uri="{BB962C8B-B14F-4D97-AF65-F5344CB8AC3E}">
+        <p14:creationId xmlns:p14="http://schemas.microsoft.com/office/powerpoint/2010/main" val="1156979216"/>
+      </p:ext>
+    </p:extLst>
+  </p:cSld>
+  <p:clrMapOvr>
+    <a:masterClrMapping/>
+  </p:clrMapOvr>
+</p:notes>
+</file>
+
+<file path=ppt/notesSlides/notesSlide6.xml><?xml version="1.0" encoding="utf-8"?>
 <p:notes xmlns:a="http://schemas.openxmlformats.org/drawingml/2006/main" xmlns:r="http://schemas.openxmlformats.org/officeDocument/2006/relationships" xmlns:p="http://schemas.openxmlformats.org/presentationml/2006/main">
   <p:cSld>
     <p:spTree>
@@ -2441,7 +2525,7 @@
                 <a:hlinkClick r:id="rId2">
                   <a:extLst>
                     <a:ext uri="{A12FA001-AC4F-418D-AE19-62706E023703}">
-                      <ahyp:hlinkClr xmlns:ahyp="http://schemas.microsoft.com/office/drawing/2018/hyperlinkcolor" xmlns="" val="tx"/>
+                      <ahyp:hlinkClr xmlns:ahyp="http://schemas.microsoft.com/office/drawing/2018/hyperlinkcolor" val="tx"/>
                     </a:ext>
                   </a:extLst>
                 </a:hlinkClick>
@@ -2479,7 +2563,7 @@
                 <a:hlinkClick r:id="rId3">
                   <a:extLst>
                     <a:ext uri="{A12FA001-AC4F-418D-AE19-62706E023703}">
-                      <ahyp:hlinkClr xmlns:ahyp="http://schemas.microsoft.com/office/drawing/2018/hyperlinkcolor" xmlns="" val="tx"/>
+                      <ahyp:hlinkClr xmlns:ahyp="http://schemas.microsoft.com/office/drawing/2018/hyperlinkcolor" val="tx"/>
                     </a:ext>
                   </a:extLst>
                 </a:hlinkClick>
@@ -2516,7 +2600,7 @@
                 <a:hlinkClick r:id="rId4">
                   <a:extLst>
                     <a:ext uri="{A12FA001-AC4F-418D-AE19-62706E023703}">
-                      <ahyp:hlinkClr xmlns:ahyp="http://schemas.microsoft.com/office/drawing/2018/hyperlinkcolor" xmlns="" val="tx"/>
+                      <ahyp:hlinkClr xmlns:ahyp="http://schemas.microsoft.com/office/drawing/2018/hyperlinkcolor" val="tx"/>
                     </a:ext>
                   </a:extLst>
                 </a:hlinkClick>
@@ -2554,7 +2638,7 @@
                 <a:hlinkClick r:id="rId5">
                   <a:extLst>
                     <a:ext uri="{A12FA001-AC4F-418D-AE19-62706E023703}">
-                      <ahyp:hlinkClr xmlns:ahyp="http://schemas.microsoft.com/office/drawing/2018/hyperlinkcolor" xmlns="" val="tx"/>
+                      <ahyp:hlinkClr xmlns:ahyp="http://schemas.microsoft.com/office/drawing/2018/hyperlinkcolor" val="tx"/>
                     </a:ext>
                   </a:extLst>
                 </a:hlinkClick>
@@ -5548,8 +5632,13 @@
           <a:p>
             <a:r>
               <a:rPr lang="en-US" dirty="0"/>
-              <a:t>Current version is 1.0.0</a:t>
-            </a:r>
+              <a:t>Current version </a:t>
+            </a:r>
+            <a:r>
+              <a:rPr lang="en-US"/>
+              <a:t>is 1.0.0</a:t>
+            </a:r>
+            <a:endParaRPr lang="en-US" dirty="0"/>
           </a:p>
           <a:p>
             <a:r>
@@ -6569,6 +6658,21 @@
 </file>
 
 <file path=customXml/item1.xml><?xml version="1.0" encoding="utf-8"?>
+<p:properties xmlns:p="http://schemas.microsoft.com/office/2006/metadata/properties" xmlns:xsi="http://www.w3.org/2001/XMLSchema-instance" xmlns:pc="http://schemas.microsoft.com/office/infopath/2007/PartnerControls">
+  <documentManagement/>
+</p:properties>
+</file>
+
+<file path=customXml/item2.xml><?xml version="1.0" encoding="utf-8"?>
+<?mso-contentType ?>
+<FormTemplates xmlns="http://schemas.microsoft.com/sharepoint/v3/contenttype/forms">
+  <Display>DocumentLibraryForm</Display>
+  <Edit>DocumentLibraryForm</Edit>
+  <New>DocumentLibraryForm</New>
+</FormTemplates>
+</file>
+
+<file path=customXml/item3.xml><?xml version="1.0" encoding="utf-8"?>
 <ct:contentTypeSchema xmlns:ct="http://schemas.microsoft.com/office/2006/metadata/contentType" xmlns:ma="http://schemas.microsoft.com/office/2006/metadata/properties/metaAttributes" ct:_="" ma:_="" ma:contentTypeName="Dokument" ma:contentTypeID="0x0101001953E0CDE6A38E419236C03EEB01435C" ma:contentTypeVersion="7" ma:contentTypeDescription="Ein neues Dokument erstellen." ma:contentTypeScope="" ma:versionID="35377ed61abc787e6d78f6dd36362cda">
   <xsd:schema xmlns:xsd="http://www.w3.org/2001/XMLSchema" xmlns:xs="http://www.w3.org/2001/XMLSchema" xmlns:p="http://schemas.microsoft.com/office/2006/metadata/properties" xmlns:ns2="74098b8b-3ead-4c65-9f72-d36b5831b20e" xmlns:ns3="c25f9c22-fc1f-4454-8c46-2969b0535af5" targetNamespace="http://schemas.microsoft.com/office/2006/metadata/properties" ma:root="true" ma:fieldsID="77ed309eff22ef73c9fccc7a3e12d61f" ns2:_="" ns3:_="">
     <xsd:import namespace="74098b8b-3ead-4c65-9f72-d36b5831b20e"/>
@@ -6751,22 +6855,32 @@
 </ct:contentTypeSchema>
 </file>
 
-<file path=customXml/item2.xml><?xml version="1.0" encoding="utf-8"?>
-<?mso-contentType ?>
-<FormTemplates xmlns="http://schemas.microsoft.com/sharepoint/v3/contenttype/forms">
-  <Display>DocumentLibraryForm</Display>
-  <Edit>DocumentLibraryForm</Edit>
-  <New>DocumentLibraryForm</New>
-</FormTemplates>
+<file path=customXml/itemProps1.xml><?xml version="1.0" encoding="utf-8"?>
+<ds:datastoreItem xmlns:ds="http://schemas.openxmlformats.org/officeDocument/2006/customXml" ds:itemID="{89296970-E637-471F-86E2-950D4519AEC4}">
+  <ds:schemaRefs>
+    <ds:schemaRef ds:uri="http://schemas.microsoft.com/office/2006/documentManagement/types"/>
+    <ds:schemaRef ds:uri="http://purl.org/dc/terms/"/>
+    <ds:schemaRef ds:uri="http://schemas.microsoft.com/office/2006/metadata/properties"/>
+    <ds:schemaRef ds:uri="http://www.w3.org/XML/1998/namespace"/>
+    <ds:schemaRef ds:uri="http://purl.org/dc/dcmitype/"/>
+    <ds:schemaRef ds:uri="http://purl.org/dc/elements/1.1/"/>
+    <ds:schemaRef ds:uri="http://schemas.microsoft.com/office/infopath/2007/PartnerControls"/>
+    <ds:schemaRef ds:uri="http://schemas.openxmlformats.org/package/2006/metadata/core-properties"/>
+    <ds:schemaRef ds:uri="c25f9c22-fc1f-4454-8c46-2969b0535af5"/>
+    <ds:schemaRef ds:uri="74098b8b-3ead-4c65-9f72-d36b5831b20e"/>
+  </ds:schemaRefs>
+</ds:datastoreItem>
 </file>
 
-<file path=customXml/item3.xml><?xml version="1.0" encoding="utf-8"?>
-<p:properties xmlns:p="http://schemas.microsoft.com/office/2006/metadata/properties" xmlns:xsi="http://www.w3.org/2001/XMLSchema-instance" xmlns:pc="http://schemas.microsoft.com/office/infopath/2007/PartnerControls">
-  <documentManagement/>
-</p:properties>
+<file path=customXml/itemProps2.xml><?xml version="1.0" encoding="utf-8"?>
+<ds:datastoreItem xmlns:ds="http://schemas.openxmlformats.org/officeDocument/2006/customXml" ds:itemID="{D6CE178E-7963-4EFA-83EF-8E123369E092}">
+  <ds:schemaRefs>
+    <ds:schemaRef ds:uri="http://schemas.microsoft.com/sharepoint/v3/contenttype/forms"/>
+  </ds:schemaRefs>
+</ds:datastoreItem>
 </file>
 
-<file path=customXml/itemProps1.xml><?xml version="1.0" encoding="utf-8"?>
+<file path=customXml/itemProps3.xml><?xml version="1.0" encoding="utf-8"?>
 <ds:datastoreItem xmlns:ds="http://schemas.openxmlformats.org/officeDocument/2006/customXml" ds:itemID="{26056780-E2CD-484B-90C1-F30A19D8A5D9}">
   <ds:schemaRefs>
     <ds:schemaRef ds:uri="http://schemas.microsoft.com/office/2006/metadata/contentType"/>
@@ -6783,29 +6897,4 @@
     <ds:schemaRef ds:uri="http://schemas.microsoft.com/internal/obd"/>
   </ds:schemaRefs>
 </ds:datastoreItem>
-</file>
-
-<file path=customXml/itemProps2.xml><?xml version="1.0" encoding="utf-8"?>
-<ds:datastoreItem xmlns:ds="http://schemas.openxmlformats.org/officeDocument/2006/customXml" ds:itemID="{D6CE178E-7963-4EFA-83EF-8E123369E092}">
-  <ds:schemaRefs>
-    <ds:schemaRef ds:uri="http://schemas.microsoft.com/sharepoint/v3/contenttype/forms"/>
-  </ds:schemaRefs>
-</ds:datastoreItem>
-</file>
-
-<file path=customXml/itemProps3.xml><?xml version="1.0" encoding="utf-8"?>
-<ds:datastoreItem xmlns:ds="http://schemas.openxmlformats.org/officeDocument/2006/customXml" ds:itemID="{89296970-E637-471F-86E2-950D4519AEC4}">
-  <ds:schemaRefs>
-    <ds:schemaRef ds:uri="http://schemas.microsoft.com/office/2006/documentManagement/types"/>
-    <ds:schemaRef ds:uri="http://purl.org/dc/terms/"/>
-    <ds:schemaRef ds:uri="http://schemas.microsoft.com/office/2006/metadata/properties"/>
-    <ds:schemaRef ds:uri="http://www.w3.org/XML/1998/namespace"/>
-    <ds:schemaRef ds:uri="http://purl.org/dc/dcmitype/"/>
-    <ds:schemaRef ds:uri="http://purl.org/dc/elements/1.1/"/>
-    <ds:schemaRef ds:uri="http://schemas.microsoft.com/office/infopath/2007/PartnerControls"/>
-    <ds:schemaRef ds:uri="http://schemas.openxmlformats.org/package/2006/metadata/core-properties"/>
-    <ds:schemaRef ds:uri="c25f9c22-fc1f-4454-8c46-2969b0535af5"/>
-    <ds:schemaRef ds:uri="74098b8b-3ead-4c65-9f72-d36b5831b20e"/>
-  </ds:schemaRefs>
-</ds:datastoreItem>
 </file>